--- a/photo/map - Copy.pptx
+++ b/photo/map - Copy.pptx
@@ -2,12 +2,14 @@
 <file path=ppt/presentation.xml><?xml version="1.0" encoding="utf-8"?>
 <p:presentation xmlns:a="http://schemas.openxmlformats.org/drawingml/2006/main" xmlns:r="http://schemas.openxmlformats.org/officeDocument/2006/relationships" xmlns:p="http://schemas.openxmlformats.org/presentationml/2006/main" saveSubsetFonts="1">
   <p:sldMasterIdLst>
-    <p:sldMasterId id="2147483648" r:id="rId1"/>
+    <p:sldMasterId id="2147483660" r:id="rId1"/>
   </p:sldMasterIdLst>
   <p:sldIdLst>
     <p:sldId id="256" r:id="rId2"/>
+    <p:sldId id="257" r:id="rId3"/>
+    <p:sldId id="258" r:id="rId4"/>
   </p:sldIdLst>
-  <p:sldSz cx="12192000" cy="6858000"/>
+  <p:sldSz cx="6858000" cy="12192000"/>
   <p:notesSz cx="6858000" cy="9144000"/>
   <p:defaultTextStyle>
     <a:defPPr>
@@ -107,12 +109,12 @@
   <p:extLst>
     <p:ext uri="{EFAFB233-063F-42B5-8137-9DF3F51BA10A}">
       <p15:sldGuideLst xmlns:p15="http://schemas.microsoft.com/office/powerpoint/2012/main">
-        <p15:guide id="1" orient="horz" pos="2160" userDrawn="1">
+        <p15:guide id="1" orient="horz" pos="3840" userDrawn="1">
           <p15:clr>
             <a:srgbClr val="A4A3A4"/>
           </p15:clr>
         </p15:guide>
-        <p15:guide id="2" pos="3840" userDrawn="1">
+        <p15:guide id="2" pos="2160" userDrawn="1">
           <p15:clr>
             <a:srgbClr val="A4A3A4"/>
           </p15:clr>
@@ -152,15 +154,15 @@
         </p:nvSpPr>
         <p:spPr>
           <a:xfrm>
-            <a:off x="1524000" y="1122363"/>
-            <a:ext cx="9144000" cy="2387600"/>
+            <a:off x="514350" y="1995312"/>
+            <a:ext cx="5829300" cy="4244622"/>
           </a:xfrm>
         </p:spPr>
         <p:txBody>
           <a:bodyPr anchor="b"/>
           <a:lstStyle>
             <a:lvl1pPr algn="ctr">
-              <a:defRPr sz="6000"/>
+              <a:defRPr sz="4500"/>
             </a:lvl1pPr>
           </a:lstStyle>
           <a:p>
@@ -168,7 +170,7 @@
               <a:rPr lang="en-US" smtClean="0"/>
               <a:t>Click to edit Master title style</a:t>
             </a:r>
-            <a:endParaRPr lang="en-US"/>
+            <a:endParaRPr lang="en-US" dirty="0"/>
           </a:p>
         </p:txBody>
       </p:sp>
@@ -184,8 +186,8 @@
         </p:nvSpPr>
         <p:spPr>
           <a:xfrm>
-            <a:off x="1524000" y="3602038"/>
-            <a:ext cx="9144000" cy="1655762"/>
+            <a:off x="857250" y="6403623"/>
+            <a:ext cx="5143500" cy="2943577"/>
           </a:xfrm>
         </p:spPr>
         <p:txBody>
@@ -193,39 +195,39 @@
           <a:lstStyle>
             <a:lvl1pPr marL="0" indent="0" algn="ctr">
               <a:buNone/>
-              <a:defRPr sz="2400"/>
+              <a:defRPr sz="1800"/>
             </a:lvl1pPr>
-            <a:lvl2pPr marL="457200" indent="0" algn="ctr">
+            <a:lvl2pPr marL="342900" indent="0" algn="ctr">
               <a:buNone/>
-              <a:defRPr sz="2000"/>
+              <a:defRPr sz="1500"/>
             </a:lvl2pPr>
-            <a:lvl3pPr marL="914400" indent="0" algn="ctr">
+            <a:lvl3pPr marL="685800" indent="0" algn="ctr">
               <a:buNone/>
-              <a:defRPr sz="1800"/>
+              <a:defRPr sz="1350"/>
             </a:lvl3pPr>
-            <a:lvl4pPr marL="1371600" indent="0" algn="ctr">
+            <a:lvl4pPr marL="1028700" indent="0" algn="ctr">
               <a:buNone/>
-              <a:defRPr sz="1600"/>
+              <a:defRPr sz="1200"/>
             </a:lvl4pPr>
-            <a:lvl5pPr marL="1828800" indent="0" algn="ctr">
+            <a:lvl5pPr marL="1371600" indent="0" algn="ctr">
               <a:buNone/>
-              <a:defRPr sz="1600"/>
+              <a:defRPr sz="1200"/>
             </a:lvl5pPr>
-            <a:lvl6pPr marL="2286000" indent="0" algn="ctr">
+            <a:lvl6pPr marL="1714500" indent="0" algn="ctr">
               <a:buNone/>
-              <a:defRPr sz="1600"/>
+              <a:defRPr sz="1200"/>
             </a:lvl6pPr>
-            <a:lvl7pPr marL="2743200" indent="0" algn="ctr">
+            <a:lvl7pPr marL="2057400" indent="0" algn="ctr">
               <a:buNone/>
-              <a:defRPr sz="1600"/>
+              <a:defRPr sz="1200"/>
             </a:lvl7pPr>
-            <a:lvl8pPr marL="3200400" indent="0" algn="ctr">
+            <a:lvl8pPr marL="2400300" indent="0" algn="ctr">
               <a:buNone/>
-              <a:defRPr sz="1600"/>
+              <a:defRPr sz="1200"/>
             </a:lvl8pPr>
-            <a:lvl9pPr marL="3657600" indent="0" algn="ctr">
+            <a:lvl9pPr marL="2743200" indent="0" algn="ctr">
               <a:buNone/>
-              <a:defRPr sz="1600"/>
+              <a:defRPr sz="1200"/>
             </a:lvl9pPr>
           </a:lstStyle>
           <a:p>
@@ -233,7 +235,7 @@
               <a:rPr lang="en-US" smtClean="0"/>
               <a:t>Click to edit Master subtitle style</a:t>
             </a:r>
-            <a:endParaRPr lang="en-US"/>
+            <a:endParaRPr lang="en-US" dirty="0"/>
           </a:p>
         </p:txBody>
       </p:sp>
@@ -254,7 +256,7 @@
           <a:p>
             <a:fld id="{FDC60B7F-8E4C-44BF-8D08-988AC1B0CC38}" type="datetimeFigureOut">
               <a:rPr lang="en-US" smtClean="0"/>
-              <a:t>9/3/2021</a:t>
+              <a:t>9/18/2021</a:t>
             </a:fld>
             <a:endParaRPr lang="en-US"/>
           </a:p>
@@ -305,7 +307,7 @@
     </p:spTree>
     <p:extLst>
       <p:ext uri="{BB962C8B-B14F-4D97-AF65-F5344CB8AC3E}">
-        <p14:creationId xmlns:p14="http://schemas.microsoft.com/office/powerpoint/2010/main" val="592896076"/>
+        <p14:creationId xmlns:p14="http://schemas.microsoft.com/office/powerpoint/2010/main" val="806328264"/>
       </p:ext>
     </p:extLst>
   </p:cSld>
@@ -351,7 +353,7 @@
               <a:rPr lang="en-US" smtClean="0"/>
               <a:t>Click to edit Master title style</a:t>
             </a:r>
-            <a:endParaRPr lang="en-US"/>
+            <a:endParaRPr lang="en-US" dirty="0"/>
           </a:p>
         </p:txBody>
       </p:sp>
@@ -403,7 +405,7 @@
               <a:rPr lang="en-US" smtClean="0"/>
               <a:t>Fifth level</a:t>
             </a:r>
-            <a:endParaRPr lang="en-US"/>
+            <a:endParaRPr lang="en-US" dirty="0"/>
           </a:p>
         </p:txBody>
       </p:sp>
@@ -424,7 +426,7 @@
           <a:p>
             <a:fld id="{FDC60B7F-8E4C-44BF-8D08-988AC1B0CC38}" type="datetimeFigureOut">
               <a:rPr lang="en-US" smtClean="0"/>
-              <a:t>9/3/2021</a:t>
+              <a:t>9/18/2021</a:t>
             </a:fld>
             <a:endParaRPr lang="en-US"/>
           </a:p>
@@ -475,7 +477,7 @@
     </p:spTree>
     <p:extLst>
       <p:ext uri="{BB962C8B-B14F-4D97-AF65-F5344CB8AC3E}">
-        <p14:creationId xmlns:p14="http://schemas.microsoft.com/office/powerpoint/2010/main" val="654571663"/>
+        <p14:creationId xmlns:p14="http://schemas.microsoft.com/office/powerpoint/2010/main" val="833538818"/>
       </p:ext>
     </p:extLst>
   </p:cSld>
@@ -514,8 +516,8 @@
         </p:nvSpPr>
         <p:spPr>
           <a:xfrm>
-            <a:off x="8724900" y="365125"/>
-            <a:ext cx="2628900" cy="5811838"/>
+            <a:off x="4907757" y="649111"/>
+            <a:ext cx="1478756" cy="10332156"/>
           </a:xfrm>
         </p:spPr>
         <p:txBody>
@@ -526,7 +528,7 @@
               <a:rPr lang="en-US" smtClean="0"/>
               <a:t>Click to edit Master title style</a:t>
             </a:r>
-            <a:endParaRPr lang="en-US"/>
+            <a:endParaRPr lang="en-US" dirty="0"/>
           </a:p>
         </p:txBody>
       </p:sp>
@@ -542,8 +544,8 @@
         </p:nvSpPr>
         <p:spPr>
           <a:xfrm>
-            <a:off x="838200" y="365125"/>
-            <a:ext cx="7734300" cy="5811838"/>
+            <a:off x="471488" y="649111"/>
+            <a:ext cx="4350544" cy="10332156"/>
           </a:xfrm>
         </p:spPr>
         <p:txBody>
@@ -583,7 +585,7 @@
               <a:rPr lang="en-US" smtClean="0"/>
               <a:t>Fifth level</a:t>
             </a:r>
-            <a:endParaRPr lang="en-US"/>
+            <a:endParaRPr lang="en-US" dirty="0"/>
           </a:p>
         </p:txBody>
       </p:sp>
@@ -604,7 +606,7 @@
           <a:p>
             <a:fld id="{FDC60B7F-8E4C-44BF-8D08-988AC1B0CC38}" type="datetimeFigureOut">
               <a:rPr lang="en-US" smtClean="0"/>
-              <a:t>9/3/2021</a:t>
+              <a:t>9/18/2021</a:t>
             </a:fld>
             <a:endParaRPr lang="en-US"/>
           </a:p>
@@ -655,7 +657,7 @@
     </p:spTree>
     <p:extLst>
       <p:ext uri="{BB962C8B-B14F-4D97-AF65-F5344CB8AC3E}">
-        <p14:creationId xmlns:p14="http://schemas.microsoft.com/office/powerpoint/2010/main" val="1190967348"/>
+        <p14:creationId xmlns:p14="http://schemas.microsoft.com/office/powerpoint/2010/main" val="3452550148"/>
       </p:ext>
     </p:extLst>
   </p:cSld>
@@ -701,7 +703,7 @@
               <a:rPr lang="en-US" smtClean="0"/>
               <a:t>Click to edit Master title style</a:t>
             </a:r>
-            <a:endParaRPr lang="en-US"/>
+            <a:endParaRPr lang="en-US" dirty="0"/>
           </a:p>
         </p:txBody>
       </p:sp>
@@ -753,7 +755,7 @@
               <a:rPr lang="en-US" smtClean="0"/>
               <a:t>Fifth level</a:t>
             </a:r>
-            <a:endParaRPr lang="en-US"/>
+            <a:endParaRPr lang="en-US" dirty="0"/>
           </a:p>
         </p:txBody>
       </p:sp>
@@ -774,7 +776,7 @@
           <a:p>
             <a:fld id="{FDC60B7F-8E4C-44BF-8D08-988AC1B0CC38}" type="datetimeFigureOut">
               <a:rPr lang="en-US" smtClean="0"/>
-              <a:t>9/3/2021</a:t>
+              <a:t>9/18/2021</a:t>
             </a:fld>
             <a:endParaRPr lang="en-US"/>
           </a:p>
@@ -825,7 +827,7 @@
     </p:spTree>
     <p:extLst>
       <p:ext uri="{BB962C8B-B14F-4D97-AF65-F5344CB8AC3E}">
-        <p14:creationId xmlns:p14="http://schemas.microsoft.com/office/powerpoint/2010/main" val="2487008566"/>
+        <p14:creationId xmlns:p14="http://schemas.microsoft.com/office/powerpoint/2010/main" val="3132439342"/>
       </p:ext>
     </p:extLst>
   </p:cSld>
@@ -864,15 +866,15 @@
         </p:nvSpPr>
         <p:spPr>
           <a:xfrm>
-            <a:off x="831850" y="1709738"/>
-            <a:ext cx="10515600" cy="2852737"/>
+            <a:off x="467916" y="3039537"/>
+            <a:ext cx="5915025" cy="5071532"/>
           </a:xfrm>
         </p:spPr>
         <p:txBody>
           <a:bodyPr anchor="b"/>
           <a:lstStyle>
             <a:lvl1pPr>
-              <a:defRPr sz="6000"/>
+              <a:defRPr sz="4500"/>
             </a:lvl1pPr>
           </a:lstStyle>
           <a:p>
@@ -880,7 +882,7 @@
               <a:rPr lang="en-US" smtClean="0"/>
               <a:t>Click to edit Master title style</a:t>
             </a:r>
-            <a:endParaRPr lang="en-US"/>
+            <a:endParaRPr lang="en-US" dirty="0"/>
           </a:p>
         </p:txBody>
       </p:sp>
@@ -896,8 +898,8 @@
         </p:nvSpPr>
         <p:spPr>
           <a:xfrm>
-            <a:off x="831850" y="4589463"/>
-            <a:ext cx="10515600" cy="1500187"/>
+            <a:off x="467916" y="8159048"/>
+            <a:ext cx="5915025" cy="2666999"/>
           </a:xfrm>
         </p:spPr>
         <p:txBody>
@@ -905,17 +907,15 @@
           <a:lstStyle>
             <a:lvl1pPr marL="0" indent="0">
               <a:buNone/>
-              <a:defRPr sz="2400">
+              <a:defRPr sz="1800">
                 <a:solidFill>
-                  <a:schemeClr val="tx1">
-                    <a:tint val="75000"/>
-                  </a:schemeClr>
+                  <a:schemeClr val="tx1"/>
                 </a:solidFill>
               </a:defRPr>
             </a:lvl1pPr>
-            <a:lvl2pPr marL="457200" indent="0">
+            <a:lvl2pPr marL="342900" indent="0">
               <a:buNone/>
-              <a:defRPr sz="2000">
+              <a:defRPr sz="1500">
                 <a:solidFill>
                   <a:schemeClr val="tx1">
                     <a:tint val="75000"/>
@@ -923,9 +923,9 @@
                 </a:solidFill>
               </a:defRPr>
             </a:lvl2pPr>
-            <a:lvl3pPr marL="914400" indent="0">
+            <a:lvl3pPr marL="685800" indent="0">
               <a:buNone/>
-              <a:defRPr sz="1800">
+              <a:defRPr sz="1350">
                 <a:solidFill>
                   <a:schemeClr val="tx1">
                     <a:tint val="75000"/>
@@ -933,9 +933,9 @@
                 </a:solidFill>
               </a:defRPr>
             </a:lvl3pPr>
-            <a:lvl4pPr marL="1371600" indent="0">
+            <a:lvl4pPr marL="1028700" indent="0">
               <a:buNone/>
-              <a:defRPr sz="1600">
+              <a:defRPr sz="1200">
                 <a:solidFill>
                   <a:schemeClr val="tx1">
                     <a:tint val="75000"/>
@@ -943,9 +943,9 @@
                 </a:solidFill>
               </a:defRPr>
             </a:lvl4pPr>
-            <a:lvl5pPr marL="1828800" indent="0">
+            <a:lvl5pPr marL="1371600" indent="0">
               <a:buNone/>
-              <a:defRPr sz="1600">
+              <a:defRPr sz="1200">
                 <a:solidFill>
                   <a:schemeClr val="tx1">
                     <a:tint val="75000"/>
@@ -953,9 +953,9 @@
                 </a:solidFill>
               </a:defRPr>
             </a:lvl5pPr>
-            <a:lvl6pPr marL="2286000" indent="0">
+            <a:lvl6pPr marL="1714500" indent="0">
               <a:buNone/>
-              <a:defRPr sz="1600">
+              <a:defRPr sz="1200">
                 <a:solidFill>
                   <a:schemeClr val="tx1">
                     <a:tint val="75000"/>
@@ -963,9 +963,9 @@
                 </a:solidFill>
               </a:defRPr>
             </a:lvl6pPr>
-            <a:lvl7pPr marL="2743200" indent="0">
+            <a:lvl7pPr marL="2057400" indent="0">
               <a:buNone/>
-              <a:defRPr sz="1600">
+              <a:defRPr sz="1200">
                 <a:solidFill>
                   <a:schemeClr val="tx1">
                     <a:tint val="75000"/>
@@ -973,9 +973,9 @@
                 </a:solidFill>
               </a:defRPr>
             </a:lvl7pPr>
-            <a:lvl8pPr marL="3200400" indent="0">
+            <a:lvl8pPr marL="2400300" indent="0">
               <a:buNone/>
-              <a:defRPr sz="1600">
+              <a:defRPr sz="1200">
                 <a:solidFill>
                   <a:schemeClr val="tx1">
                     <a:tint val="75000"/>
@@ -983,9 +983,9 @@
                 </a:solidFill>
               </a:defRPr>
             </a:lvl8pPr>
-            <a:lvl9pPr marL="3657600" indent="0">
+            <a:lvl9pPr marL="2743200" indent="0">
               <a:buNone/>
-              <a:defRPr sz="1600">
+              <a:defRPr sz="1200">
                 <a:solidFill>
                   <a:schemeClr val="tx1">
                     <a:tint val="75000"/>
@@ -1020,7 +1020,7 @@
           <a:p>
             <a:fld id="{FDC60B7F-8E4C-44BF-8D08-988AC1B0CC38}" type="datetimeFigureOut">
               <a:rPr lang="en-US" smtClean="0"/>
-              <a:t>9/3/2021</a:t>
+              <a:t>9/18/2021</a:t>
             </a:fld>
             <a:endParaRPr lang="en-US"/>
           </a:p>
@@ -1071,7 +1071,7 @@
     </p:spTree>
     <p:extLst>
       <p:ext uri="{BB962C8B-B14F-4D97-AF65-F5344CB8AC3E}">
-        <p14:creationId xmlns:p14="http://schemas.microsoft.com/office/powerpoint/2010/main" val="1588181637"/>
+        <p14:creationId xmlns:p14="http://schemas.microsoft.com/office/powerpoint/2010/main" val="569862716"/>
       </p:ext>
     </p:extLst>
   </p:cSld>
@@ -1117,7 +1117,7 @@
               <a:rPr lang="en-US" smtClean="0"/>
               <a:t>Click to edit Master title style</a:t>
             </a:r>
-            <a:endParaRPr lang="en-US"/>
+            <a:endParaRPr lang="en-US" dirty="0"/>
           </a:p>
         </p:txBody>
       </p:sp>
@@ -1133,8 +1133,8 @@
         </p:nvSpPr>
         <p:spPr>
           <a:xfrm>
-            <a:off x="838200" y="1825625"/>
-            <a:ext cx="5181600" cy="4351338"/>
+            <a:off x="471488" y="3245556"/>
+            <a:ext cx="2914650" cy="7735712"/>
           </a:xfrm>
         </p:spPr>
         <p:txBody>
@@ -1174,7 +1174,7 @@
               <a:rPr lang="en-US" smtClean="0"/>
               <a:t>Fifth level</a:t>
             </a:r>
-            <a:endParaRPr lang="en-US"/>
+            <a:endParaRPr lang="en-US" dirty="0"/>
           </a:p>
         </p:txBody>
       </p:sp>
@@ -1190,8 +1190,8 @@
         </p:nvSpPr>
         <p:spPr>
           <a:xfrm>
-            <a:off x="6172200" y="1825625"/>
-            <a:ext cx="5181600" cy="4351338"/>
+            <a:off x="3471863" y="3245556"/>
+            <a:ext cx="2914650" cy="7735712"/>
           </a:xfrm>
         </p:spPr>
         <p:txBody>
@@ -1231,7 +1231,7 @@
               <a:rPr lang="en-US" smtClean="0"/>
               <a:t>Fifth level</a:t>
             </a:r>
-            <a:endParaRPr lang="en-US"/>
+            <a:endParaRPr lang="en-US" dirty="0"/>
           </a:p>
         </p:txBody>
       </p:sp>
@@ -1252,7 +1252,7 @@
           <a:p>
             <a:fld id="{FDC60B7F-8E4C-44BF-8D08-988AC1B0CC38}" type="datetimeFigureOut">
               <a:rPr lang="en-US" smtClean="0"/>
-              <a:t>9/3/2021</a:t>
+              <a:t>9/18/2021</a:t>
             </a:fld>
             <a:endParaRPr lang="en-US"/>
           </a:p>
@@ -1303,7 +1303,7 @@
     </p:spTree>
     <p:extLst>
       <p:ext uri="{BB962C8B-B14F-4D97-AF65-F5344CB8AC3E}">
-        <p14:creationId xmlns:p14="http://schemas.microsoft.com/office/powerpoint/2010/main" val="1629357716"/>
+        <p14:creationId xmlns:p14="http://schemas.microsoft.com/office/powerpoint/2010/main" val="1238107547"/>
       </p:ext>
     </p:extLst>
   </p:cSld>
@@ -1342,8 +1342,8 @@
         </p:nvSpPr>
         <p:spPr>
           <a:xfrm>
-            <a:off x="839788" y="365125"/>
-            <a:ext cx="10515600" cy="1325563"/>
+            <a:off x="472381" y="649114"/>
+            <a:ext cx="5915025" cy="2356556"/>
           </a:xfrm>
         </p:spPr>
         <p:txBody>
@@ -1354,7 +1354,7 @@
               <a:rPr lang="en-US" smtClean="0"/>
               <a:t>Click to edit Master title style</a:t>
             </a:r>
-            <a:endParaRPr lang="en-US"/>
+            <a:endParaRPr lang="en-US" dirty="0"/>
           </a:p>
         </p:txBody>
       </p:sp>
@@ -1370,8 +1370,8 @@
         </p:nvSpPr>
         <p:spPr>
           <a:xfrm>
-            <a:off x="839788" y="1681163"/>
-            <a:ext cx="5157787" cy="823912"/>
+            <a:off x="472381" y="2988734"/>
+            <a:ext cx="2901255" cy="1464732"/>
           </a:xfrm>
         </p:spPr>
         <p:txBody>
@@ -1379,39 +1379,39 @@
           <a:lstStyle>
             <a:lvl1pPr marL="0" indent="0">
               <a:buNone/>
-              <a:defRPr sz="2400" b="1"/>
+              <a:defRPr sz="1800" b="1"/>
             </a:lvl1pPr>
-            <a:lvl2pPr marL="457200" indent="0">
+            <a:lvl2pPr marL="342900" indent="0">
               <a:buNone/>
-              <a:defRPr sz="2000" b="1"/>
+              <a:defRPr sz="1500" b="1"/>
             </a:lvl2pPr>
-            <a:lvl3pPr marL="914400" indent="0">
+            <a:lvl3pPr marL="685800" indent="0">
               <a:buNone/>
-              <a:defRPr sz="1800" b="1"/>
+              <a:defRPr sz="1350" b="1"/>
             </a:lvl3pPr>
-            <a:lvl4pPr marL="1371600" indent="0">
+            <a:lvl4pPr marL="1028700" indent="0">
               <a:buNone/>
-              <a:defRPr sz="1600" b="1"/>
+              <a:defRPr sz="1200" b="1"/>
             </a:lvl4pPr>
-            <a:lvl5pPr marL="1828800" indent="0">
+            <a:lvl5pPr marL="1371600" indent="0">
               <a:buNone/>
-              <a:defRPr sz="1600" b="1"/>
+              <a:defRPr sz="1200" b="1"/>
             </a:lvl5pPr>
-            <a:lvl6pPr marL="2286000" indent="0">
+            <a:lvl6pPr marL="1714500" indent="0">
               <a:buNone/>
-              <a:defRPr sz="1600" b="1"/>
+              <a:defRPr sz="1200" b="1"/>
             </a:lvl6pPr>
-            <a:lvl7pPr marL="2743200" indent="0">
+            <a:lvl7pPr marL="2057400" indent="0">
               <a:buNone/>
-              <a:defRPr sz="1600" b="1"/>
+              <a:defRPr sz="1200" b="1"/>
             </a:lvl7pPr>
-            <a:lvl8pPr marL="3200400" indent="0">
+            <a:lvl8pPr marL="2400300" indent="0">
               <a:buNone/>
-              <a:defRPr sz="1600" b="1"/>
+              <a:defRPr sz="1200" b="1"/>
             </a:lvl8pPr>
-            <a:lvl9pPr marL="3657600" indent="0">
+            <a:lvl9pPr marL="2743200" indent="0">
               <a:buNone/>
-              <a:defRPr sz="1600" b="1"/>
+              <a:defRPr sz="1200" b="1"/>
             </a:lvl9pPr>
           </a:lstStyle>
           <a:p>
@@ -1435,8 +1435,8 @@
         </p:nvSpPr>
         <p:spPr>
           <a:xfrm>
-            <a:off x="839788" y="2505075"/>
-            <a:ext cx="5157787" cy="3684588"/>
+            <a:off x="472381" y="4453467"/>
+            <a:ext cx="2901255" cy="6550379"/>
           </a:xfrm>
         </p:spPr>
         <p:txBody>
@@ -1476,7 +1476,7 @@
               <a:rPr lang="en-US" smtClean="0"/>
               <a:t>Fifth level</a:t>
             </a:r>
-            <a:endParaRPr lang="en-US"/>
+            <a:endParaRPr lang="en-US" dirty="0"/>
           </a:p>
         </p:txBody>
       </p:sp>
@@ -1492,8 +1492,8 @@
         </p:nvSpPr>
         <p:spPr>
           <a:xfrm>
-            <a:off x="6172200" y="1681163"/>
-            <a:ext cx="5183188" cy="823912"/>
+            <a:off x="3471863" y="2988734"/>
+            <a:ext cx="2915543" cy="1464732"/>
           </a:xfrm>
         </p:spPr>
         <p:txBody>
@@ -1501,39 +1501,39 @@
           <a:lstStyle>
             <a:lvl1pPr marL="0" indent="0">
               <a:buNone/>
-              <a:defRPr sz="2400" b="1"/>
+              <a:defRPr sz="1800" b="1"/>
             </a:lvl1pPr>
-            <a:lvl2pPr marL="457200" indent="0">
+            <a:lvl2pPr marL="342900" indent="0">
               <a:buNone/>
-              <a:defRPr sz="2000" b="1"/>
+              <a:defRPr sz="1500" b="1"/>
             </a:lvl2pPr>
-            <a:lvl3pPr marL="914400" indent="0">
+            <a:lvl3pPr marL="685800" indent="0">
               <a:buNone/>
-              <a:defRPr sz="1800" b="1"/>
+              <a:defRPr sz="1350" b="1"/>
             </a:lvl3pPr>
-            <a:lvl4pPr marL="1371600" indent="0">
+            <a:lvl4pPr marL="1028700" indent="0">
               <a:buNone/>
-              <a:defRPr sz="1600" b="1"/>
+              <a:defRPr sz="1200" b="1"/>
             </a:lvl4pPr>
-            <a:lvl5pPr marL="1828800" indent="0">
+            <a:lvl5pPr marL="1371600" indent="0">
               <a:buNone/>
-              <a:defRPr sz="1600" b="1"/>
+              <a:defRPr sz="1200" b="1"/>
             </a:lvl5pPr>
-            <a:lvl6pPr marL="2286000" indent="0">
+            <a:lvl6pPr marL="1714500" indent="0">
               <a:buNone/>
-              <a:defRPr sz="1600" b="1"/>
+              <a:defRPr sz="1200" b="1"/>
             </a:lvl6pPr>
-            <a:lvl7pPr marL="2743200" indent="0">
+            <a:lvl7pPr marL="2057400" indent="0">
               <a:buNone/>
-              <a:defRPr sz="1600" b="1"/>
+              <a:defRPr sz="1200" b="1"/>
             </a:lvl7pPr>
-            <a:lvl8pPr marL="3200400" indent="0">
+            <a:lvl8pPr marL="2400300" indent="0">
               <a:buNone/>
-              <a:defRPr sz="1600" b="1"/>
+              <a:defRPr sz="1200" b="1"/>
             </a:lvl8pPr>
-            <a:lvl9pPr marL="3657600" indent="0">
+            <a:lvl9pPr marL="2743200" indent="0">
               <a:buNone/>
-              <a:defRPr sz="1600" b="1"/>
+              <a:defRPr sz="1200" b="1"/>
             </a:lvl9pPr>
           </a:lstStyle>
           <a:p>
@@ -1557,8 +1557,8 @@
         </p:nvSpPr>
         <p:spPr>
           <a:xfrm>
-            <a:off x="6172200" y="2505075"/>
-            <a:ext cx="5183188" cy="3684588"/>
+            <a:off x="3471863" y="4453467"/>
+            <a:ext cx="2915543" cy="6550379"/>
           </a:xfrm>
         </p:spPr>
         <p:txBody>
@@ -1598,7 +1598,7 @@
               <a:rPr lang="en-US" smtClean="0"/>
               <a:t>Fifth level</a:t>
             </a:r>
-            <a:endParaRPr lang="en-US"/>
+            <a:endParaRPr lang="en-US" dirty="0"/>
           </a:p>
         </p:txBody>
       </p:sp>
@@ -1619,7 +1619,7 @@
           <a:p>
             <a:fld id="{FDC60B7F-8E4C-44BF-8D08-988AC1B0CC38}" type="datetimeFigureOut">
               <a:rPr lang="en-US" smtClean="0"/>
-              <a:t>9/3/2021</a:t>
+              <a:t>9/18/2021</a:t>
             </a:fld>
             <a:endParaRPr lang="en-US"/>
           </a:p>
@@ -1670,7 +1670,7 @@
     </p:spTree>
     <p:extLst>
       <p:ext uri="{BB962C8B-B14F-4D97-AF65-F5344CB8AC3E}">
-        <p14:creationId xmlns:p14="http://schemas.microsoft.com/office/powerpoint/2010/main" val="39871844"/>
+        <p14:creationId xmlns:p14="http://schemas.microsoft.com/office/powerpoint/2010/main" val="3190152567"/>
       </p:ext>
     </p:extLst>
   </p:cSld>
@@ -1716,7 +1716,7 @@
               <a:rPr lang="en-US" smtClean="0"/>
               <a:t>Click to edit Master title style</a:t>
             </a:r>
-            <a:endParaRPr lang="en-US"/>
+            <a:endParaRPr lang="en-US" dirty="0"/>
           </a:p>
         </p:txBody>
       </p:sp>
@@ -1737,7 +1737,7 @@
           <a:p>
             <a:fld id="{FDC60B7F-8E4C-44BF-8D08-988AC1B0CC38}" type="datetimeFigureOut">
               <a:rPr lang="en-US" smtClean="0"/>
-              <a:t>9/3/2021</a:t>
+              <a:t>9/18/2021</a:t>
             </a:fld>
             <a:endParaRPr lang="en-US"/>
           </a:p>
@@ -1788,7 +1788,7 @@
     </p:spTree>
     <p:extLst>
       <p:ext uri="{BB962C8B-B14F-4D97-AF65-F5344CB8AC3E}">
-        <p14:creationId xmlns:p14="http://schemas.microsoft.com/office/powerpoint/2010/main" val="1739828053"/>
+        <p14:creationId xmlns:p14="http://schemas.microsoft.com/office/powerpoint/2010/main" val="681552212"/>
       </p:ext>
     </p:extLst>
   </p:cSld>
@@ -1832,7 +1832,7 @@
           <a:p>
             <a:fld id="{FDC60B7F-8E4C-44BF-8D08-988AC1B0CC38}" type="datetimeFigureOut">
               <a:rPr lang="en-US" smtClean="0"/>
-              <a:t>9/3/2021</a:t>
+              <a:t>9/18/2021</a:t>
             </a:fld>
             <a:endParaRPr lang="en-US"/>
           </a:p>
@@ -1883,7 +1883,7 @@
     </p:spTree>
     <p:extLst>
       <p:ext uri="{BB962C8B-B14F-4D97-AF65-F5344CB8AC3E}">
-        <p14:creationId xmlns:p14="http://schemas.microsoft.com/office/powerpoint/2010/main" val="3265766891"/>
+        <p14:creationId xmlns:p14="http://schemas.microsoft.com/office/powerpoint/2010/main" val="743926715"/>
       </p:ext>
     </p:extLst>
   </p:cSld>
@@ -1922,15 +1922,15 @@
         </p:nvSpPr>
         <p:spPr>
           <a:xfrm>
-            <a:off x="839788" y="457200"/>
-            <a:ext cx="3932237" cy="1600200"/>
+            <a:off x="472381" y="812800"/>
+            <a:ext cx="2211884" cy="2844800"/>
           </a:xfrm>
         </p:spPr>
         <p:txBody>
           <a:bodyPr anchor="b"/>
           <a:lstStyle>
             <a:lvl1pPr>
-              <a:defRPr sz="3200"/>
+              <a:defRPr sz="2400"/>
             </a:lvl1pPr>
           </a:lstStyle>
           <a:p>
@@ -1938,7 +1938,7 @@
               <a:rPr lang="en-US" smtClean="0"/>
               <a:t>Click to edit Master title style</a:t>
             </a:r>
-            <a:endParaRPr lang="en-US"/>
+            <a:endParaRPr lang="en-US" dirty="0"/>
           </a:p>
         </p:txBody>
       </p:sp>
@@ -1954,39 +1954,39 @@
         </p:nvSpPr>
         <p:spPr>
           <a:xfrm>
-            <a:off x="5183188" y="987425"/>
-            <a:ext cx="6172200" cy="4873625"/>
+            <a:off x="2915543" y="1755425"/>
+            <a:ext cx="3471863" cy="8664222"/>
           </a:xfrm>
         </p:spPr>
         <p:txBody>
           <a:bodyPr/>
           <a:lstStyle>
             <a:lvl1pPr>
-              <a:defRPr sz="3200"/>
+              <a:defRPr sz="2400"/>
             </a:lvl1pPr>
             <a:lvl2pPr>
-              <a:defRPr sz="2800"/>
+              <a:defRPr sz="2100"/>
             </a:lvl2pPr>
             <a:lvl3pPr>
-              <a:defRPr sz="2400"/>
+              <a:defRPr sz="1800"/>
             </a:lvl3pPr>
             <a:lvl4pPr>
-              <a:defRPr sz="2000"/>
+              <a:defRPr sz="1500"/>
             </a:lvl4pPr>
             <a:lvl5pPr>
-              <a:defRPr sz="2000"/>
+              <a:defRPr sz="1500"/>
             </a:lvl5pPr>
             <a:lvl6pPr>
-              <a:defRPr sz="2000"/>
+              <a:defRPr sz="1500"/>
             </a:lvl6pPr>
             <a:lvl7pPr>
-              <a:defRPr sz="2000"/>
+              <a:defRPr sz="1500"/>
             </a:lvl7pPr>
             <a:lvl8pPr>
-              <a:defRPr sz="2000"/>
+              <a:defRPr sz="1500"/>
             </a:lvl8pPr>
             <a:lvl9pPr>
-              <a:defRPr sz="2000"/>
+              <a:defRPr sz="1500"/>
             </a:lvl9pPr>
           </a:lstStyle>
           <a:p>
@@ -2023,7 +2023,7 @@
               <a:rPr lang="en-US" smtClean="0"/>
               <a:t>Fifth level</a:t>
             </a:r>
-            <a:endParaRPr lang="en-US"/>
+            <a:endParaRPr lang="en-US" dirty="0"/>
           </a:p>
         </p:txBody>
       </p:sp>
@@ -2039,8 +2039,8 @@
         </p:nvSpPr>
         <p:spPr>
           <a:xfrm>
-            <a:off x="839788" y="2057400"/>
-            <a:ext cx="3932237" cy="3811588"/>
+            <a:off x="472381" y="3657600"/>
+            <a:ext cx="2211884" cy="6776156"/>
           </a:xfrm>
         </p:spPr>
         <p:txBody>
@@ -2048,39 +2048,39 @@
           <a:lstStyle>
             <a:lvl1pPr marL="0" indent="0">
               <a:buNone/>
-              <a:defRPr sz="1600"/>
+              <a:defRPr sz="1200"/>
             </a:lvl1pPr>
-            <a:lvl2pPr marL="457200" indent="0">
+            <a:lvl2pPr marL="342900" indent="0">
               <a:buNone/>
-              <a:defRPr sz="1400"/>
+              <a:defRPr sz="1050"/>
             </a:lvl2pPr>
-            <a:lvl3pPr marL="914400" indent="0">
+            <a:lvl3pPr marL="685800" indent="0">
               <a:buNone/>
-              <a:defRPr sz="1200"/>
+              <a:defRPr sz="900"/>
             </a:lvl3pPr>
-            <a:lvl4pPr marL="1371600" indent="0">
+            <a:lvl4pPr marL="1028700" indent="0">
               <a:buNone/>
-              <a:defRPr sz="1000"/>
+              <a:defRPr sz="750"/>
             </a:lvl4pPr>
-            <a:lvl5pPr marL="1828800" indent="0">
+            <a:lvl5pPr marL="1371600" indent="0">
               <a:buNone/>
-              <a:defRPr sz="1000"/>
+              <a:defRPr sz="750"/>
             </a:lvl5pPr>
-            <a:lvl6pPr marL="2286000" indent="0">
+            <a:lvl6pPr marL="1714500" indent="0">
               <a:buNone/>
-              <a:defRPr sz="1000"/>
+              <a:defRPr sz="750"/>
             </a:lvl6pPr>
-            <a:lvl7pPr marL="2743200" indent="0">
+            <a:lvl7pPr marL="2057400" indent="0">
               <a:buNone/>
-              <a:defRPr sz="1000"/>
+              <a:defRPr sz="750"/>
             </a:lvl7pPr>
-            <a:lvl8pPr marL="3200400" indent="0">
+            <a:lvl8pPr marL="2400300" indent="0">
               <a:buNone/>
-              <a:defRPr sz="1000"/>
+              <a:defRPr sz="750"/>
             </a:lvl8pPr>
-            <a:lvl9pPr marL="3657600" indent="0">
+            <a:lvl9pPr marL="2743200" indent="0">
               <a:buNone/>
-              <a:defRPr sz="1000"/>
+              <a:defRPr sz="750"/>
             </a:lvl9pPr>
           </a:lstStyle>
           <a:p>
@@ -2109,7 +2109,7 @@
           <a:p>
             <a:fld id="{FDC60B7F-8E4C-44BF-8D08-988AC1B0CC38}" type="datetimeFigureOut">
               <a:rPr lang="en-US" smtClean="0"/>
-              <a:t>9/3/2021</a:t>
+              <a:t>9/18/2021</a:t>
             </a:fld>
             <a:endParaRPr lang="en-US"/>
           </a:p>
@@ -2160,7 +2160,7 @@
     </p:spTree>
     <p:extLst>
       <p:ext uri="{BB962C8B-B14F-4D97-AF65-F5344CB8AC3E}">
-        <p14:creationId xmlns:p14="http://schemas.microsoft.com/office/powerpoint/2010/main" val="3220368028"/>
+        <p14:creationId xmlns:p14="http://schemas.microsoft.com/office/powerpoint/2010/main" val="1095098855"/>
       </p:ext>
     </p:extLst>
   </p:cSld>
@@ -2199,15 +2199,15 @@
         </p:nvSpPr>
         <p:spPr>
           <a:xfrm>
-            <a:off x="839788" y="457200"/>
-            <a:ext cx="3932237" cy="1600200"/>
+            <a:off x="472381" y="812800"/>
+            <a:ext cx="2211884" cy="2844800"/>
           </a:xfrm>
         </p:spPr>
         <p:txBody>
           <a:bodyPr anchor="b"/>
           <a:lstStyle>
             <a:lvl1pPr>
-              <a:defRPr sz="3200"/>
+              <a:defRPr sz="2400"/>
             </a:lvl1pPr>
           </a:lstStyle>
           <a:p>
@@ -2215,7 +2215,7 @@
               <a:rPr lang="en-US" smtClean="0"/>
               <a:t>Click to edit Master title style</a:t>
             </a:r>
-            <a:endParaRPr lang="en-US"/>
+            <a:endParaRPr lang="en-US" dirty="0"/>
           </a:p>
         </p:txBody>
       </p:sp>
@@ -2223,7 +2223,7 @@
         <p:nvSpPr>
           <p:cNvPr id="3" name="Picture Placeholder 2"/>
           <p:cNvSpPr>
-            <a:spLocks noGrp="1"/>
+            <a:spLocks noGrp="1" noChangeAspect="1"/>
           </p:cNvSpPr>
           <p:nvPr>
             <p:ph type="pic" idx="1"/>
@@ -2231,52 +2231,56 @@
         </p:nvSpPr>
         <p:spPr>
           <a:xfrm>
-            <a:off x="5183188" y="987425"/>
-            <a:ext cx="6172200" cy="4873625"/>
-          </a:xfrm>
-        </p:spPr>
-        <p:txBody>
-          <a:bodyPr/>
+            <a:off x="2915543" y="1755425"/>
+            <a:ext cx="3471863" cy="8664222"/>
+          </a:xfrm>
+        </p:spPr>
+        <p:txBody>
+          <a:bodyPr anchor="t"/>
           <a:lstStyle>
             <a:lvl1pPr marL="0" indent="0">
               <a:buNone/>
-              <a:defRPr sz="3200"/>
+              <a:defRPr sz="2400"/>
             </a:lvl1pPr>
-            <a:lvl2pPr marL="457200" indent="0">
+            <a:lvl2pPr marL="342900" indent="0">
               <a:buNone/>
-              <a:defRPr sz="2800"/>
+              <a:defRPr sz="2100"/>
             </a:lvl2pPr>
-            <a:lvl3pPr marL="914400" indent="0">
+            <a:lvl3pPr marL="685800" indent="0">
               <a:buNone/>
-              <a:defRPr sz="2400"/>
+              <a:defRPr sz="1800"/>
             </a:lvl3pPr>
-            <a:lvl4pPr marL="1371600" indent="0">
+            <a:lvl4pPr marL="1028700" indent="0">
               <a:buNone/>
-              <a:defRPr sz="2000"/>
+              <a:defRPr sz="1500"/>
             </a:lvl4pPr>
-            <a:lvl5pPr marL="1828800" indent="0">
+            <a:lvl5pPr marL="1371600" indent="0">
               <a:buNone/>
-              <a:defRPr sz="2000"/>
+              <a:defRPr sz="1500"/>
             </a:lvl5pPr>
-            <a:lvl6pPr marL="2286000" indent="0">
+            <a:lvl6pPr marL="1714500" indent="0">
               <a:buNone/>
-              <a:defRPr sz="2000"/>
+              <a:defRPr sz="1500"/>
             </a:lvl6pPr>
-            <a:lvl7pPr marL="2743200" indent="0">
+            <a:lvl7pPr marL="2057400" indent="0">
               <a:buNone/>
-              <a:defRPr sz="2000"/>
+              <a:defRPr sz="1500"/>
             </a:lvl7pPr>
-            <a:lvl8pPr marL="3200400" indent="0">
+            <a:lvl8pPr marL="2400300" indent="0">
               <a:buNone/>
-              <a:defRPr sz="2000"/>
+              <a:defRPr sz="1500"/>
             </a:lvl8pPr>
-            <a:lvl9pPr marL="3657600" indent="0">
+            <a:lvl9pPr marL="2743200" indent="0">
               <a:buNone/>
-              <a:defRPr sz="2000"/>
+              <a:defRPr sz="1500"/>
             </a:lvl9pPr>
           </a:lstStyle>
           <a:p>
-            <a:endParaRPr lang="en-US"/>
+            <a:r>
+              <a:rPr lang="en-US" smtClean="0"/>
+              <a:t>Click icon to add picture</a:t>
+            </a:r>
+            <a:endParaRPr lang="en-US" dirty="0"/>
           </a:p>
         </p:txBody>
       </p:sp>
@@ -2292,8 +2296,8 @@
         </p:nvSpPr>
         <p:spPr>
           <a:xfrm>
-            <a:off x="839788" y="2057400"/>
-            <a:ext cx="3932237" cy="3811588"/>
+            <a:off x="472381" y="3657600"/>
+            <a:ext cx="2211884" cy="6776156"/>
           </a:xfrm>
         </p:spPr>
         <p:txBody>
@@ -2301,39 +2305,39 @@
           <a:lstStyle>
             <a:lvl1pPr marL="0" indent="0">
               <a:buNone/>
-              <a:defRPr sz="1600"/>
+              <a:defRPr sz="1200"/>
             </a:lvl1pPr>
-            <a:lvl2pPr marL="457200" indent="0">
+            <a:lvl2pPr marL="342900" indent="0">
               <a:buNone/>
-              <a:defRPr sz="1400"/>
+              <a:defRPr sz="1050"/>
             </a:lvl2pPr>
-            <a:lvl3pPr marL="914400" indent="0">
+            <a:lvl3pPr marL="685800" indent="0">
               <a:buNone/>
-              <a:defRPr sz="1200"/>
+              <a:defRPr sz="900"/>
             </a:lvl3pPr>
-            <a:lvl4pPr marL="1371600" indent="0">
+            <a:lvl4pPr marL="1028700" indent="0">
               <a:buNone/>
-              <a:defRPr sz="1000"/>
+              <a:defRPr sz="750"/>
             </a:lvl4pPr>
-            <a:lvl5pPr marL="1828800" indent="0">
+            <a:lvl5pPr marL="1371600" indent="0">
               <a:buNone/>
-              <a:defRPr sz="1000"/>
+              <a:defRPr sz="750"/>
             </a:lvl5pPr>
-            <a:lvl6pPr marL="2286000" indent="0">
+            <a:lvl6pPr marL="1714500" indent="0">
               <a:buNone/>
-              <a:defRPr sz="1000"/>
+              <a:defRPr sz="750"/>
             </a:lvl6pPr>
-            <a:lvl7pPr marL="2743200" indent="0">
+            <a:lvl7pPr marL="2057400" indent="0">
               <a:buNone/>
-              <a:defRPr sz="1000"/>
+              <a:defRPr sz="750"/>
             </a:lvl7pPr>
-            <a:lvl8pPr marL="3200400" indent="0">
+            <a:lvl8pPr marL="2400300" indent="0">
               <a:buNone/>
-              <a:defRPr sz="1000"/>
+              <a:defRPr sz="750"/>
             </a:lvl8pPr>
-            <a:lvl9pPr marL="3657600" indent="0">
+            <a:lvl9pPr marL="2743200" indent="0">
               <a:buNone/>
-              <a:defRPr sz="1000"/>
+              <a:defRPr sz="750"/>
             </a:lvl9pPr>
           </a:lstStyle>
           <a:p>
@@ -2362,7 +2366,7 @@
           <a:p>
             <a:fld id="{FDC60B7F-8E4C-44BF-8D08-988AC1B0CC38}" type="datetimeFigureOut">
               <a:rPr lang="en-US" smtClean="0"/>
-              <a:t>9/3/2021</a:t>
+              <a:t>9/18/2021</a:t>
             </a:fld>
             <a:endParaRPr lang="en-US"/>
           </a:p>
@@ -2413,7 +2417,7 @@
     </p:spTree>
     <p:extLst>
       <p:ext uri="{BB962C8B-B14F-4D97-AF65-F5344CB8AC3E}">
-        <p14:creationId xmlns:p14="http://schemas.microsoft.com/office/powerpoint/2010/main" val="1472322500"/>
+        <p14:creationId xmlns:p14="http://schemas.microsoft.com/office/powerpoint/2010/main" val="1014220679"/>
       </p:ext>
     </p:extLst>
   </p:cSld>
@@ -2457,8 +2461,8 @@
         </p:nvSpPr>
         <p:spPr>
           <a:xfrm>
-            <a:off x="838200" y="365125"/>
-            <a:ext cx="10515600" cy="1325563"/>
+            <a:off x="471488" y="649114"/>
+            <a:ext cx="5915025" cy="2356556"/>
           </a:xfrm>
           <a:prstGeom prst="rect">
             <a:avLst/>
@@ -2474,7 +2478,7 @@
               <a:rPr lang="en-US" smtClean="0"/>
               <a:t>Click to edit Master title style</a:t>
             </a:r>
-            <a:endParaRPr lang="en-US"/>
+            <a:endParaRPr lang="en-US" dirty="0"/>
           </a:p>
         </p:txBody>
       </p:sp>
@@ -2490,8 +2494,8 @@
         </p:nvSpPr>
         <p:spPr>
           <a:xfrm>
-            <a:off x="838200" y="1825625"/>
-            <a:ext cx="10515600" cy="4351338"/>
+            <a:off x="471488" y="3245556"/>
+            <a:ext cx="5915025" cy="7735712"/>
           </a:xfrm>
           <a:prstGeom prst="rect">
             <a:avLst/>
@@ -2536,7 +2540,7 @@
               <a:rPr lang="en-US" smtClean="0"/>
               <a:t>Fifth level</a:t>
             </a:r>
-            <a:endParaRPr lang="en-US"/>
+            <a:endParaRPr lang="en-US" dirty="0"/>
           </a:p>
         </p:txBody>
       </p:sp>
@@ -2552,8 +2556,8 @@
         </p:nvSpPr>
         <p:spPr>
           <a:xfrm>
-            <a:off x="838200" y="6356350"/>
-            <a:ext cx="2743200" cy="365125"/>
+            <a:off x="471488" y="11300181"/>
+            <a:ext cx="1543050" cy="649111"/>
           </a:xfrm>
           <a:prstGeom prst="rect">
             <a:avLst/>
@@ -2563,7 +2567,7 @@
           <a:bodyPr vert="horz" lIns="91440" tIns="45720" rIns="91440" bIns="45720" rtlCol="0" anchor="ctr"/>
           <a:lstStyle>
             <a:lvl1pPr algn="l">
-              <a:defRPr sz="1200">
+              <a:defRPr sz="900">
                 <a:solidFill>
                   <a:schemeClr val="tx1">
                     <a:tint val="75000"/>
@@ -2575,7 +2579,7 @@
           <a:p>
             <a:fld id="{FDC60B7F-8E4C-44BF-8D08-988AC1B0CC38}" type="datetimeFigureOut">
               <a:rPr lang="en-US" smtClean="0"/>
-              <a:t>9/3/2021</a:t>
+              <a:t>9/18/2021</a:t>
             </a:fld>
             <a:endParaRPr lang="en-US"/>
           </a:p>
@@ -2593,8 +2597,8 @@
         </p:nvSpPr>
         <p:spPr>
           <a:xfrm>
-            <a:off x="4038600" y="6356350"/>
-            <a:ext cx="4114800" cy="365125"/>
+            <a:off x="2271713" y="11300181"/>
+            <a:ext cx="2314575" cy="649111"/>
           </a:xfrm>
           <a:prstGeom prst="rect">
             <a:avLst/>
@@ -2604,7 +2608,7 @@
           <a:bodyPr vert="horz" lIns="91440" tIns="45720" rIns="91440" bIns="45720" rtlCol="0" anchor="ctr"/>
           <a:lstStyle>
             <a:lvl1pPr algn="ctr">
-              <a:defRPr sz="1200">
+              <a:defRPr sz="900">
                 <a:solidFill>
                   <a:schemeClr val="tx1">
                     <a:tint val="75000"/>
@@ -2630,8 +2634,8 @@
         </p:nvSpPr>
         <p:spPr>
           <a:xfrm>
-            <a:off x="8610600" y="6356350"/>
-            <a:ext cx="2743200" cy="365125"/>
+            <a:off x="4843463" y="11300181"/>
+            <a:ext cx="1543050" cy="649111"/>
           </a:xfrm>
           <a:prstGeom prst="rect">
             <a:avLst/>
@@ -2641,7 +2645,7 @@
           <a:bodyPr vert="horz" lIns="91440" tIns="45720" rIns="91440" bIns="45720" rtlCol="0" anchor="ctr"/>
           <a:lstStyle>
             <a:lvl1pPr algn="r">
-              <a:defRPr sz="1200">
+              <a:defRPr sz="900">
                 <a:solidFill>
                   <a:schemeClr val="tx1">
                     <a:tint val="75000"/>
@@ -2662,27 +2666,27 @@
     </p:spTree>
     <p:extLst>
       <p:ext uri="{BB962C8B-B14F-4D97-AF65-F5344CB8AC3E}">
-        <p14:creationId xmlns:p14="http://schemas.microsoft.com/office/powerpoint/2010/main" val="2779819001"/>
+        <p14:creationId xmlns:p14="http://schemas.microsoft.com/office/powerpoint/2010/main" val="3083079950"/>
       </p:ext>
     </p:extLst>
   </p:cSld>
   <p:clrMap bg1="lt1" tx1="dk1" bg2="lt2" tx2="dk2" accent1="accent1" accent2="accent2" accent3="accent3" accent4="accent4" accent5="accent5" accent6="accent6" hlink="hlink" folHlink="folHlink"/>
   <p:sldLayoutIdLst>
-    <p:sldLayoutId id="2147483649" r:id="rId1"/>
-    <p:sldLayoutId id="2147483650" r:id="rId2"/>
-    <p:sldLayoutId id="2147483651" r:id="rId3"/>
-    <p:sldLayoutId id="2147483652" r:id="rId4"/>
-    <p:sldLayoutId id="2147483653" r:id="rId5"/>
-    <p:sldLayoutId id="2147483654" r:id="rId6"/>
-    <p:sldLayoutId id="2147483655" r:id="rId7"/>
-    <p:sldLayoutId id="2147483656" r:id="rId8"/>
-    <p:sldLayoutId id="2147483657" r:id="rId9"/>
-    <p:sldLayoutId id="2147483658" r:id="rId10"/>
-    <p:sldLayoutId id="2147483659" r:id="rId11"/>
+    <p:sldLayoutId id="2147483661" r:id="rId1"/>
+    <p:sldLayoutId id="2147483662" r:id="rId2"/>
+    <p:sldLayoutId id="2147483663" r:id="rId3"/>
+    <p:sldLayoutId id="2147483664" r:id="rId4"/>
+    <p:sldLayoutId id="2147483665" r:id="rId5"/>
+    <p:sldLayoutId id="2147483666" r:id="rId6"/>
+    <p:sldLayoutId id="2147483667" r:id="rId7"/>
+    <p:sldLayoutId id="2147483668" r:id="rId8"/>
+    <p:sldLayoutId id="2147483669" r:id="rId9"/>
+    <p:sldLayoutId id="2147483670" r:id="rId10"/>
+    <p:sldLayoutId id="2147483671" r:id="rId11"/>
   </p:sldLayoutIdLst>
   <p:txStyles>
     <p:titleStyle>
-      <a:lvl1pPr algn="l" defTabSz="914400" rtl="0" eaLnBrk="1" latinLnBrk="0" hangingPunct="1">
+      <a:lvl1pPr algn="l" defTabSz="685800" rtl="0" eaLnBrk="1" latinLnBrk="0" hangingPunct="1">
         <a:lnSpc>
           <a:spcPct val="90000"/>
         </a:lnSpc>
@@ -2690,7 +2694,7 @@
           <a:spcPct val="0"/>
         </a:spcBef>
         <a:buNone/>
-        <a:defRPr sz="4400" kern="1200">
+        <a:defRPr sz="3300" kern="1200">
           <a:solidFill>
             <a:schemeClr val="tx1"/>
           </a:solidFill>
@@ -2701,16 +2705,16 @@
       </a:lvl1pPr>
     </p:titleStyle>
     <p:bodyStyle>
-      <a:lvl1pPr marL="228600" indent="-228600" algn="l" defTabSz="914400" rtl="0" eaLnBrk="1" latinLnBrk="0" hangingPunct="1">
+      <a:lvl1pPr marL="171450" indent="-171450" algn="l" defTabSz="685800" rtl="0" eaLnBrk="1" latinLnBrk="0" hangingPunct="1">
         <a:lnSpc>
           <a:spcPct val="90000"/>
         </a:lnSpc>
         <a:spcBef>
-          <a:spcPts val="1000"/>
+          <a:spcPts val="750"/>
         </a:spcBef>
         <a:buFont typeface="Arial" panose="020B0604020202020204" pitchFamily="34" charset="0"/>
         <a:buChar char="•"/>
-        <a:defRPr sz="2800" kern="1200">
+        <a:defRPr sz="2100" kern="1200">
           <a:solidFill>
             <a:schemeClr val="tx1"/>
           </a:solidFill>
@@ -2719,48 +2723,12 @@
           <a:cs typeface="+mn-cs"/>
         </a:defRPr>
       </a:lvl1pPr>
-      <a:lvl2pPr marL="685800" indent="-228600" algn="l" defTabSz="914400" rtl="0" eaLnBrk="1" latinLnBrk="0" hangingPunct="1">
+      <a:lvl2pPr marL="514350" indent="-171450" algn="l" defTabSz="685800" rtl="0" eaLnBrk="1" latinLnBrk="0" hangingPunct="1">
         <a:lnSpc>
           <a:spcPct val="90000"/>
         </a:lnSpc>
         <a:spcBef>
-          <a:spcPts val="500"/>
-        </a:spcBef>
-        <a:buFont typeface="Arial" panose="020B0604020202020204" pitchFamily="34" charset="0"/>
-        <a:buChar char="•"/>
-        <a:defRPr sz="2400" kern="1200">
-          <a:solidFill>
-            <a:schemeClr val="tx1"/>
-          </a:solidFill>
-          <a:latin typeface="+mn-lt"/>
-          <a:ea typeface="+mn-ea"/>
-          <a:cs typeface="+mn-cs"/>
-        </a:defRPr>
-      </a:lvl2pPr>
-      <a:lvl3pPr marL="1143000" indent="-228600" algn="l" defTabSz="914400" rtl="0" eaLnBrk="1" latinLnBrk="0" hangingPunct="1">
-        <a:lnSpc>
-          <a:spcPct val="90000"/>
-        </a:lnSpc>
-        <a:spcBef>
-          <a:spcPts val="500"/>
-        </a:spcBef>
-        <a:buFont typeface="Arial" panose="020B0604020202020204" pitchFamily="34" charset="0"/>
-        <a:buChar char="•"/>
-        <a:defRPr sz="2000" kern="1200">
-          <a:solidFill>
-            <a:schemeClr val="tx1"/>
-          </a:solidFill>
-          <a:latin typeface="+mn-lt"/>
-          <a:ea typeface="+mn-ea"/>
-          <a:cs typeface="+mn-cs"/>
-        </a:defRPr>
-      </a:lvl3pPr>
-      <a:lvl4pPr marL="1600200" indent="-228600" algn="l" defTabSz="914400" rtl="0" eaLnBrk="1" latinLnBrk="0" hangingPunct="1">
-        <a:lnSpc>
-          <a:spcPct val="90000"/>
-        </a:lnSpc>
-        <a:spcBef>
-          <a:spcPts val="500"/>
+          <a:spcPts val="375"/>
         </a:spcBef>
         <a:buFont typeface="Arial" panose="020B0604020202020204" pitchFamily="34" charset="0"/>
         <a:buChar char="•"/>
@@ -2772,17 +2740,53 @@
           <a:ea typeface="+mn-ea"/>
           <a:cs typeface="+mn-cs"/>
         </a:defRPr>
-      </a:lvl4pPr>
-      <a:lvl5pPr marL="2057400" indent="-228600" algn="l" defTabSz="914400" rtl="0" eaLnBrk="1" latinLnBrk="0" hangingPunct="1">
+      </a:lvl2pPr>
+      <a:lvl3pPr marL="857250" indent="-171450" algn="l" defTabSz="685800" rtl="0" eaLnBrk="1" latinLnBrk="0" hangingPunct="1">
         <a:lnSpc>
           <a:spcPct val="90000"/>
         </a:lnSpc>
         <a:spcBef>
-          <a:spcPts val="500"/>
+          <a:spcPts val="375"/>
         </a:spcBef>
         <a:buFont typeface="Arial" panose="020B0604020202020204" pitchFamily="34" charset="0"/>
         <a:buChar char="•"/>
-        <a:defRPr sz="1800" kern="1200">
+        <a:defRPr sz="1500" kern="1200">
+          <a:solidFill>
+            <a:schemeClr val="tx1"/>
+          </a:solidFill>
+          <a:latin typeface="+mn-lt"/>
+          <a:ea typeface="+mn-ea"/>
+          <a:cs typeface="+mn-cs"/>
+        </a:defRPr>
+      </a:lvl3pPr>
+      <a:lvl4pPr marL="1200150" indent="-171450" algn="l" defTabSz="685800" rtl="0" eaLnBrk="1" latinLnBrk="0" hangingPunct="1">
+        <a:lnSpc>
+          <a:spcPct val="90000"/>
+        </a:lnSpc>
+        <a:spcBef>
+          <a:spcPts val="375"/>
+        </a:spcBef>
+        <a:buFont typeface="Arial" panose="020B0604020202020204" pitchFamily="34" charset="0"/>
+        <a:buChar char="•"/>
+        <a:defRPr sz="1350" kern="1200">
+          <a:solidFill>
+            <a:schemeClr val="tx1"/>
+          </a:solidFill>
+          <a:latin typeface="+mn-lt"/>
+          <a:ea typeface="+mn-ea"/>
+          <a:cs typeface="+mn-cs"/>
+        </a:defRPr>
+      </a:lvl4pPr>
+      <a:lvl5pPr marL="1543050" indent="-171450" algn="l" defTabSz="685800" rtl="0" eaLnBrk="1" latinLnBrk="0" hangingPunct="1">
+        <a:lnSpc>
+          <a:spcPct val="90000"/>
+        </a:lnSpc>
+        <a:spcBef>
+          <a:spcPts val="375"/>
+        </a:spcBef>
+        <a:buFont typeface="Arial" panose="020B0604020202020204" pitchFamily="34" charset="0"/>
+        <a:buChar char="•"/>
+        <a:defRPr sz="1350" kern="1200">
           <a:solidFill>
             <a:schemeClr val="tx1"/>
           </a:solidFill>
@@ -2791,16 +2795,16 @@
           <a:cs typeface="+mn-cs"/>
         </a:defRPr>
       </a:lvl5pPr>
-      <a:lvl6pPr marL="2514600" indent="-228600" algn="l" defTabSz="914400" rtl="0" eaLnBrk="1" latinLnBrk="0" hangingPunct="1">
+      <a:lvl6pPr marL="1885950" indent="-171450" algn="l" defTabSz="685800" rtl="0" eaLnBrk="1" latinLnBrk="0" hangingPunct="1">
         <a:lnSpc>
           <a:spcPct val="90000"/>
         </a:lnSpc>
         <a:spcBef>
-          <a:spcPts val="500"/>
+          <a:spcPts val="375"/>
         </a:spcBef>
         <a:buFont typeface="Arial" panose="020B0604020202020204" pitchFamily="34" charset="0"/>
         <a:buChar char="•"/>
-        <a:defRPr sz="1800" kern="1200">
+        <a:defRPr sz="1350" kern="1200">
           <a:solidFill>
             <a:schemeClr val="tx1"/>
           </a:solidFill>
@@ -2809,16 +2813,16 @@
           <a:cs typeface="+mn-cs"/>
         </a:defRPr>
       </a:lvl6pPr>
-      <a:lvl7pPr marL="2971800" indent="-228600" algn="l" defTabSz="914400" rtl="0" eaLnBrk="1" latinLnBrk="0" hangingPunct="1">
+      <a:lvl7pPr marL="2228850" indent="-171450" algn="l" defTabSz="685800" rtl="0" eaLnBrk="1" latinLnBrk="0" hangingPunct="1">
         <a:lnSpc>
           <a:spcPct val="90000"/>
         </a:lnSpc>
         <a:spcBef>
-          <a:spcPts val="500"/>
+          <a:spcPts val="375"/>
         </a:spcBef>
         <a:buFont typeface="Arial" panose="020B0604020202020204" pitchFamily="34" charset="0"/>
         <a:buChar char="•"/>
-        <a:defRPr sz="1800" kern="1200">
+        <a:defRPr sz="1350" kern="1200">
           <a:solidFill>
             <a:schemeClr val="tx1"/>
           </a:solidFill>
@@ -2827,16 +2831,16 @@
           <a:cs typeface="+mn-cs"/>
         </a:defRPr>
       </a:lvl7pPr>
-      <a:lvl8pPr marL="3429000" indent="-228600" algn="l" defTabSz="914400" rtl="0" eaLnBrk="1" latinLnBrk="0" hangingPunct="1">
+      <a:lvl8pPr marL="2571750" indent="-171450" algn="l" defTabSz="685800" rtl="0" eaLnBrk="1" latinLnBrk="0" hangingPunct="1">
         <a:lnSpc>
           <a:spcPct val="90000"/>
         </a:lnSpc>
         <a:spcBef>
-          <a:spcPts val="500"/>
+          <a:spcPts val="375"/>
         </a:spcBef>
         <a:buFont typeface="Arial" panose="020B0604020202020204" pitchFamily="34" charset="0"/>
         <a:buChar char="•"/>
-        <a:defRPr sz="1800" kern="1200">
+        <a:defRPr sz="1350" kern="1200">
           <a:solidFill>
             <a:schemeClr val="tx1"/>
           </a:solidFill>
@@ -2845,16 +2849,16 @@
           <a:cs typeface="+mn-cs"/>
         </a:defRPr>
       </a:lvl8pPr>
-      <a:lvl9pPr marL="3886200" indent="-228600" algn="l" defTabSz="914400" rtl="0" eaLnBrk="1" latinLnBrk="0" hangingPunct="1">
+      <a:lvl9pPr marL="2914650" indent="-171450" algn="l" defTabSz="685800" rtl="0" eaLnBrk="1" latinLnBrk="0" hangingPunct="1">
         <a:lnSpc>
           <a:spcPct val="90000"/>
         </a:lnSpc>
         <a:spcBef>
-          <a:spcPts val="500"/>
+          <a:spcPts val="375"/>
         </a:spcBef>
         <a:buFont typeface="Arial" panose="020B0604020202020204" pitchFamily="34" charset="0"/>
         <a:buChar char="•"/>
-        <a:defRPr sz="1800" kern="1200">
+        <a:defRPr sz="1350" kern="1200">
           <a:solidFill>
             <a:schemeClr val="tx1"/>
           </a:solidFill>
@@ -2868,8 +2872,8 @@
       <a:defPPr>
         <a:defRPr lang="en-US"/>
       </a:defPPr>
-      <a:lvl1pPr marL="0" algn="l" defTabSz="914400" rtl="0" eaLnBrk="1" latinLnBrk="0" hangingPunct="1">
-        <a:defRPr sz="1800" kern="1200">
+      <a:lvl1pPr marL="0" algn="l" defTabSz="685800" rtl="0" eaLnBrk="1" latinLnBrk="0" hangingPunct="1">
+        <a:defRPr sz="1350" kern="1200">
           <a:solidFill>
             <a:schemeClr val="tx1"/>
           </a:solidFill>
@@ -2878,8 +2882,8 @@
           <a:cs typeface="+mn-cs"/>
         </a:defRPr>
       </a:lvl1pPr>
-      <a:lvl2pPr marL="457200" algn="l" defTabSz="914400" rtl="0" eaLnBrk="1" latinLnBrk="0" hangingPunct="1">
-        <a:defRPr sz="1800" kern="1200">
+      <a:lvl2pPr marL="342900" algn="l" defTabSz="685800" rtl="0" eaLnBrk="1" latinLnBrk="0" hangingPunct="1">
+        <a:defRPr sz="1350" kern="1200">
           <a:solidFill>
             <a:schemeClr val="tx1"/>
           </a:solidFill>
@@ -2888,8 +2892,8 @@
           <a:cs typeface="+mn-cs"/>
         </a:defRPr>
       </a:lvl2pPr>
-      <a:lvl3pPr marL="914400" algn="l" defTabSz="914400" rtl="0" eaLnBrk="1" latinLnBrk="0" hangingPunct="1">
-        <a:defRPr sz="1800" kern="1200">
+      <a:lvl3pPr marL="685800" algn="l" defTabSz="685800" rtl="0" eaLnBrk="1" latinLnBrk="0" hangingPunct="1">
+        <a:defRPr sz="1350" kern="1200">
           <a:solidFill>
             <a:schemeClr val="tx1"/>
           </a:solidFill>
@@ -2898,8 +2902,8 @@
           <a:cs typeface="+mn-cs"/>
         </a:defRPr>
       </a:lvl3pPr>
-      <a:lvl4pPr marL="1371600" algn="l" defTabSz="914400" rtl="0" eaLnBrk="1" latinLnBrk="0" hangingPunct="1">
-        <a:defRPr sz="1800" kern="1200">
+      <a:lvl4pPr marL="1028700" algn="l" defTabSz="685800" rtl="0" eaLnBrk="1" latinLnBrk="0" hangingPunct="1">
+        <a:defRPr sz="1350" kern="1200">
           <a:solidFill>
             <a:schemeClr val="tx1"/>
           </a:solidFill>
@@ -2908,8 +2912,8 @@
           <a:cs typeface="+mn-cs"/>
         </a:defRPr>
       </a:lvl4pPr>
-      <a:lvl5pPr marL="1828800" algn="l" defTabSz="914400" rtl="0" eaLnBrk="1" latinLnBrk="0" hangingPunct="1">
-        <a:defRPr sz="1800" kern="1200">
+      <a:lvl5pPr marL="1371600" algn="l" defTabSz="685800" rtl="0" eaLnBrk="1" latinLnBrk="0" hangingPunct="1">
+        <a:defRPr sz="1350" kern="1200">
           <a:solidFill>
             <a:schemeClr val="tx1"/>
           </a:solidFill>
@@ -2918,8 +2922,8 @@
           <a:cs typeface="+mn-cs"/>
         </a:defRPr>
       </a:lvl5pPr>
-      <a:lvl6pPr marL="2286000" algn="l" defTabSz="914400" rtl="0" eaLnBrk="1" latinLnBrk="0" hangingPunct="1">
-        <a:defRPr sz="1800" kern="1200">
+      <a:lvl6pPr marL="1714500" algn="l" defTabSz="685800" rtl="0" eaLnBrk="1" latinLnBrk="0" hangingPunct="1">
+        <a:defRPr sz="1350" kern="1200">
           <a:solidFill>
             <a:schemeClr val="tx1"/>
           </a:solidFill>
@@ -2928,8 +2932,8 @@
           <a:cs typeface="+mn-cs"/>
         </a:defRPr>
       </a:lvl6pPr>
-      <a:lvl7pPr marL="2743200" algn="l" defTabSz="914400" rtl="0" eaLnBrk="1" latinLnBrk="0" hangingPunct="1">
-        <a:defRPr sz="1800" kern="1200">
+      <a:lvl7pPr marL="2057400" algn="l" defTabSz="685800" rtl="0" eaLnBrk="1" latinLnBrk="0" hangingPunct="1">
+        <a:defRPr sz="1350" kern="1200">
           <a:solidFill>
             <a:schemeClr val="tx1"/>
           </a:solidFill>
@@ -2938,8 +2942,8 @@
           <a:cs typeface="+mn-cs"/>
         </a:defRPr>
       </a:lvl7pPr>
-      <a:lvl8pPr marL="3200400" algn="l" defTabSz="914400" rtl="0" eaLnBrk="1" latinLnBrk="0" hangingPunct="1">
-        <a:defRPr sz="1800" kern="1200">
+      <a:lvl8pPr marL="2400300" algn="l" defTabSz="685800" rtl="0" eaLnBrk="1" latinLnBrk="0" hangingPunct="1">
+        <a:defRPr sz="1350" kern="1200">
           <a:solidFill>
             <a:schemeClr val="tx1"/>
           </a:solidFill>
@@ -2948,8 +2952,8 @@
           <a:cs typeface="+mn-cs"/>
         </a:defRPr>
       </a:lvl8pPr>
-      <a:lvl9pPr marL="3657600" algn="l" defTabSz="914400" rtl="0" eaLnBrk="1" latinLnBrk="0" hangingPunct="1">
-        <a:defRPr sz="1800" kern="1200">
+      <a:lvl9pPr marL="2743200" algn="l" defTabSz="685800" rtl="0" eaLnBrk="1" latinLnBrk="0" hangingPunct="1">
+        <a:defRPr sz="1350" kern="1200">
           <a:solidFill>
             <a:schemeClr val="tx1"/>
           </a:solidFill>
@@ -3002,8 +3006,8 @@
         </p:blipFill>
         <p:spPr>
           <a:xfrm>
-            <a:off x="0" y="0"/>
-            <a:ext cx="12192000" cy="6858000"/>
+            <a:off x="-7408334" y="0"/>
+            <a:ext cx="21674667" cy="12192000"/>
           </a:xfrm>
           <a:prstGeom prst="rect">
             <a:avLst/>
@@ -3018,8 +3022,8 @@
         </p:nvSpPr>
         <p:spPr>
           <a:xfrm>
-            <a:off x="11211663" y="4905792"/>
-            <a:ext cx="166255" cy="166255"/>
+            <a:off x="12523513" y="8721409"/>
+            <a:ext cx="295564" cy="295564"/>
           </a:xfrm>
           <a:prstGeom prst="ellipse">
             <a:avLst/>
@@ -3053,7 +3057,7 @@
           <a:p>
             <a:pPr algn="ctr"/>
             <a:r>
-              <a:rPr lang="en-US" sz="1000" b="1" dirty="0">
+              <a:rPr lang="en-US" sz="1778" b="1" dirty="0">
                 <a:solidFill>
                   <a:schemeClr val="tx1"/>
                 </a:solidFill>
@@ -3071,8 +3075,8 @@
         </p:nvSpPr>
         <p:spPr>
           <a:xfrm>
-            <a:off x="10933546" y="4659232"/>
-            <a:ext cx="166255" cy="166255"/>
+            <a:off x="12029083" y="8283080"/>
+            <a:ext cx="295564" cy="295564"/>
           </a:xfrm>
           <a:prstGeom prst="ellipse">
             <a:avLst/>
@@ -3106,7 +3110,7 @@
           <a:p>
             <a:pPr algn="ctr"/>
             <a:r>
-              <a:rPr lang="en-US" sz="1000" b="1" dirty="0">
+              <a:rPr lang="en-US" sz="1778" b="1" dirty="0">
                 <a:solidFill>
                   <a:schemeClr val="tx1"/>
                 </a:solidFill>
@@ -3124,8 +3128,8 @@
         </p:nvSpPr>
         <p:spPr>
           <a:xfrm>
-            <a:off x="9444181" y="6437745"/>
-            <a:ext cx="166255" cy="166255"/>
+            <a:off x="9381323" y="11444881"/>
+            <a:ext cx="295564" cy="295564"/>
           </a:xfrm>
           <a:prstGeom prst="ellipse">
             <a:avLst/>
@@ -3159,7 +3163,7 @@
           <a:p>
             <a:pPr algn="ctr"/>
             <a:r>
-              <a:rPr lang="en-US" sz="1000" b="1" dirty="0">
+              <a:rPr lang="en-US" sz="1778" b="1" dirty="0">
                 <a:solidFill>
                   <a:schemeClr val="tx1"/>
                 </a:solidFill>
@@ -3177,8 +3181,8 @@
         </p:nvSpPr>
         <p:spPr>
           <a:xfrm>
-            <a:off x="7606145" y="5310908"/>
-            <a:ext cx="166255" cy="166255"/>
+            <a:off x="6113703" y="9441615"/>
+            <a:ext cx="295564" cy="295564"/>
           </a:xfrm>
           <a:prstGeom prst="ellipse">
             <a:avLst/>
@@ -3212,14 +3216,14 @@
           <a:p>
             <a:pPr algn="ctr"/>
             <a:r>
-              <a:rPr lang="en-US" sz="1000" b="1" dirty="0" smtClean="0">
+              <a:rPr lang="en-US" sz="1778" b="1" dirty="0">
                 <a:solidFill>
                   <a:schemeClr val="tx1"/>
                 </a:solidFill>
               </a:rPr>
               <a:t>10</a:t>
             </a:r>
-            <a:endParaRPr lang="en-US" sz="1000" b="1" dirty="0">
+            <a:endParaRPr lang="en-US" sz="1778" b="1" dirty="0">
               <a:solidFill>
                 <a:schemeClr val="tx1"/>
               </a:solidFill>
@@ -3235,8 +3239,8 @@
         </p:nvSpPr>
         <p:spPr>
           <a:xfrm>
-            <a:off x="5753174" y="4121960"/>
-            <a:ext cx="166255" cy="166255"/>
+            <a:off x="2819533" y="7327930"/>
+            <a:ext cx="295564" cy="295564"/>
           </a:xfrm>
           <a:prstGeom prst="ellipse">
             <a:avLst/>
@@ -3270,14 +3274,14 @@
           <a:p>
             <a:pPr algn="ctr"/>
             <a:r>
-              <a:rPr lang="en-US" sz="1000" b="1" dirty="0" smtClean="0">
+              <a:rPr lang="en-US" sz="1778" b="1" dirty="0">
                 <a:solidFill>
                   <a:schemeClr val="tx1"/>
                 </a:solidFill>
               </a:rPr>
               <a:t>13</a:t>
             </a:r>
-            <a:endParaRPr lang="en-US" sz="1000" b="1" dirty="0">
+            <a:endParaRPr lang="en-US" sz="1778" b="1" dirty="0">
               <a:solidFill>
                 <a:schemeClr val="tx1"/>
               </a:solidFill>
@@ -3293,8 +3297,8 @@
         </p:nvSpPr>
         <p:spPr>
           <a:xfrm>
-            <a:off x="9444181" y="3418434"/>
-            <a:ext cx="166255" cy="166255"/>
+            <a:off x="9381323" y="6077217"/>
+            <a:ext cx="295564" cy="295564"/>
           </a:xfrm>
           <a:prstGeom prst="ellipse">
             <a:avLst/>
@@ -3328,7 +3332,7 @@
           <a:p>
             <a:pPr algn="ctr"/>
             <a:r>
-              <a:rPr lang="en-US" sz="1000" b="1" dirty="0">
+              <a:rPr lang="en-US" sz="1778" b="1" dirty="0">
                 <a:solidFill>
                   <a:schemeClr val="tx1"/>
                 </a:solidFill>
@@ -3346,8 +3350,8 @@
         </p:nvSpPr>
         <p:spPr>
           <a:xfrm>
-            <a:off x="5269346" y="3805381"/>
-            <a:ext cx="166255" cy="166255"/>
+            <a:off x="1959394" y="6765123"/>
+            <a:ext cx="295564" cy="295564"/>
           </a:xfrm>
           <a:prstGeom prst="ellipse">
             <a:avLst/>
@@ -3381,14 +3385,14 @@
           <a:p>
             <a:pPr algn="ctr"/>
             <a:r>
-              <a:rPr lang="en-US" sz="1000" b="1" dirty="0" smtClean="0">
+              <a:rPr lang="en-US" sz="1778" b="1" dirty="0">
                 <a:solidFill>
                   <a:schemeClr val="tx1"/>
                 </a:solidFill>
               </a:rPr>
               <a:t>14</a:t>
             </a:r>
-            <a:endParaRPr lang="en-US" sz="1000" b="1" dirty="0">
+            <a:endParaRPr lang="en-US" sz="1778" b="1" dirty="0">
               <a:solidFill>
                 <a:schemeClr val="tx1"/>
               </a:solidFill>
@@ -3404,8 +3408,8 @@
         </p:nvSpPr>
         <p:spPr>
           <a:xfrm>
-            <a:off x="6627091" y="1653308"/>
-            <a:ext cx="166255" cy="166255"/>
+            <a:off x="4373163" y="2939215"/>
+            <a:ext cx="295564" cy="295564"/>
           </a:xfrm>
           <a:prstGeom prst="ellipse">
             <a:avLst/>
@@ -3439,14 +3443,14 @@
           <a:p>
             <a:pPr algn="ctr"/>
             <a:r>
-              <a:rPr lang="en-US" sz="1000" b="1" dirty="0" smtClean="0">
+              <a:rPr lang="en-US" sz="1778" b="1" dirty="0">
                 <a:solidFill>
                   <a:schemeClr val="tx1"/>
                 </a:solidFill>
               </a:rPr>
               <a:t>1</a:t>
             </a:r>
-            <a:endParaRPr lang="en-US" sz="1000" b="1" dirty="0">
+            <a:endParaRPr lang="en-US" sz="1778" b="1" dirty="0">
               <a:solidFill>
                 <a:schemeClr val="tx1"/>
               </a:solidFill>
@@ -3462,8 +3466,8 @@
         </p:nvSpPr>
         <p:spPr>
           <a:xfrm>
-            <a:off x="8300891" y="3008744"/>
-            <a:ext cx="166255" cy="166255"/>
+            <a:off x="7348807" y="5348879"/>
+            <a:ext cx="295564" cy="295564"/>
           </a:xfrm>
           <a:prstGeom prst="ellipse">
             <a:avLst/>
@@ -3497,7 +3501,7 @@
           <a:p>
             <a:pPr algn="ctr"/>
             <a:r>
-              <a:rPr lang="en-US" sz="1000" b="1" dirty="0">
+              <a:rPr lang="en-US" sz="1778" b="1" dirty="0">
                 <a:solidFill>
                   <a:schemeClr val="tx1"/>
                 </a:solidFill>
@@ -3515,8 +3519,8 @@
         </p:nvSpPr>
         <p:spPr>
           <a:xfrm>
-            <a:off x="9728943" y="6679572"/>
-            <a:ext cx="166255" cy="166255"/>
+            <a:off x="9887566" y="11874796"/>
+            <a:ext cx="295564" cy="295564"/>
           </a:xfrm>
           <a:prstGeom prst="ellipse">
             <a:avLst/>
@@ -3550,14 +3554,14 @@
           <a:p>
             <a:pPr algn="ctr"/>
             <a:r>
-              <a:rPr lang="en-US" sz="1000" b="1" dirty="0" smtClean="0">
+              <a:rPr lang="en-US" sz="1778" b="1" dirty="0">
                 <a:solidFill>
                   <a:schemeClr val="tx1"/>
                 </a:solidFill>
               </a:rPr>
               <a:t>35</a:t>
             </a:r>
-            <a:endParaRPr lang="en-US" sz="1000" b="1" dirty="0">
+            <a:endParaRPr lang="en-US" sz="1778" b="1" dirty="0">
               <a:solidFill>
                 <a:schemeClr val="tx1"/>
               </a:solidFill>
@@ -3573,8 +3577,8 @@
         </p:nvSpPr>
         <p:spPr>
           <a:xfrm>
-            <a:off x="11053747" y="4710107"/>
-            <a:ext cx="418716" cy="246221"/>
+            <a:off x="12242772" y="8373524"/>
+            <a:ext cx="744384" cy="365934"/>
           </a:xfrm>
           <a:prstGeom prst="rect">
             <a:avLst/>
@@ -3607,14 +3611,14 @@
           <a:lstStyle/>
           <a:p>
             <a:r>
-              <a:rPr lang="en-US" sz="1000" b="1" dirty="0" smtClean="0">
+              <a:rPr lang="en-US" sz="1778" b="1" dirty="0">
                 <a:solidFill>
                   <a:schemeClr val="tx1"/>
                 </a:solidFill>
               </a:rPr>
               <a:t>29m</a:t>
             </a:r>
-            <a:endParaRPr lang="en-US" sz="1000" b="1" dirty="0">
+            <a:endParaRPr lang="en-US" sz="1778" b="1" dirty="0">
               <a:solidFill>
                 <a:schemeClr val="tx1"/>
               </a:solidFill>
@@ -3630,8 +3634,8 @@
         </p:nvSpPr>
         <p:spPr>
           <a:xfrm rot="1882052">
-            <a:off x="9581232" y="6496735"/>
-            <a:ext cx="599336" cy="246221"/>
+            <a:off x="9624968" y="11585648"/>
+            <a:ext cx="1065486" cy="365934"/>
           </a:xfrm>
           <a:prstGeom prst="rect">
             <a:avLst/>
@@ -3664,14 +3668,14 @@
           <a:lstStyle/>
           <a:p>
             <a:r>
-              <a:rPr lang="en-US" sz="1000" b="1" dirty="0" smtClean="0">
+              <a:rPr lang="en-US" sz="1778" b="1" dirty="0">
                 <a:solidFill>
                   <a:schemeClr val="tx1"/>
                 </a:solidFill>
               </a:rPr>
               <a:t>24.16m</a:t>
             </a:r>
-            <a:endParaRPr lang="en-US" sz="1000" b="1" dirty="0">
+            <a:endParaRPr lang="en-US" sz="1778" b="1" dirty="0">
               <a:solidFill>
                 <a:schemeClr val="tx1"/>
               </a:solidFill>
@@ -3687,8 +3691,8 @@
         </p:nvSpPr>
         <p:spPr>
           <a:xfrm rot="18657452">
-            <a:off x="10435339" y="4745772"/>
-            <a:ext cx="614271" cy="246221"/>
+            <a:off x="11217956" y="8472825"/>
+            <a:ext cx="942887" cy="365934"/>
           </a:xfrm>
           <a:prstGeom prst="rect">
             <a:avLst/>
@@ -3702,11 +3706,11 @@
           <a:lstStyle/>
           <a:p>
             <a:r>
-              <a:rPr lang="en-US" sz="1000" b="1" dirty="0" smtClean="0"/>
+              <a:rPr lang="en-US" sz="1778" b="1" dirty="0"/>
               <a:t>23,49 </a:t>
             </a:r>
             <a:r>
-              <a:rPr lang="en-US" sz="1000" b="1" dirty="0"/>
+              <a:rPr lang="en-US" sz="1778" b="1" dirty="0"/>
               <a:t>m</a:t>
             </a:r>
           </a:p>
@@ -3720,8 +3724,8 @@
         </p:nvSpPr>
         <p:spPr>
           <a:xfrm rot="18657452">
-            <a:off x="9867656" y="5437706"/>
-            <a:ext cx="679994" cy="246221"/>
+            <a:off x="10208652" y="9702929"/>
+            <a:ext cx="1059906" cy="365934"/>
           </a:xfrm>
           <a:prstGeom prst="rect">
             <a:avLst/>
@@ -3735,11 +3739,11 @@
           <a:lstStyle/>
           <a:p>
             <a:r>
-              <a:rPr lang="en-US" sz="1000" b="1" dirty="0" smtClean="0"/>
+              <a:rPr lang="en-US" sz="1778" b="1" dirty="0"/>
               <a:t>105.56 </a:t>
             </a:r>
             <a:r>
-              <a:rPr lang="en-US" sz="1000" b="1" dirty="0"/>
+              <a:rPr lang="en-US" sz="1778" b="1" dirty="0"/>
               <a:t>m</a:t>
             </a:r>
           </a:p>
@@ -3753,8 +3757,8 @@
         </p:nvSpPr>
         <p:spPr>
           <a:xfrm rot="1695852">
-            <a:off x="8228613" y="5939653"/>
-            <a:ext cx="614271" cy="246221"/>
+            <a:off x="7294888" y="10595280"/>
+            <a:ext cx="942887" cy="365934"/>
           </a:xfrm>
           <a:prstGeom prst="rect">
             <a:avLst/>
@@ -3768,11 +3772,11 @@
           <a:lstStyle/>
           <a:p>
             <a:r>
-              <a:rPr lang="en-US" sz="1000" b="1" dirty="0" smtClean="0"/>
+              <a:rPr lang="en-US" sz="1778" b="1" dirty="0"/>
               <a:t>91,92 </a:t>
             </a:r>
             <a:r>
-              <a:rPr lang="en-US" sz="1000" b="1" dirty="0"/>
+              <a:rPr lang="en-US" sz="1778" b="1" dirty="0"/>
               <a:t>m</a:t>
             </a:r>
           </a:p>
@@ -3786,8 +3790,8 @@
         </p:nvSpPr>
         <p:spPr>
           <a:xfrm rot="2440494">
-            <a:off x="10134984" y="4043492"/>
-            <a:ext cx="679994" cy="246221"/>
+            <a:off x="10684705" y="7224327"/>
+            <a:ext cx="1058303" cy="365934"/>
           </a:xfrm>
           <a:prstGeom prst="rect">
             <a:avLst/>
@@ -3801,11 +3805,11 @@
           <a:lstStyle/>
           <a:p>
             <a:r>
-              <a:rPr lang="en-US" sz="1000" b="1" dirty="0" smtClean="0"/>
+              <a:rPr lang="en-US" sz="1778" b="1" dirty="0"/>
               <a:t>111,76 </a:t>
             </a:r>
             <a:r>
-              <a:rPr lang="en-US" sz="1000" b="1" dirty="0"/>
+              <a:rPr lang="en-US" sz="1778" b="1" dirty="0"/>
               <a:t>m</a:t>
             </a:r>
           </a:p>
@@ -3819,8 +3823,8 @@
         </p:nvSpPr>
         <p:spPr>
           <a:xfrm rot="18690345">
-            <a:off x="8124190" y="4159927"/>
-            <a:ext cx="614271" cy="246221"/>
+            <a:off x="7109247" y="7431322"/>
+            <a:ext cx="942887" cy="365934"/>
           </a:xfrm>
           <a:prstGeom prst="rect">
             <a:avLst/>
@@ -3834,11 +3838,11 @@
           <a:lstStyle/>
           <a:p>
             <a:r>
-              <a:rPr lang="en-US" sz="1000" b="1" dirty="0" smtClean="0"/>
+              <a:rPr lang="en-US" sz="1778" b="1" dirty="0"/>
               <a:t>66,92 </a:t>
             </a:r>
             <a:r>
-              <a:rPr lang="en-US" sz="1000" b="1" dirty="0"/>
+              <a:rPr lang="en-US" sz="1778" b="1" dirty="0"/>
               <a:t>m</a:t>
             </a:r>
           </a:p>
@@ -3852,8 +3856,8 @@
         </p:nvSpPr>
         <p:spPr>
           <a:xfrm>
-            <a:off x="9419833" y="3062056"/>
-            <a:ext cx="166255" cy="166255"/>
+            <a:off x="9338038" y="5443656"/>
+            <a:ext cx="295564" cy="295564"/>
           </a:xfrm>
           <a:prstGeom prst="ellipse">
             <a:avLst/>
@@ -3887,7 +3891,7 @@
           <a:p>
             <a:pPr algn="ctr"/>
             <a:r>
-              <a:rPr lang="en-US" sz="1000" b="1" dirty="0">
+              <a:rPr lang="en-US" sz="1778" b="1" dirty="0">
                 <a:solidFill>
                   <a:schemeClr val="tx1"/>
                 </a:solidFill>
@@ -3905,8 +3909,8 @@
         </p:nvSpPr>
         <p:spPr>
           <a:xfrm>
-            <a:off x="8997447" y="3181345"/>
-            <a:ext cx="166255" cy="166255"/>
+            <a:off x="8587129" y="5655726"/>
+            <a:ext cx="295564" cy="295564"/>
           </a:xfrm>
           <a:prstGeom prst="ellipse">
             <a:avLst/>
@@ -3940,7 +3944,7 @@
           <a:p>
             <a:pPr algn="ctr"/>
             <a:r>
-              <a:rPr lang="en-US" sz="1000" b="1" dirty="0">
+              <a:rPr lang="en-US" sz="1778" b="1" dirty="0">
                 <a:solidFill>
                   <a:schemeClr val="tx1"/>
                 </a:solidFill>
@@ -3958,8 +3962,8 @@
         </p:nvSpPr>
         <p:spPr>
           <a:xfrm>
-            <a:off x="9080575" y="3414795"/>
-            <a:ext cx="166255" cy="166255"/>
+            <a:off x="8734912" y="6070748"/>
+            <a:ext cx="295564" cy="295564"/>
           </a:xfrm>
           <a:prstGeom prst="ellipse">
             <a:avLst/>
@@ -3993,7 +3997,7 @@
           <a:p>
             <a:pPr algn="ctr"/>
             <a:r>
-              <a:rPr lang="en-US" sz="1000" b="1" dirty="0">
+              <a:rPr lang="en-US" sz="1778" b="1" dirty="0">
                 <a:solidFill>
                   <a:schemeClr val="tx1"/>
                 </a:solidFill>
@@ -4011,8 +4015,8 @@
         </p:nvSpPr>
         <p:spPr>
           <a:xfrm>
-            <a:off x="9060981" y="3599847"/>
-            <a:ext cx="614271" cy="246221"/>
+            <a:off x="8700078" y="6399728"/>
+            <a:ext cx="942887" cy="365934"/>
           </a:xfrm>
           <a:prstGeom prst="rect">
             <a:avLst/>
@@ -4026,11 +4030,11 @@
           <a:lstStyle/>
           <a:p>
             <a:r>
-              <a:rPr lang="en-US" sz="1000" b="1" dirty="0" smtClean="0"/>
+              <a:rPr lang="en-US" sz="1778" b="1" dirty="0"/>
               <a:t>25,37 </a:t>
             </a:r>
             <a:r>
-              <a:rPr lang="en-US" sz="1000" b="1" dirty="0"/>
+              <a:rPr lang="en-US" sz="1778" b="1" dirty="0"/>
               <a:t>m</a:t>
             </a:r>
           </a:p>
@@ -4044,8 +4048,8 @@
         </p:nvSpPr>
         <p:spPr>
           <a:xfrm>
-            <a:off x="9453529" y="3187234"/>
-            <a:ext cx="614271" cy="246221"/>
+            <a:off x="9397941" y="5666194"/>
+            <a:ext cx="942887" cy="365934"/>
           </a:xfrm>
           <a:prstGeom prst="rect">
             <a:avLst/>
@@ -4059,11 +4063,11 @@
           <a:lstStyle/>
           <a:p>
             <a:r>
-              <a:rPr lang="en-US" sz="1000" b="1" dirty="0" smtClean="0"/>
+              <a:rPr lang="en-US" sz="1778" b="1" dirty="0"/>
               <a:t>23,51 </a:t>
             </a:r>
             <a:r>
-              <a:rPr lang="en-US" sz="1000" b="1" dirty="0"/>
+              <a:rPr lang="en-US" sz="1778" b="1" dirty="0"/>
               <a:t>m</a:t>
             </a:r>
           </a:p>
@@ -4077,8 +4081,8 @@
         </p:nvSpPr>
         <p:spPr>
           <a:xfrm>
-            <a:off x="8855667" y="2901896"/>
-            <a:ext cx="614271" cy="246221"/>
+            <a:off x="8335075" y="5158926"/>
+            <a:ext cx="942887" cy="365934"/>
           </a:xfrm>
           <a:prstGeom prst="rect">
             <a:avLst/>
@@ -4092,11 +4096,11 @@
           <a:lstStyle/>
           <a:p>
             <a:r>
-              <a:rPr lang="en-US" sz="1000" b="1" dirty="0" smtClean="0"/>
+              <a:rPr lang="en-US" sz="1778" b="1" dirty="0"/>
               <a:t>25,88 </a:t>
             </a:r>
             <a:r>
-              <a:rPr lang="en-US" sz="1000" b="1" dirty="0"/>
+              <a:rPr lang="en-US" sz="1778" b="1" dirty="0"/>
               <a:t>m</a:t>
             </a:r>
           </a:p>
@@ -4110,8 +4114,8 @@
         </p:nvSpPr>
         <p:spPr>
           <a:xfrm rot="1057987">
-            <a:off x="8455612" y="2947370"/>
-            <a:ext cx="614271" cy="246221"/>
+            <a:off x="7698441" y="5275665"/>
+            <a:ext cx="942887" cy="365934"/>
           </a:xfrm>
           <a:prstGeom prst="rect">
             <a:avLst/>
@@ -4125,11 +4129,11 @@
           <a:lstStyle/>
           <a:p>
             <a:r>
-              <a:rPr lang="en-US" sz="1000" b="1" dirty="0" smtClean="0"/>
+              <a:rPr lang="en-US" sz="1778" b="1" dirty="0"/>
               <a:t>56,14 </a:t>
             </a:r>
             <a:r>
-              <a:rPr lang="en-US" sz="1000" b="1" dirty="0"/>
+              <a:rPr lang="en-US" sz="1778" b="1" dirty="0"/>
               <a:t>m</a:t>
             </a:r>
           </a:p>
@@ -4143,8 +4147,8 @@
         </p:nvSpPr>
         <p:spPr>
           <a:xfrm rot="3174380">
-            <a:off x="8593724" y="3291684"/>
-            <a:ext cx="614271" cy="246221"/>
+            <a:off x="7943974" y="5887779"/>
+            <a:ext cx="942887" cy="365934"/>
           </a:xfrm>
           <a:prstGeom prst="rect">
             <a:avLst/>
@@ -4158,11 +4162,11 @@
           <a:lstStyle/>
           <a:p>
             <a:r>
-              <a:rPr lang="en-US" sz="1000" b="1" dirty="0" smtClean="0"/>
+              <a:rPr lang="en-US" sz="1778" b="1" dirty="0"/>
               <a:t>14,53 </a:t>
             </a:r>
             <a:r>
-              <a:rPr lang="en-US" sz="1000" b="1" dirty="0"/>
+              <a:rPr lang="en-US" sz="1778" b="1" dirty="0"/>
               <a:t>m</a:t>
             </a:r>
           </a:p>
@@ -4176,8 +4180,8 @@
         </p:nvSpPr>
         <p:spPr>
           <a:xfrm rot="2628789">
-            <a:off x="7682246" y="2515579"/>
-            <a:ext cx="614271" cy="246221"/>
+            <a:off x="6323568" y="4508037"/>
+            <a:ext cx="942887" cy="365934"/>
           </a:xfrm>
           <a:prstGeom prst="rect">
             <a:avLst/>
@@ -4191,11 +4195,11 @@
           <a:lstStyle/>
           <a:p>
             <a:r>
-              <a:rPr lang="en-US" sz="1000" b="1" dirty="0" smtClean="0"/>
+              <a:rPr lang="en-US" sz="1778" b="1" dirty="0"/>
               <a:t>82,34 </a:t>
             </a:r>
             <a:r>
-              <a:rPr lang="en-US" sz="1000" b="1" dirty="0"/>
+              <a:rPr lang="en-US" sz="1778" b="1" dirty="0"/>
               <a:t>m</a:t>
             </a:r>
           </a:p>
@@ -4209,8 +4213,8 @@
         </p:nvSpPr>
         <p:spPr>
           <a:xfrm rot="18158382">
-            <a:off x="5270874" y="3096358"/>
-            <a:ext cx="614271" cy="246221"/>
+            <a:off x="2036685" y="5540533"/>
+            <a:ext cx="942887" cy="365934"/>
           </a:xfrm>
           <a:prstGeom prst="rect">
             <a:avLst/>
@@ -4224,11 +4228,11 @@
           <a:lstStyle/>
           <a:p>
             <a:r>
-              <a:rPr lang="en-US" sz="1000" b="1" dirty="0" smtClean="0"/>
+              <a:rPr lang="en-US" sz="1778" b="1" dirty="0"/>
               <a:t>94,62 </a:t>
             </a:r>
             <a:r>
-              <a:rPr lang="en-US" sz="1000" b="1" dirty="0"/>
+              <a:rPr lang="en-US" sz="1778" b="1" dirty="0"/>
               <a:t>m</a:t>
             </a:r>
           </a:p>
@@ -4242,8 +4246,8 @@
         </p:nvSpPr>
         <p:spPr>
           <a:xfrm>
-            <a:off x="6395230" y="3993060"/>
-            <a:ext cx="166255" cy="166255"/>
+            <a:off x="3960966" y="7098774"/>
+            <a:ext cx="295564" cy="295564"/>
           </a:xfrm>
           <a:prstGeom prst="ellipse">
             <a:avLst/>
@@ -4277,7 +4281,7 @@
           <a:p>
             <a:pPr algn="ctr"/>
             <a:r>
-              <a:rPr lang="en-US" sz="1000" b="1" dirty="0">
+              <a:rPr lang="en-US" sz="1778" b="1" dirty="0">
                 <a:solidFill>
                   <a:schemeClr val="tx1"/>
                 </a:solidFill>
@@ -4295,8 +4299,8 @@
         </p:nvSpPr>
         <p:spPr>
           <a:xfrm>
-            <a:off x="6584359" y="4634885"/>
-            <a:ext cx="166255" cy="166255"/>
+            <a:off x="4297195" y="8239797"/>
+            <a:ext cx="295564" cy="295564"/>
           </a:xfrm>
           <a:prstGeom prst="ellipse">
             <a:avLst/>
@@ -4330,14 +4334,14 @@
           <a:p>
             <a:pPr algn="ctr"/>
             <a:r>
-              <a:rPr lang="en-US" sz="1000" b="1" dirty="0" smtClean="0">
+              <a:rPr lang="en-US" sz="1778" b="1" dirty="0">
                 <a:solidFill>
                   <a:schemeClr val="tx1"/>
                 </a:solidFill>
               </a:rPr>
               <a:t>11</a:t>
             </a:r>
-            <a:endParaRPr lang="en-US" sz="1000" b="1" dirty="0">
+            <a:endParaRPr lang="en-US" sz="1778" b="1" dirty="0">
               <a:solidFill>
                 <a:schemeClr val="tx1"/>
               </a:solidFill>
@@ -4353,8 +4357,8 @@
         </p:nvSpPr>
         <p:spPr>
           <a:xfrm rot="1576203">
-            <a:off x="5326712" y="3908150"/>
-            <a:ext cx="574196" cy="215444"/>
+            <a:off x="2128384" y="6983742"/>
+            <a:ext cx="886781" cy="311175"/>
           </a:xfrm>
           <a:prstGeom prst="rect">
             <a:avLst/>
@@ -4368,11 +4372,11 @@
           <a:lstStyle/>
           <a:p>
             <a:r>
-              <a:rPr lang="en-US" sz="800" b="1" dirty="0" smtClean="0"/>
+              <a:rPr lang="en-US" sz="1422" b="1" dirty="0"/>
               <a:t>143,97 </a:t>
             </a:r>
             <a:r>
-              <a:rPr lang="en-US" sz="800" b="1" dirty="0"/>
+              <a:rPr lang="en-US" sz="1422" b="1" dirty="0"/>
               <a:t>m</a:t>
             </a:r>
           </a:p>
@@ -4386,8 +4390,8 @@
         </p:nvSpPr>
         <p:spPr>
           <a:xfrm rot="20062172">
-            <a:off x="5885899" y="3832456"/>
-            <a:ext cx="614271" cy="246221"/>
+            <a:off x="3130063" y="6849152"/>
+            <a:ext cx="942887" cy="365934"/>
           </a:xfrm>
           <a:prstGeom prst="rect">
             <a:avLst/>
@@ -4401,11 +4405,11 @@
           <a:lstStyle/>
           <a:p>
             <a:r>
-              <a:rPr lang="en-US" sz="1000" b="1" dirty="0" smtClean="0"/>
+              <a:rPr lang="en-US" sz="1778" b="1" dirty="0"/>
               <a:t>51,03 </a:t>
             </a:r>
             <a:r>
-              <a:rPr lang="en-US" sz="1000" b="1" dirty="0"/>
+              <a:rPr lang="en-US" sz="1778" b="1" dirty="0"/>
               <a:t>m</a:t>
             </a:r>
           </a:p>
@@ -4419,8 +4423,8 @@
         </p:nvSpPr>
         <p:spPr>
           <a:xfrm rot="4455426">
-            <a:off x="6424842" y="4231452"/>
-            <a:ext cx="614271" cy="246221"/>
+            <a:off x="4088184" y="7558478"/>
+            <a:ext cx="942887" cy="365934"/>
           </a:xfrm>
           <a:prstGeom prst="rect">
             <a:avLst/>
@@ -4434,11 +4438,11 @@
           <a:lstStyle/>
           <a:p>
             <a:r>
-              <a:rPr lang="en-US" sz="1000" b="1" dirty="0" smtClean="0"/>
+              <a:rPr lang="en-US" sz="1778" b="1" dirty="0"/>
               <a:t>52,76 </a:t>
             </a:r>
             <a:r>
-              <a:rPr lang="en-US" sz="1000" b="1" dirty="0"/>
+              <a:rPr lang="en-US" sz="1778" b="1" dirty="0"/>
               <a:t>m</a:t>
             </a:r>
           </a:p>
@@ -4452,8 +4456,8 @@
         </p:nvSpPr>
         <p:spPr>
           <a:xfrm rot="2263233">
-            <a:off x="6892597" y="4812416"/>
-            <a:ext cx="614271" cy="246221"/>
+            <a:off x="4919748" y="8591303"/>
+            <a:ext cx="942887" cy="365934"/>
           </a:xfrm>
           <a:prstGeom prst="rect">
             <a:avLst/>
@@ -4467,11 +4471,11 @@
           <a:lstStyle/>
           <a:p>
             <a:r>
-              <a:rPr lang="en-US" sz="1000" b="1" dirty="0" smtClean="0"/>
+              <a:rPr lang="en-US" sz="1778" b="1" dirty="0"/>
               <a:t>91,37 </a:t>
             </a:r>
             <a:r>
-              <a:rPr lang="en-US" sz="1000" b="1" dirty="0"/>
+              <a:rPr lang="en-US" sz="1778" b="1" dirty="0"/>
               <a:t>m</a:t>
             </a:r>
           </a:p>
@@ -4485,8 +4489,8 @@
         </p:nvSpPr>
         <p:spPr>
           <a:xfrm rot="1875923">
-            <a:off x="5861134" y="4441224"/>
-            <a:ext cx="614271" cy="246221"/>
+            <a:off x="3086036" y="7931406"/>
+            <a:ext cx="942887" cy="365934"/>
           </a:xfrm>
           <a:prstGeom prst="rect">
             <a:avLst/>
@@ -4500,11 +4504,11 @@
           <a:lstStyle/>
           <a:p>
             <a:r>
-              <a:rPr lang="en-US" sz="1000" b="1" dirty="0" smtClean="0"/>
+              <a:rPr lang="en-US" sz="1778" b="1" dirty="0"/>
               <a:t>71,48 </a:t>
             </a:r>
             <a:r>
-              <a:rPr lang="en-US" sz="1000" b="1" dirty="0"/>
+              <a:rPr lang="en-US" sz="1778" b="1" dirty="0"/>
               <a:t>m</a:t>
             </a:r>
           </a:p>
@@ -4518,8 +4522,8 @@
         </p:nvSpPr>
         <p:spPr>
           <a:xfrm>
-            <a:off x="10326275" y="1108084"/>
-            <a:ext cx="166255" cy="166255"/>
+            <a:off x="10949490" y="1969928"/>
+            <a:ext cx="295564" cy="295564"/>
           </a:xfrm>
           <a:prstGeom prst="ellipse">
             <a:avLst/>
@@ -4553,14 +4557,14 @@
           <a:p>
             <a:pPr algn="ctr"/>
             <a:r>
-              <a:rPr lang="en-US" sz="1000" b="1" dirty="0" smtClean="0">
+              <a:rPr lang="en-US" sz="1778" b="1" dirty="0">
                 <a:solidFill>
                   <a:schemeClr val="tx1"/>
                 </a:solidFill>
               </a:rPr>
               <a:t>47</a:t>
             </a:r>
-            <a:endParaRPr lang="en-US" sz="1000" b="1" dirty="0">
+            <a:endParaRPr lang="en-US" sz="1778" b="1" dirty="0">
               <a:solidFill>
                 <a:schemeClr val="tx1"/>
               </a:solidFill>
@@ -4576,8 +4580,8 @@
         </p:nvSpPr>
         <p:spPr>
           <a:xfrm>
-            <a:off x="9933242" y="1570180"/>
-            <a:ext cx="166255" cy="166255"/>
+            <a:off x="10250765" y="2791432"/>
+            <a:ext cx="295564" cy="295564"/>
           </a:xfrm>
           <a:prstGeom prst="ellipse">
             <a:avLst/>
@@ -4611,14 +4615,14 @@
           <a:p>
             <a:pPr algn="ctr"/>
             <a:r>
-              <a:rPr lang="en-US" sz="1000" b="1" dirty="0" smtClean="0">
+              <a:rPr lang="en-US" sz="1778" b="1" dirty="0">
                 <a:solidFill>
                   <a:schemeClr val="tx1"/>
                 </a:solidFill>
               </a:rPr>
               <a:t>46</a:t>
             </a:r>
-            <a:endParaRPr lang="en-US" sz="1000" b="1" dirty="0">
+            <a:endParaRPr lang="en-US" sz="1778" b="1" dirty="0">
               <a:solidFill>
                 <a:schemeClr val="tx1"/>
               </a:solidFill>
@@ -4634,8 +4638,8 @@
         </p:nvSpPr>
         <p:spPr>
           <a:xfrm>
-            <a:off x="10294216" y="1993265"/>
-            <a:ext cx="166255" cy="166255"/>
+            <a:off x="10892496" y="3543583"/>
+            <a:ext cx="295564" cy="295564"/>
           </a:xfrm>
           <a:prstGeom prst="ellipse">
             <a:avLst/>
@@ -4669,14 +4673,14 @@
           <a:p>
             <a:pPr algn="ctr"/>
             <a:r>
-              <a:rPr lang="en-US" sz="1000" b="1" dirty="0" smtClean="0">
+              <a:rPr lang="en-US" sz="1778" b="1" dirty="0">
                 <a:solidFill>
                   <a:schemeClr val="tx1"/>
                 </a:solidFill>
               </a:rPr>
               <a:t>45</a:t>
             </a:r>
-            <a:endParaRPr lang="en-US" sz="1000" b="1" dirty="0">
+            <a:endParaRPr lang="en-US" sz="1778" b="1" dirty="0">
               <a:solidFill>
                 <a:schemeClr val="tx1"/>
               </a:solidFill>
@@ -4692,8 +4696,8 @@
         </p:nvSpPr>
         <p:spPr>
           <a:xfrm>
-            <a:off x="9777720" y="2619010"/>
-            <a:ext cx="166255" cy="166255"/>
+            <a:off x="9974281" y="4656019"/>
+            <a:ext cx="295564" cy="295564"/>
           </a:xfrm>
           <a:prstGeom prst="ellipse">
             <a:avLst/>
@@ -4727,14 +4731,14 @@
           <a:p>
             <a:pPr algn="ctr"/>
             <a:r>
-              <a:rPr lang="en-US" sz="1000" b="1" dirty="0" smtClean="0">
+              <a:rPr lang="en-US" sz="1778" b="1" dirty="0">
                 <a:solidFill>
                   <a:schemeClr val="tx1"/>
                 </a:solidFill>
               </a:rPr>
               <a:t>44</a:t>
             </a:r>
-            <a:endParaRPr lang="en-US" sz="1000" b="1" dirty="0">
+            <a:endParaRPr lang="en-US" sz="1778" b="1" dirty="0">
               <a:solidFill>
                 <a:schemeClr val="tx1"/>
               </a:solidFill>
@@ -4750,8 +4754,8 @@
         </p:nvSpPr>
         <p:spPr>
           <a:xfrm>
-            <a:off x="8678851" y="1658456"/>
-            <a:ext cx="166255" cy="166255"/>
+            <a:off x="8020736" y="2948367"/>
+            <a:ext cx="295564" cy="295564"/>
           </a:xfrm>
           <a:prstGeom prst="ellipse">
             <a:avLst/>
@@ -4785,14 +4789,14 @@
           <a:p>
             <a:pPr algn="ctr"/>
             <a:r>
-              <a:rPr lang="en-US" sz="1000" b="1" dirty="0" smtClean="0">
+              <a:rPr lang="en-US" sz="1778" b="1" dirty="0">
                 <a:solidFill>
                   <a:schemeClr val="tx1"/>
                 </a:solidFill>
               </a:rPr>
               <a:t>43</a:t>
             </a:r>
-            <a:endParaRPr lang="en-US" sz="1000" b="1" dirty="0">
+            <a:endParaRPr lang="en-US" sz="1778" b="1" dirty="0">
               <a:solidFill>
                 <a:schemeClr val="tx1"/>
               </a:solidFill>
@@ -4808,8 +4812,8 @@
         </p:nvSpPr>
         <p:spPr>
           <a:xfrm>
-            <a:off x="7842927" y="1814587"/>
-            <a:ext cx="166255" cy="166255"/>
+            <a:off x="6534649" y="3225934"/>
+            <a:ext cx="295564" cy="295564"/>
           </a:xfrm>
           <a:prstGeom prst="ellipse">
             <a:avLst/>
@@ -4843,14 +4847,14 @@
           <a:p>
             <a:pPr algn="ctr"/>
             <a:r>
-              <a:rPr lang="en-US" sz="1000" b="1" dirty="0" smtClean="0">
+              <a:rPr lang="en-US" sz="1778" b="1" dirty="0">
                 <a:solidFill>
                   <a:schemeClr val="tx1"/>
                 </a:solidFill>
               </a:rPr>
               <a:t>40</a:t>
             </a:r>
-            <a:endParaRPr lang="en-US" sz="1000" b="1" dirty="0">
+            <a:endParaRPr lang="en-US" sz="1778" b="1" dirty="0">
               <a:solidFill>
                 <a:schemeClr val="tx1"/>
               </a:solidFill>
@@ -4866,8 +4870,8 @@
         </p:nvSpPr>
         <p:spPr>
           <a:xfrm>
-            <a:off x="8325238" y="1993264"/>
-            <a:ext cx="166255" cy="166255"/>
+            <a:off x="7392091" y="3543582"/>
+            <a:ext cx="295564" cy="295564"/>
           </a:xfrm>
           <a:prstGeom prst="ellipse">
             <a:avLst/>
@@ -4901,14 +4905,14 @@
           <a:p>
             <a:pPr algn="ctr"/>
             <a:r>
-              <a:rPr lang="en-US" sz="1000" b="1" dirty="0" smtClean="0">
+              <a:rPr lang="en-US" sz="1778" b="1" dirty="0">
                 <a:solidFill>
                   <a:schemeClr val="tx1"/>
                 </a:solidFill>
               </a:rPr>
               <a:t>42</a:t>
             </a:r>
-            <a:endParaRPr lang="en-US" sz="1000" b="1" dirty="0">
+            <a:endParaRPr lang="en-US" sz="1778" b="1" dirty="0">
               <a:solidFill>
                 <a:schemeClr val="tx1"/>
               </a:solidFill>
@@ -4924,8 +4928,8 @@
         </p:nvSpPr>
         <p:spPr>
           <a:xfrm>
-            <a:off x="8134636" y="1475949"/>
-            <a:ext cx="166255" cy="166255"/>
+            <a:off x="7053243" y="2623910"/>
+            <a:ext cx="295564" cy="295564"/>
           </a:xfrm>
           <a:prstGeom prst="ellipse">
             <a:avLst/>
@@ -4959,14 +4963,14 @@
           <a:p>
             <a:pPr algn="ctr"/>
             <a:r>
-              <a:rPr lang="en-US" sz="1000" b="1" dirty="0" smtClean="0">
+              <a:rPr lang="en-US" sz="1778" b="1" dirty="0">
                 <a:solidFill>
                   <a:schemeClr val="tx1"/>
                 </a:solidFill>
               </a:rPr>
               <a:t>41</a:t>
             </a:r>
-            <a:endParaRPr lang="en-US" sz="1000" b="1" dirty="0">
+            <a:endParaRPr lang="en-US" sz="1778" b="1" dirty="0">
               <a:solidFill>
                 <a:schemeClr val="tx1"/>
               </a:solidFill>
@@ -4982,8 +4986,8 @@
         </p:nvSpPr>
         <p:spPr>
           <a:xfrm>
-            <a:off x="7442253" y="2282615"/>
-            <a:ext cx="166255" cy="166255"/>
+            <a:off x="5822340" y="4057983"/>
+            <a:ext cx="295564" cy="295564"/>
           </a:xfrm>
           <a:prstGeom prst="ellipse">
             <a:avLst/>
@@ -5017,14 +5021,14 @@
           <a:p>
             <a:pPr algn="ctr"/>
             <a:r>
-              <a:rPr lang="en-US" sz="1000" b="1" dirty="0" smtClean="0">
+              <a:rPr lang="en-US" sz="1778" b="1" dirty="0">
                 <a:solidFill>
                   <a:schemeClr val="tx1"/>
                 </a:solidFill>
               </a:rPr>
               <a:t>39</a:t>
             </a:r>
-            <a:endParaRPr lang="en-US" sz="1000" b="1" dirty="0">
+            <a:endParaRPr lang="en-US" sz="1778" b="1" dirty="0">
               <a:solidFill>
                 <a:schemeClr val="tx1"/>
               </a:solidFill>
@@ -5040,8 +5044,8 @@
         </p:nvSpPr>
         <p:spPr>
           <a:xfrm>
-            <a:off x="9115168" y="968349"/>
-            <a:ext cx="166255" cy="166255"/>
+            <a:off x="8796411" y="1721510"/>
+            <a:ext cx="295564" cy="295564"/>
           </a:xfrm>
           <a:prstGeom prst="ellipse">
             <a:avLst/>
@@ -5075,14 +5079,14 @@
           <a:p>
             <a:pPr algn="ctr"/>
             <a:r>
-              <a:rPr lang="en-US" sz="1000" b="1" dirty="0" smtClean="0">
+              <a:rPr lang="en-US" sz="1778" b="1" dirty="0">
                 <a:solidFill>
                   <a:schemeClr val="tx1"/>
                 </a:solidFill>
               </a:rPr>
               <a:t>48</a:t>
             </a:r>
-            <a:endParaRPr lang="en-US" sz="1000" b="1" dirty="0">
+            <a:endParaRPr lang="en-US" sz="1778" b="1" dirty="0">
               <a:solidFill>
                 <a:schemeClr val="tx1"/>
               </a:solidFill>
@@ -5098,8 +5102,8 @@
         </p:nvSpPr>
         <p:spPr>
           <a:xfrm>
-            <a:off x="7733497" y="0"/>
-            <a:ext cx="166255" cy="166255"/>
+            <a:off x="6340107" y="1"/>
+            <a:ext cx="295564" cy="295564"/>
           </a:xfrm>
           <a:prstGeom prst="ellipse">
             <a:avLst/>
@@ -5133,14 +5137,14 @@
           <a:p>
             <a:pPr algn="ctr"/>
             <a:r>
-              <a:rPr lang="en-US" sz="1000" b="1" dirty="0" smtClean="0">
+              <a:rPr lang="en-US" sz="1778" b="1" dirty="0">
                 <a:solidFill>
                   <a:schemeClr val="tx1"/>
                 </a:solidFill>
               </a:rPr>
               <a:t>49</a:t>
             </a:r>
-            <a:endParaRPr lang="en-US" sz="1000" b="1" dirty="0">
+            <a:endParaRPr lang="en-US" sz="1778" b="1" dirty="0">
               <a:solidFill>
                 <a:schemeClr val="tx1"/>
               </a:solidFill>
@@ -5156,8 +5160,8 @@
         </p:nvSpPr>
         <p:spPr>
           <a:xfrm>
-            <a:off x="7439890" y="272471"/>
-            <a:ext cx="166255" cy="166255"/>
+            <a:off x="5818139" y="484394"/>
+            <a:ext cx="295564" cy="295564"/>
           </a:xfrm>
           <a:prstGeom prst="ellipse">
             <a:avLst/>
@@ -5191,14 +5195,14 @@
           <a:p>
             <a:pPr algn="ctr"/>
             <a:r>
-              <a:rPr lang="en-US" sz="1000" b="1" dirty="0" smtClean="0">
+              <a:rPr lang="en-US" sz="1778" b="1" dirty="0">
                 <a:solidFill>
                   <a:schemeClr val="tx1"/>
                 </a:solidFill>
               </a:rPr>
               <a:t>50</a:t>
             </a:r>
-            <a:endParaRPr lang="en-US" sz="1000" b="1" dirty="0">
+            <a:endParaRPr lang="en-US" sz="1778" b="1" dirty="0">
               <a:solidFill>
                 <a:schemeClr val="tx1"/>
               </a:solidFill>
@@ -5214,8 +5218,8 @@
         </p:nvSpPr>
         <p:spPr>
           <a:xfrm>
-            <a:off x="11709143" y="3679813"/>
-            <a:ext cx="166255" cy="166255"/>
+            <a:off x="13407922" y="6541891"/>
+            <a:ext cx="295564" cy="295564"/>
           </a:xfrm>
           <a:prstGeom prst="ellipse">
             <a:avLst/>
@@ -5249,14 +5253,14 @@
           <a:p>
             <a:pPr algn="ctr"/>
             <a:r>
-              <a:rPr lang="en-US" sz="1000" b="1" dirty="0" smtClean="0">
+              <a:rPr lang="en-US" sz="1778" b="1" dirty="0">
                 <a:solidFill>
                   <a:schemeClr val="tx1"/>
                 </a:solidFill>
               </a:rPr>
               <a:t>38</a:t>
             </a:r>
-            <a:endParaRPr lang="en-US" sz="1000" b="1" dirty="0">
+            <a:endParaRPr lang="en-US" sz="1778" b="1" dirty="0">
               <a:solidFill>
                 <a:schemeClr val="tx1"/>
               </a:solidFill>
@@ -5272,8 +5276,8 @@
         </p:nvSpPr>
         <p:spPr>
           <a:xfrm>
-            <a:off x="10670258" y="4988919"/>
-            <a:ext cx="166255" cy="166255"/>
+            <a:off x="11561015" y="8869190"/>
+            <a:ext cx="295564" cy="295564"/>
           </a:xfrm>
           <a:prstGeom prst="ellipse">
             <a:avLst/>
@@ -5307,14 +5311,14 @@
           <a:p>
             <a:pPr algn="ctr"/>
             <a:r>
-              <a:rPr lang="en-US" sz="1000" b="1" dirty="0" smtClean="0">
+              <a:rPr lang="en-US" sz="1778" b="1" dirty="0">
                 <a:solidFill>
                   <a:schemeClr val="tx1"/>
                 </a:solidFill>
               </a:rPr>
               <a:t>37</a:t>
             </a:r>
-            <a:endParaRPr lang="en-US" sz="1000" b="1" dirty="0">
+            <a:endParaRPr lang="en-US" sz="1778" b="1" dirty="0">
               <a:solidFill>
                 <a:schemeClr val="tx1"/>
               </a:solidFill>
@@ -5330,8 +5334,8 @@
         </p:nvSpPr>
         <p:spPr>
           <a:xfrm>
-            <a:off x="9793341" y="5990805"/>
-            <a:ext cx="166255" cy="166255"/>
+            <a:off x="10002052" y="10650321"/>
+            <a:ext cx="295564" cy="295564"/>
           </a:xfrm>
           <a:prstGeom prst="ellipse">
             <a:avLst/>
@@ -5365,14 +5369,14 @@
           <a:p>
             <a:pPr algn="ctr"/>
             <a:r>
-              <a:rPr lang="en-US" sz="1000" b="1" dirty="0" smtClean="0">
+              <a:rPr lang="en-US" sz="1778" b="1" dirty="0">
                 <a:solidFill>
                   <a:schemeClr val="tx1"/>
                 </a:solidFill>
               </a:rPr>
               <a:t>36</a:t>
             </a:r>
-            <a:endParaRPr lang="en-US" sz="1000" b="1" dirty="0">
+            <a:endParaRPr lang="en-US" sz="1778" b="1" dirty="0">
               <a:solidFill>
                 <a:schemeClr val="tx1"/>
               </a:solidFill>
@@ -5388,8 +5392,8 @@
         </p:nvSpPr>
         <p:spPr>
           <a:xfrm>
-            <a:off x="8652278" y="5431516"/>
-            <a:ext cx="166255" cy="166255"/>
+            <a:off x="7973495" y="9656030"/>
+            <a:ext cx="295564" cy="295564"/>
           </a:xfrm>
           <a:prstGeom prst="ellipse">
             <a:avLst/>
@@ -5423,14 +5427,14 @@
           <a:p>
             <a:pPr algn="ctr"/>
             <a:r>
-              <a:rPr lang="en-US" sz="1000" b="1" dirty="0" smtClean="0">
+              <a:rPr lang="en-US" sz="1778" b="1" dirty="0">
                 <a:solidFill>
                   <a:schemeClr val="tx1"/>
                 </a:solidFill>
               </a:rPr>
               <a:t>33</a:t>
             </a:r>
-            <a:endParaRPr lang="en-US" sz="1000" b="1" dirty="0">
+            <a:endParaRPr lang="en-US" sz="1778" b="1" dirty="0">
               <a:solidFill>
                 <a:schemeClr val="tx1"/>
               </a:solidFill>
@@ -5446,8 +5450,8 @@
         </p:nvSpPr>
         <p:spPr>
           <a:xfrm>
-            <a:off x="9007809" y="6216835"/>
-            <a:ext cx="166255" cy="166255"/>
+            <a:off x="8605550" y="11052152"/>
+            <a:ext cx="295564" cy="295564"/>
           </a:xfrm>
           <a:prstGeom prst="ellipse">
             <a:avLst/>
@@ -5481,14 +5485,14 @@
           <a:p>
             <a:pPr algn="ctr"/>
             <a:r>
-              <a:rPr lang="en-US" sz="1000" b="1" dirty="0" smtClean="0">
+              <a:rPr lang="en-US" sz="1778" b="1" dirty="0">
                 <a:solidFill>
                   <a:schemeClr val="tx1"/>
                 </a:solidFill>
               </a:rPr>
               <a:t>34</a:t>
             </a:r>
-            <a:endParaRPr lang="en-US" sz="1000" b="1" dirty="0">
+            <a:endParaRPr lang="en-US" sz="1778" b="1" dirty="0">
               <a:solidFill>
                 <a:schemeClr val="tx1"/>
               </a:solidFill>
@@ -5504,8 +5508,8 @@
         </p:nvSpPr>
         <p:spPr>
           <a:xfrm>
-            <a:off x="7963661" y="5550704"/>
-            <a:ext cx="166255" cy="166255"/>
+            <a:off x="6749287" y="9867919"/>
+            <a:ext cx="295564" cy="295564"/>
           </a:xfrm>
           <a:prstGeom prst="ellipse">
             <a:avLst/>
@@ -5539,14 +5543,14 @@
           <a:p>
             <a:pPr algn="ctr"/>
             <a:r>
-              <a:rPr lang="en-US" sz="1000" b="1" dirty="0" smtClean="0">
+              <a:rPr lang="en-US" sz="1778" b="1" dirty="0">
                 <a:solidFill>
                   <a:schemeClr val="tx1"/>
                 </a:solidFill>
               </a:rPr>
               <a:t>32</a:t>
             </a:r>
-            <a:endParaRPr lang="en-US" sz="1000" b="1" dirty="0">
+            <a:endParaRPr lang="en-US" sz="1778" b="1" dirty="0">
               <a:solidFill>
                 <a:schemeClr val="tx1"/>
               </a:solidFill>
@@ -5562,8 +5566,8 @@
         </p:nvSpPr>
         <p:spPr>
           <a:xfrm>
-            <a:off x="7772400" y="5443556"/>
-            <a:ext cx="166255" cy="166255"/>
+            <a:off x="6409268" y="9677434"/>
+            <a:ext cx="295564" cy="295564"/>
           </a:xfrm>
           <a:prstGeom prst="ellipse">
             <a:avLst/>
@@ -5597,14 +5601,14 @@
           <a:p>
             <a:pPr algn="ctr"/>
             <a:r>
-              <a:rPr lang="en-US" sz="1000" b="1" dirty="0" smtClean="0">
+              <a:rPr lang="en-US" sz="1778" b="1" dirty="0">
                 <a:solidFill>
                   <a:schemeClr val="tx1"/>
                 </a:solidFill>
               </a:rPr>
               <a:t>27</a:t>
             </a:r>
-            <a:endParaRPr lang="en-US" sz="1000" b="1" dirty="0">
+            <a:endParaRPr lang="en-US" sz="1778" b="1" dirty="0">
               <a:solidFill>
                 <a:schemeClr val="tx1"/>
               </a:solidFill>
@@ -5620,8 +5624,8 @@
         </p:nvSpPr>
         <p:spPr>
           <a:xfrm>
-            <a:off x="7311681" y="6042735"/>
-            <a:ext cx="166255" cy="166255"/>
+            <a:off x="5590212" y="10742641"/>
+            <a:ext cx="295564" cy="295564"/>
           </a:xfrm>
           <a:prstGeom prst="ellipse">
             <a:avLst/>
@@ -5655,14 +5659,14 @@
           <a:p>
             <a:pPr algn="ctr"/>
             <a:r>
-              <a:rPr lang="en-US" sz="1000" b="1" dirty="0" smtClean="0">
+              <a:rPr lang="en-US" sz="1778" b="1" dirty="0">
                 <a:solidFill>
                   <a:schemeClr val="tx1"/>
                 </a:solidFill>
               </a:rPr>
               <a:t>30</a:t>
             </a:r>
-            <a:endParaRPr lang="en-US" sz="1000" b="1" dirty="0">
+            <a:endParaRPr lang="en-US" sz="1778" b="1" dirty="0">
               <a:solidFill>
                 <a:schemeClr val="tx1"/>
               </a:solidFill>
@@ -5678,8 +5682,8 @@
         </p:nvSpPr>
         <p:spPr>
           <a:xfrm>
-            <a:off x="7726719" y="6042734"/>
-            <a:ext cx="166255" cy="166255"/>
+            <a:off x="6328057" y="10742639"/>
+            <a:ext cx="295564" cy="295564"/>
           </a:xfrm>
           <a:prstGeom prst="ellipse">
             <a:avLst/>
@@ -5713,14 +5717,14 @@
           <a:p>
             <a:pPr algn="ctr"/>
             <a:r>
-              <a:rPr lang="en-US" sz="1000" b="1" dirty="0" smtClean="0">
+              <a:rPr lang="en-US" sz="1778" b="1" dirty="0">
                 <a:solidFill>
                   <a:schemeClr val="tx1"/>
                 </a:solidFill>
               </a:rPr>
               <a:t>31</a:t>
             </a:r>
-            <a:endParaRPr lang="en-US" sz="1000" b="1" dirty="0">
+            <a:endParaRPr lang="en-US" sz="1778" b="1" dirty="0">
               <a:solidFill>
                 <a:schemeClr val="tx1"/>
               </a:solidFill>
@@ -5736,8 +5740,8 @@
         </p:nvSpPr>
         <p:spPr>
           <a:xfrm>
-            <a:off x="7235151" y="5631531"/>
-            <a:ext cx="166255" cy="166255"/>
+            <a:off x="5454158" y="10011612"/>
+            <a:ext cx="295564" cy="295564"/>
           </a:xfrm>
           <a:prstGeom prst="ellipse">
             <a:avLst/>
@@ -5771,14 +5775,14 @@
           <a:p>
             <a:pPr algn="ctr"/>
             <a:r>
-              <a:rPr lang="en-US" sz="1000" b="1" dirty="0" smtClean="0">
+              <a:rPr lang="en-US" sz="1778" b="1" dirty="0">
                 <a:solidFill>
                   <a:schemeClr val="tx1"/>
                 </a:solidFill>
               </a:rPr>
               <a:t>29</a:t>
             </a:r>
-            <a:endParaRPr lang="en-US" sz="1000" b="1" dirty="0">
+            <a:endParaRPr lang="en-US" sz="1778" b="1" dirty="0">
               <a:solidFill>
                 <a:schemeClr val="tx1"/>
               </a:solidFill>
@@ -5794,8 +5798,8 @@
         </p:nvSpPr>
         <p:spPr>
           <a:xfrm>
-            <a:off x="7635975" y="5656524"/>
-            <a:ext cx="166255" cy="166255"/>
+            <a:off x="6166734" y="10056044"/>
+            <a:ext cx="295564" cy="295564"/>
           </a:xfrm>
           <a:prstGeom prst="ellipse">
             <a:avLst/>
@@ -5829,14 +5833,14 @@
           <a:p>
             <a:pPr algn="ctr"/>
             <a:r>
-              <a:rPr lang="en-US" sz="1000" b="1" dirty="0" smtClean="0">
+              <a:rPr lang="en-US" sz="1778" b="1" dirty="0">
                 <a:solidFill>
                   <a:schemeClr val="tx1"/>
                 </a:solidFill>
               </a:rPr>
               <a:t>28</a:t>
             </a:r>
-            <a:endParaRPr lang="en-US" sz="1000" b="1" dirty="0">
+            <a:endParaRPr lang="en-US" sz="1778" b="1" dirty="0">
               <a:solidFill>
                 <a:schemeClr val="tx1"/>
               </a:solidFill>
@@ -5852,8 +5856,8 @@
         </p:nvSpPr>
         <p:spPr>
           <a:xfrm>
-            <a:off x="8227190" y="4531890"/>
-            <a:ext cx="166255" cy="166255"/>
+            <a:off x="7217783" y="8056694"/>
+            <a:ext cx="295564" cy="295564"/>
           </a:xfrm>
           <a:prstGeom prst="ellipse">
             <a:avLst/>
@@ -5887,14 +5891,14 @@
           <a:p>
             <a:pPr algn="ctr"/>
             <a:r>
-              <a:rPr lang="en-US" sz="1000" b="1" dirty="0" smtClean="0">
+              <a:rPr lang="en-US" sz="1778" b="1" dirty="0">
                 <a:solidFill>
                   <a:schemeClr val="tx1"/>
                 </a:solidFill>
               </a:rPr>
               <a:t>23</a:t>
             </a:r>
-            <a:endParaRPr lang="en-US" sz="1000" b="1" dirty="0">
+            <a:endParaRPr lang="en-US" sz="1778" b="1" dirty="0">
               <a:solidFill>
                 <a:schemeClr val="tx1"/>
               </a:solidFill>
@@ -5910,8 +5914,8 @@
         </p:nvSpPr>
         <p:spPr>
           <a:xfrm>
-            <a:off x="3063592" y="1834893"/>
-            <a:ext cx="166255" cy="166255"/>
+            <a:off x="-1961946" y="3262033"/>
+            <a:ext cx="295564" cy="295564"/>
           </a:xfrm>
           <a:prstGeom prst="ellipse">
             <a:avLst/>
@@ -5945,14 +5949,14 @@
           <a:p>
             <a:pPr algn="ctr"/>
             <a:r>
-              <a:rPr lang="en-US" sz="1000" b="1" dirty="0" smtClean="0">
+              <a:rPr lang="en-US" sz="1778" b="1" dirty="0">
                 <a:solidFill>
                   <a:schemeClr val="tx1"/>
                 </a:solidFill>
               </a:rPr>
               <a:t>21</a:t>
             </a:r>
-            <a:endParaRPr lang="en-US" sz="1000" b="1" dirty="0">
+            <a:endParaRPr lang="en-US" sz="1778" b="1" dirty="0">
               <a:solidFill>
                 <a:schemeClr val="tx1"/>
               </a:solidFill>
@@ -5968,8 +5972,8 @@
         </p:nvSpPr>
         <p:spPr>
           <a:xfrm>
-            <a:off x="3291167" y="2535882"/>
-            <a:ext cx="166255" cy="166255"/>
+            <a:off x="-1557369" y="4508236"/>
+            <a:ext cx="295564" cy="295564"/>
           </a:xfrm>
           <a:prstGeom prst="ellipse">
             <a:avLst/>
@@ -6003,14 +6007,14 @@
           <a:p>
             <a:pPr algn="ctr"/>
             <a:r>
-              <a:rPr lang="en-US" sz="1000" b="1" dirty="0" smtClean="0">
+              <a:rPr lang="en-US" sz="1778" b="1" dirty="0">
                 <a:solidFill>
                   <a:schemeClr val="tx1"/>
                 </a:solidFill>
               </a:rPr>
               <a:t>18</a:t>
             </a:r>
-            <a:endParaRPr lang="en-US" sz="1000" b="1" dirty="0">
+            <a:endParaRPr lang="en-US" sz="1778" b="1" dirty="0">
               <a:solidFill>
                 <a:schemeClr val="tx1"/>
               </a:solidFill>
@@ -6026,8 +6030,8 @@
         </p:nvSpPr>
         <p:spPr>
           <a:xfrm>
-            <a:off x="2324752" y="1980842"/>
-            <a:ext cx="166255" cy="166255"/>
+            <a:off x="-3275440" y="3521498"/>
+            <a:ext cx="295564" cy="295564"/>
           </a:xfrm>
           <a:prstGeom prst="ellipse">
             <a:avLst/>
@@ -6061,14 +6065,14 @@
           <a:p>
             <a:pPr algn="ctr"/>
             <a:r>
-              <a:rPr lang="en-US" sz="1000" b="1" dirty="0" smtClean="0">
+              <a:rPr lang="en-US" sz="1778" b="1" dirty="0">
                 <a:solidFill>
                   <a:schemeClr val="tx1"/>
                 </a:solidFill>
               </a:rPr>
               <a:t>20</a:t>
             </a:r>
-            <a:endParaRPr lang="en-US" sz="1000" b="1" dirty="0">
+            <a:endParaRPr lang="en-US" sz="1778" b="1" dirty="0">
               <a:solidFill>
                 <a:schemeClr val="tx1"/>
               </a:solidFill>
@@ -6084,8 +6088,8 @@
         </p:nvSpPr>
         <p:spPr>
           <a:xfrm>
-            <a:off x="2608568" y="2147097"/>
-            <a:ext cx="166255" cy="166255"/>
+            <a:off x="-2770878" y="3817062"/>
+            <a:ext cx="295564" cy="295564"/>
           </a:xfrm>
           <a:prstGeom prst="ellipse">
             <a:avLst/>
@@ -6119,14 +6123,14 @@
           <a:p>
             <a:pPr algn="ctr"/>
             <a:r>
-              <a:rPr lang="en-US" sz="1000" b="1" dirty="0" smtClean="0">
+              <a:rPr lang="en-US" sz="1778" b="1" dirty="0">
                 <a:solidFill>
                   <a:schemeClr val="tx1"/>
                 </a:solidFill>
               </a:rPr>
               <a:t>19</a:t>
             </a:r>
-            <a:endParaRPr lang="en-US" sz="1000" b="1" dirty="0">
+            <a:endParaRPr lang="en-US" sz="1778" b="1" dirty="0">
               <a:solidFill>
                 <a:schemeClr val="tx1"/>
               </a:solidFill>
@@ -6142,8 +6146,8 @@
         </p:nvSpPr>
         <p:spPr>
           <a:xfrm>
-            <a:off x="1612661" y="3347600"/>
-            <a:ext cx="166255" cy="166255"/>
+            <a:off x="-4541379" y="5951290"/>
+            <a:ext cx="295564" cy="295564"/>
           </a:xfrm>
           <a:prstGeom prst="ellipse">
             <a:avLst/>
@@ -6177,14 +6181,14 @@
           <a:p>
             <a:pPr algn="ctr"/>
             <a:r>
-              <a:rPr lang="en-US" sz="1000" b="1" dirty="0" smtClean="0">
+              <a:rPr lang="en-US" sz="1778" b="1" dirty="0">
                 <a:solidFill>
                   <a:schemeClr val="tx1"/>
                 </a:solidFill>
               </a:rPr>
               <a:t>22</a:t>
             </a:r>
-            <a:endParaRPr lang="en-US" sz="1000" b="1" dirty="0">
+            <a:endParaRPr lang="en-US" sz="1778" b="1" dirty="0">
               <a:solidFill>
                 <a:schemeClr val="tx1"/>
               </a:solidFill>
@@ -6200,8 +6204,8 @@
         </p:nvSpPr>
         <p:spPr>
           <a:xfrm>
-            <a:off x="4514045" y="3347600"/>
-            <a:ext cx="166255" cy="166255"/>
+            <a:off x="616637" y="5951290"/>
+            <a:ext cx="295564" cy="295564"/>
           </a:xfrm>
           <a:prstGeom prst="ellipse">
             <a:avLst/>
@@ -6235,14 +6239,14 @@
           <a:p>
             <a:pPr algn="ctr"/>
             <a:r>
-              <a:rPr lang="en-US" sz="1000" b="1" dirty="0" smtClean="0">
+              <a:rPr lang="en-US" sz="1778" b="1" dirty="0">
                 <a:solidFill>
                   <a:schemeClr val="tx1"/>
                 </a:solidFill>
               </a:rPr>
               <a:t>17</a:t>
             </a:r>
-            <a:endParaRPr lang="en-US" sz="1000" b="1" dirty="0">
+            <a:endParaRPr lang="en-US" sz="1778" b="1" dirty="0">
               <a:solidFill>
                 <a:schemeClr val="tx1"/>
               </a:solidFill>
@@ -6258,8 +6262,8 @@
         </p:nvSpPr>
         <p:spPr>
           <a:xfrm>
-            <a:off x="5988702" y="2664206"/>
-            <a:ext cx="166255" cy="166255"/>
+            <a:off x="3238249" y="4736367"/>
+            <a:ext cx="295564" cy="295564"/>
           </a:xfrm>
           <a:prstGeom prst="ellipse">
             <a:avLst/>
@@ -6293,14 +6297,14 @@
           <a:p>
             <a:pPr algn="ctr"/>
             <a:r>
-              <a:rPr lang="en-US" sz="1000" b="1" dirty="0" smtClean="0">
+              <a:rPr lang="en-US" sz="1778" b="1" dirty="0">
                 <a:solidFill>
                   <a:schemeClr val="tx1"/>
                 </a:solidFill>
               </a:rPr>
               <a:t>15</a:t>
             </a:r>
-            <a:endParaRPr lang="en-US" sz="1000" b="1" dirty="0">
+            <a:endParaRPr lang="en-US" sz="1778" b="1" dirty="0">
               <a:solidFill>
                 <a:schemeClr val="tx1"/>
               </a:solidFill>
@@ -6316,8 +6320,8 @@
         </p:nvSpPr>
         <p:spPr>
           <a:xfrm>
-            <a:off x="6392781" y="2022811"/>
-            <a:ext cx="166255" cy="166255"/>
+            <a:off x="3956612" y="3596110"/>
+            <a:ext cx="295564" cy="295564"/>
           </a:xfrm>
           <a:prstGeom prst="ellipse">
             <a:avLst/>
@@ -6351,14 +6355,14 @@
           <a:p>
             <a:pPr algn="ctr"/>
             <a:r>
-              <a:rPr lang="en-US" sz="1000" b="1" dirty="0" smtClean="0">
+              <a:rPr lang="en-US" sz="1778" b="1" dirty="0">
                 <a:solidFill>
                   <a:schemeClr val="tx1"/>
                 </a:solidFill>
               </a:rPr>
               <a:t>16</a:t>
             </a:r>
-            <a:endParaRPr lang="en-US" sz="1000" b="1" dirty="0">
+            <a:endParaRPr lang="en-US" sz="1778" b="1" dirty="0">
               <a:solidFill>
                 <a:schemeClr val="tx1"/>
               </a:solidFill>
@@ -6374,8 +6378,8 @@
         </p:nvSpPr>
         <p:spPr>
           <a:xfrm>
-            <a:off x="8707620" y="3932746"/>
-            <a:ext cx="166255" cy="166255"/>
+            <a:off x="8071881" y="6991550"/>
+            <a:ext cx="295564" cy="295564"/>
           </a:xfrm>
           <a:prstGeom prst="ellipse">
             <a:avLst/>
@@ -6409,14 +6413,14 @@
           <a:p>
             <a:pPr algn="ctr"/>
             <a:r>
-              <a:rPr lang="en-US" sz="1000" b="1" dirty="0" smtClean="0">
+              <a:rPr lang="en-US" sz="1778" b="1" dirty="0">
                 <a:solidFill>
                   <a:schemeClr val="tx1"/>
                 </a:solidFill>
               </a:rPr>
               <a:t>24</a:t>
             </a:r>
-            <a:endParaRPr lang="en-US" sz="1000" b="1" dirty="0">
+            <a:endParaRPr lang="en-US" sz="1778" b="1" dirty="0">
               <a:solidFill>
                 <a:schemeClr val="tx1"/>
               </a:solidFill>
@@ -6432,8 +6436,8 @@
         </p:nvSpPr>
         <p:spPr>
           <a:xfrm>
-            <a:off x="9515135" y="3954818"/>
-            <a:ext cx="166255" cy="166255"/>
+            <a:off x="9507463" y="7030789"/>
+            <a:ext cx="295564" cy="295564"/>
           </a:xfrm>
           <a:prstGeom prst="ellipse">
             <a:avLst/>
@@ -6467,14 +6471,14 @@
           <a:p>
             <a:pPr algn="ctr"/>
             <a:r>
-              <a:rPr lang="en-US" sz="1000" b="1" dirty="0" smtClean="0">
+              <a:rPr lang="en-US" sz="1778" b="1" dirty="0">
                 <a:solidFill>
                   <a:schemeClr val="tx1"/>
                 </a:solidFill>
               </a:rPr>
               <a:t>25</a:t>
             </a:r>
-            <a:endParaRPr lang="en-US" sz="1000" b="1" dirty="0">
+            <a:endParaRPr lang="en-US" sz="1778" b="1" dirty="0">
               <a:solidFill>
                 <a:schemeClr val="tx1"/>
               </a:solidFill>
@@ -6490,8 +6494,8 @@
         </p:nvSpPr>
         <p:spPr>
           <a:xfrm>
-            <a:off x="9762683" y="3711713"/>
-            <a:ext cx="166255" cy="166255"/>
+            <a:off x="9947549" y="6598602"/>
+            <a:ext cx="295564" cy="295564"/>
           </a:xfrm>
           <a:prstGeom prst="ellipse">
             <a:avLst/>
@@ -6525,14 +6529,14 @@
           <a:p>
             <a:pPr algn="ctr"/>
             <a:r>
-              <a:rPr lang="en-US" sz="1000" b="1" dirty="0" smtClean="0">
+              <a:rPr lang="en-US" sz="1778" b="1" dirty="0">
                 <a:solidFill>
                   <a:schemeClr val="tx1"/>
                 </a:solidFill>
               </a:rPr>
               <a:t>26</a:t>
             </a:r>
-            <a:endParaRPr lang="en-US" sz="1000" b="1" dirty="0">
+            <a:endParaRPr lang="en-US" sz="1778" b="1" dirty="0">
               <a:solidFill>
                 <a:schemeClr val="tx1"/>
               </a:solidFill>
@@ -6548,8 +6552,8 @@
         </p:nvSpPr>
         <p:spPr>
           <a:xfrm rot="18158382">
-            <a:off x="1952580" y="2752496"/>
-            <a:ext cx="614271" cy="246221"/>
+            <a:off x="-3862504" y="4929223"/>
+            <a:ext cx="942887" cy="365934"/>
           </a:xfrm>
           <a:prstGeom prst="rect">
             <a:avLst/>
@@ -6563,11 +6567,11 @@
           <a:lstStyle/>
           <a:p>
             <a:r>
-              <a:rPr lang="en-US" sz="1000" b="1" dirty="0" smtClean="0"/>
+              <a:rPr lang="en-US" sz="1778" b="1" dirty="0"/>
               <a:t>95,16 </a:t>
             </a:r>
             <a:r>
-              <a:rPr lang="en-US" sz="1000" b="1" dirty="0"/>
+              <a:rPr lang="en-US" sz="1778" b="1" dirty="0"/>
               <a:t>m</a:t>
             </a:r>
           </a:p>
@@ -6581,8 +6585,8 @@
         </p:nvSpPr>
         <p:spPr>
           <a:xfrm rot="2349103">
-            <a:off x="1879675" y="2214110"/>
-            <a:ext cx="614271" cy="246221"/>
+            <a:off x="-3992113" y="3972092"/>
+            <a:ext cx="942887" cy="365934"/>
           </a:xfrm>
           <a:prstGeom prst="rect">
             <a:avLst/>
@@ -6596,15 +6600,15 @@
           <a:lstStyle/>
           <a:p>
             <a:r>
-              <a:rPr lang="en-US" sz="1000" b="1" dirty="0"/>
+              <a:rPr lang="en-US" sz="1778" b="1" dirty="0"/>
               <a:t>2</a:t>
             </a:r>
             <a:r>
-              <a:rPr lang="en-US" sz="1000" b="1" dirty="0" smtClean="0"/>
+              <a:rPr lang="en-US" sz="1778" b="1" dirty="0"/>
               <a:t>5,13 </a:t>
             </a:r>
             <a:r>
-              <a:rPr lang="en-US" sz="1000" b="1" dirty="0"/>
+              <a:rPr lang="en-US" sz="1778" b="1" dirty="0"/>
               <a:t>m</a:t>
             </a:r>
           </a:p>
@@ -6621,8 +6625,8 @@
         </p:nvCxnSpPr>
         <p:spPr>
           <a:xfrm>
-            <a:off x="8873875" y="4015874"/>
-            <a:ext cx="641260" cy="22072"/>
+            <a:off x="8367444" y="7139332"/>
+            <a:ext cx="1140018" cy="39239"/>
           </a:xfrm>
           <a:prstGeom prst="straightConnector1">
             <a:avLst/>
@@ -6658,8 +6662,8 @@
         </p:nvCxnSpPr>
         <p:spPr>
           <a:xfrm flipV="1">
-            <a:off x="9657043" y="3853621"/>
-            <a:ext cx="129987" cy="125544"/>
+            <a:off x="9759744" y="6850882"/>
+            <a:ext cx="231088" cy="223189"/>
           </a:xfrm>
           <a:prstGeom prst="straightConnector1">
             <a:avLst/>
@@ -6692,8 +6696,8 @@
         </p:nvSpPr>
         <p:spPr>
           <a:xfrm rot="20861780">
-            <a:off x="2474130" y="1755127"/>
-            <a:ext cx="614271" cy="246221"/>
+            <a:off x="-2935304" y="3156122"/>
+            <a:ext cx="942887" cy="365934"/>
           </a:xfrm>
           <a:prstGeom prst="rect">
             <a:avLst/>
@@ -6707,11 +6711,11 @@
           <a:lstStyle/>
           <a:p>
             <a:r>
-              <a:rPr lang="en-US" sz="1000" b="1" dirty="0" smtClean="0"/>
+              <a:rPr lang="en-US" sz="1778" b="1" dirty="0"/>
               <a:t>54,41 </a:t>
             </a:r>
             <a:r>
-              <a:rPr lang="en-US" sz="1000" b="1" dirty="0"/>
+              <a:rPr lang="en-US" sz="1778" b="1" dirty="0"/>
               <a:t>m</a:t>
             </a:r>
           </a:p>
@@ -6725,8 +6729,8 @@
         </p:nvSpPr>
         <p:spPr>
           <a:xfrm rot="20861780">
-            <a:off x="3227530" y="2078429"/>
-            <a:ext cx="548548" cy="246221"/>
+            <a:off x="-1596638" y="3730881"/>
+            <a:ext cx="827471" cy="365934"/>
           </a:xfrm>
           <a:prstGeom prst="rect">
             <a:avLst/>
@@ -6740,11 +6744,11 @@
           <a:lstStyle/>
           <a:p>
             <a:r>
-              <a:rPr lang="en-US" sz="1000" b="1" dirty="0" smtClean="0"/>
+              <a:rPr lang="en-US" sz="1778" b="1" dirty="0"/>
               <a:t>60,8 </a:t>
             </a:r>
             <a:r>
-              <a:rPr lang="en-US" sz="1000" b="1" dirty="0"/>
+              <a:rPr lang="en-US" sz="1778" b="1" dirty="0"/>
               <a:t>m</a:t>
             </a:r>
           </a:p>
@@ -6758,8 +6762,8 @@
         </p:nvSpPr>
         <p:spPr>
           <a:xfrm rot="1652079">
-            <a:off x="2633973" y="2431853"/>
-            <a:ext cx="614271" cy="246221"/>
+            <a:off x="-2651139" y="4359191"/>
+            <a:ext cx="942887" cy="365934"/>
           </a:xfrm>
           <a:prstGeom prst="rect">
             <a:avLst/>
@@ -6773,11 +6777,11 @@
           <a:lstStyle/>
           <a:p>
             <a:r>
-              <a:rPr lang="en-US" sz="1000" b="1" dirty="0" smtClean="0"/>
+              <a:rPr lang="en-US" sz="1778" b="1" dirty="0"/>
               <a:t>60,76 </a:t>
             </a:r>
             <a:r>
-              <a:rPr lang="en-US" sz="1000" b="1" dirty="0"/>
+              <a:rPr lang="en-US" sz="1778" b="1" dirty="0"/>
               <a:t>m</a:t>
             </a:r>
           </a:p>
@@ -6791,8 +6795,8 @@
         </p:nvSpPr>
         <p:spPr>
           <a:xfrm rot="1652079">
-            <a:off x="3660643" y="3110809"/>
-            <a:ext cx="679994" cy="246221"/>
+            <a:off x="-825235" y="5566224"/>
+            <a:ext cx="1058303" cy="365934"/>
           </a:xfrm>
           <a:prstGeom prst="rect">
             <a:avLst/>
@@ -6806,11 +6810,11 @@
           <a:lstStyle/>
           <a:p>
             <a:r>
-              <a:rPr lang="en-US" sz="1000" b="1" dirty="0" smtClean="0"/>
+              <a:rPr lang="en-US" sz="1778" b="1" dirty="0"/>
               <a:t>109,16 </a:t>
             </a:r>
             <a:r>
-              <a:rPr lang="en-US" sz="1000" b="1" dirty="0"/>
+              <a:rPr lang="en-US" sz="1778" b="1" dirty="0"/>
               <a:t>m</a:t>
             </a:r>
           </a:p>
@@ -6824,8 +6828,8 @@
         </p:nvSpPr>
         <p:spPr>
           <a:xfrm rot="1652079">
-            <a:off x="4581822" y="3689443"/>
-            <a:ext cx="614271" cy="246221"/>
+            <a:off x="811704" y="6594906"/>
+            <a:ext cx="942887" cy="365934"/>
           </a:xfrm>
           <a:prstGeom prst="rect">
             <a:avLst/>
@@ -6839,11 +6843,11 @@
           <a:lstStyle/>
           <a:p>
             <a:r>
-              <a:rPr lang="en-US" sz="1000" b="1" dirty="0" smtClean="0"/>
+              <a:rPr lang="en-US" sz="1778" b="1" dirty="0"/>
               <a:t>66,93 </a:t>
             </a:r>
             <a:r>
-              <a:rPr lang="en-US" sz="1000" b="1" dirty="0"/>
+              <a:rPr lang="en-US" sz="1778" b="1" dirty="0"/>
               <a:t>m</a:t>
             </a:r>
           </a:p>
@@ -6857,8 +6861,8 @@
         </p:nvSpPr>
         <p:spPr>
           <a:xfrm rot="18158382">
-            <a:off x="5794939" y="2194455"/>
-            <a:ext cx="614271" cy="246221"/>
+            <a:off x="2968356" y="3937150"/>
+            <a:ext cx="942887" cy="365934"/>
           </a:xfrm>
           <a:prstGeom prst="rect">
             <a:avLst/>
@@ -6872,11 +6876,11 @@
           <a:lstStyle/>
           <a:p>
             <a:r>
-              <a:rPr lang="en-US" sz="1000" b="1" dirty="0" smtClean="0"/>
+              <a:rPr lang="en-US" sz="1778" b="1" dirty="0"/>
               <a:t>49,94 </a:t>
             </a:r>
             <a:r>
-              <a:rPr lang="en-US" sz="1000" b="1" dirty="0"/>
+              <a:rPr lang="en-US" sz="1778" b="1" dirty="0"/>
               <a:t>m</a:t>
             </a:r>
           </a:p>
@@ -6890,8 +6894,8 @@
         </p:nvSpPr>
         <p:spPr>
           <a:xfrm rot="18158382">
-            <a:off x="6117765" y="1628861"/>
-            <a:ext cx="614271" cy="246221"/>
+            <a:off x="3542269" y="2931649"/>
+            <a:ext cx="942887" cy="365934"/>
           </a:xfrm>
           <a:prstGeom prst="rect">
             <a:avLst/>
@@ -6905,11 +6909,11 @@
           <a:lstStyle/>
           <a:p>
             <a:r>
-              <a:rPr lang="en-US" sz="1000" b="1" dirty="0" smtClean="0"/>
+              <a:rPr lang="en-US" sz="1778" b="1" dirty="0"/>
               <a:t>44,48 </a:t>
             </a:r>
             <a:r>
-              <a:rPr lang="en-US" sz="1000" b="1" dirty="0"/>
+              <a:rPr lang="en-US" sz="1778" b="1" dirty="0"/>
               <a:t>m</a:t>
             </a:r>
           </a:p>
@@ -6923,8 +6927,8 @@
         </p:nvSpPr>
         <p:spPr>
           <a:xfrm rot="2395655">
-            <a:off x="6834195" y="1813173"/>
-            <a:ext cx="614271" cy="246221"/>
+            <a:off x="4815922" y="3259315"/>
+            <a:ext cx="942887" cy="365934"/>
           </a:xfrm>
           <a:prstGeom prst="rect">
             <a:avLst/>
@@ -6938,11 +6942,11 @@
           <a:lstStyle/>
           <a:p>
             <a:r>
-              <a:rPr lang="en-US" sz="1000" b="1" dirty="0" smtClean="0"/>
+              <a:rPr lang="en-US" sz="1778" b="1" dirty="0"/>
               <a:t>80,04 </a:t>
             </a:r>
             <a:r>
-              <a:rPr lang="en-US" sz="1000" b="1" dirty="0"/>
+              <a:rPr lang="en-US" sz="1778" b="1" dirty="0"/>
               <a:t>m</a:t>
             </a:r>
           </a:p>
@@ -6956,8 +6960,8 @@
         </p:nvSpPr>
         <p:spPr>
           <a:xfrm rot="18158382">
-            <a:off x="6698326" y="766948"/>
-            <a:ext cx="679994" cy="246221"/>
+            <a:off x="4575091" y="1399360"/>
+            <a:ext cx="1058303" cy="365934"/>
           </a:xfrm>
           <a:prstGeom prst="rect">
             <a:avLst/>
@@ -6971,11 +6975,11 @@
           <a:lstStyle/>
           <a:p>
             <a:r>
-              <a:rPr lang="en-US" sz="1000" b="1" dirty="0" smtClean="0"/>
+              <a:rPr lang="en-US" sz="1778" b="1" dirty="0"/>
               <a:t>113,03 </a:t>
             </a:r>
             <a:r>
-              <a:rPr lang="en-US" sz="1000" b="1" dirty="0"/>
+              <a:rPr lang="en-US" sz="1778" b="1" dirty="0"/>
               <a:t>m</a:t>
             </a:r>
           </a:p>
@@ -6989,8 +6993,8 @@
         </p:nvSpPr>
         <p:spPr>
           <a:xfrm rot="18158382">
-            <a:off x="7426425" y="223120"/>
-            <a:ext cx="614271" cy="246221"/>
+            <a:off x="5868776" y="432554"/>
+            <a:ext cx="942887" cy="365934"/>
           </a:xfrm>
           <a:prstGeom prst="rect">
             <a:avLst/>
@@ -7004,11 +7008,11 @@
           <a:lstStyle/>
           <a:p>
             <a:r>
-              <a:rPr lang="en-US" sz="1000" b="1" dirty="0" smtClean="0"/>
+              <a:rPr lang="en-US" sz="1778" b="1" dirty="0"/>
               <a:t>41,58 </a:t>
             </a:r>
             <a:r>
-              <a:rPr lang="en-US" sz="1000" b="1" dirty="0"/>
+              <a:rPr lang="en-US" sz="1778" b="1" dirty="0"/>
               <a:t>m</a:t>
             </a:r>
           </a:p>
@@ -7022,8 +7026,8 @@
         </p:nvSpPr>
         <p:spPr>
           <a:xfrm rot="2203097">
-            <a:off x="8135170" y="533030"/>
-            <a:ext cx="679994" cy="246221"/>
+            <a:off x="7129480" y="983505"/>
+            <a:ext cx="1058303" cy="365934"/>
           </a:xfrm>
           <a:prstGeom prst="rect">
             <a:avLst/>
@@ -7037,11 +7041,11 @@
           <a:lstStyle/>
           <a:p>
             <a:r>
-              <a:rPr lang="en-US" sz="1000" b="1" dirty="0" smtClean="0"/>
+              <a:rPr lang="en-US" sz="1778" b="1" dirty="0"/>
               <a:t>137,37 </a:t>
             </a:r>
             <a:r>
-              <a:rPr lang="en-US" sz="1000" b="1" dirty="0"/>
+              <a:rPr lang="en-US" sz="1778" b="1" dirty="0"/>
               <a:t>m</a:t>
             </a:r>
           </a:p>
@@ -7055,8 +7059,8 @@
         </p:nvSpPr>
         <p:spPr>
           <a:xfrm rot="2203097">
-            <a:off x="9245816" y="1297129"/>
-            <a:ext cx="548548" cy="246221"/>
+            <a:off x="9102537" y="2341904"/>
+            <a:ext cx="827471" cy="365934"/>
           </a:xfrm>
           <a:prstGeom prst="rect">
             <a:avLst/>
@@ -7070,11 +7074,11 @@
           <a:lstStyle/>
           <a:p>
             <a:r>
-              <a:rPr lang="en-US" sz="1000" b="1" dirty="0" smtClean="0"/>
+              <a:rPr lang="en-US" sz="1778" b="1" dirty="0"/>
               <a:t>72,9 </a:t>
             </a:r>
             <a:r>
-              <a:rPr lang="en-US" sz="1000" b="1" dirty="0"/>
+              <a:rPr lang="en-US" sz="1778" b="1" dirty="0"/>
               <a:t>m</a:t>
             </a:r>
           </a:p>
@@ -7088,8 +7092,8 @@
         </p:nvSpPr>
         <p:spPr>
           <a:xfrm rot="2203097">
-            <a:off x="9716548" y="1125231"/>
-            <a:ext cx="614271" cy="246221"/>
+            <a:off x="9940105" y="2036307"/>
+            <a:ext cx="942887" cy="365934"/>
           </a:xfrm>
           <a:prstGeom prst="rect">
             <a:avLst/>
@@ -7103,11 +7107,11 @@
           <a:lstStyle/>
           <a:p>
             <a:r>
-              <a:rPr lang="en-US" sz="1000" b="1" dirty="0" smtClean="0"/>
+              <a:rPr lang="en-US" sz="1778" b="1" dirty="0"/>
               <a:t>41,52 </a:t>
             </a:r>
             <a:r>
-              <a:rPr lang="en-US" sz="1000" b="1" dirty="0"/>
+              <a:rPr lang="en-US" sz="1778" b="1" dirty="0"/>
               <a:t>m</a:t>
             </a:r>
           </a:p>
@@ -7121,8 +7125,8 @@
         </p:nvSpPr>
         <p:spPr>
           <a:xfrm rot="2203097">
-            <a:off x="10070206" y="1680103"/>
-            <a:ext cx="614271" cy="246221"/>
+            <a:off x="10568831" y="3022746"/>
+            <a:ext cx="942887" cy="365934"/>
           </a:xfrm>
           <a:prstGeom prst="rect">
             <a:avLst/>
@@ -7136,11 +7140,11 @@
           <a:lstStyle/>
           <a:p>
             <a:r>
-              <a:rPr lang="en-US" sz="1000" b="1" dirty="0" smtClean="0"/>
+              <a:rPr lang="en-US" sz="1778" b="1" dirty="0"/>
               <a:t>40,92 </a:t>
             </a:r>
             <a:r>
-              <a:rPr lang="en-US" sz="1000" b="1" dirty="0"/>
+              <a:rPr lang="en-US" sz="1778" b="1" dirty="0"/>
               <a:t>m</a:t>
             </a:r>
           </a:p>
@@ -7154,8 +7158,8 @@
         </p:nvSpPr>
         <p:spPr>
           <a:xfrm rot="2203097">
-            <a:off x="10102266" y="2458195"/>
-            <a:ext cx="614271" cy="246221"/>
+            <a:off x="10625826" y="4406021"/>
+            <a:ext cx="942887" cy="365934"/>
           </a:xfrm>
           <a:prstGeom prst="rect">
             <a:avLst/>
@@ -7169,11 +7173,11 @@
           <a:lstStyle/>
           <a:p>
             <a:r>
-              <a:rPr lang="en-US" sz="1000" b="1" dirty="0" smtClean="0"/>
+              <a:rPr lang="en-US" sz="1778" b="1" dirty="0"/>
               <a:t>62,05 </a:t>
             </a:r>
             <a:r>
-              <a:rPr lang="en-US" sz="1000" b="1" dirty="0"/>
+              <a:rPr lang="en-US" sz="1778" b="1" dirty="0"/>
               <a:t>m</a:t>
             </a:r>
           </a:p>
@@ -7187,8 +7191,8 @@
         </p:nvSpPr>
         <p:spPr>
           <a:xfrm rot="2203097">
-            <a:off x="9043947" y="1998244"/>
-            <a:ext cx="679994" cy="246221"/>
+            <a:off x="8745084" y="3588330"/>
+            <a:ext cx="1058303" cy="365934"/>
           </a:xfrm>
           <a:prstGeom prst="rect">
             <a:avLst/>
@@ -7202,11 +7206,11 @@
           <a:lstStyle/>
           <a:p>
             <a:r>
-              <a:rPr lang="en-US" sz="1000" b="1" dirty="0" smtClean="0"/>
+              <a:rPr lang="en-US" sz="1778" b="1" dirty="0"/>
               <a:t>109,47 </a:t>
             </a:r>
             <a:r>
-              <a:rPr lang="en-US" sz="1000" b="1" dirty="0"/>
+              <a:rPr lang="en-US" sz="1778" b="1" dirty="0"/>
               <a:t>m</a:t>
             </a:r>
           </a:p>
@@ -7220,8 +7224,8 @@
         </p:nvSpPr>
         <p:spPr>
           <a:xfrm rot="972888">
-            <a:off x="8246519" y="1368556"/>
-            <a:ext cx="548548" cy="246221"/>
+            <a:off x="7326009" y="2468885"/>
+            <a:ext cx="827471" cy="365934"/>
           </a:xfrm>
           <a:prstGeom prst="rect">
             <a:avLst/>
@@ -7235,11 +7239,11 @@
           <a:lstStyle/>
           <a:p>
             <a:r>
-              <a:rPr lang="en-US" sz="1000" b="1" dirty="0" smtClean="0"/>
+              <a:rPr lang="en-US" sz="1778" b="1" dirty="0"/>
               <a:t>45,7 </a:t>
             </a:r>
             <a:r>
-              <a:rPr lang="en-US" sz="1000" b="1" dirty="0"/>
+              <a:rPr lang="en-US" sz="1778" b="1" dirty="0"/>
               <a:t>m</a:t>
             </a:r>
           </a:p>
@@ -7253,8 +7257,8 @@
         </p:nvSpPr>
         <p:spPr>
           <a:xfrm rot="18050185">
-            <a:off x="7651082" y="1444297"/>
-            <a:ext cx="614271" cy="246221"/>
+            <a:off x="6268166" y="2603536"/>
+            <a:ext cx="942887" cy="365934"/>
           </a:xfrm>
           <a:prstGeom prst="rect">
             <a:avLst/>
@@ -7268,11 +7272,11 @@
           <a:lstStyle/>
           <a:p>
             <a:r>
-              <a:rPr lang="en-US" sz="1000" b="1" dirty="0" smtClean="0"/>
+              <a:rPr lang="en-US" sz="1778" b="1" dirty="0"/>
               <a:t>36,99 </a:t>
             </a:r>
             <a:r>
-              <a:rPr lang="en-US" sz="1000" b="1" dirty="0"/>
+              <a:rPr lang="en-US" sz="1778" b="1" dirty="0"/>
               <a:t>m</a:t>
             </a:r>
           </a:p>
@@ -7286,8 +7290,8 @@
         </p:nvSpPr>
         <p:spPr>
           <a:xfrm rot="18050185">
-            <a:off x="7298731" y="1906005"/>
-            <a:ext cx="614271" cy="246221"/>
+            <a:off x="5641764" y="3424350"/>
+            <a:ext cx="942887" cy="365934"/>
           </a:xfrm>
           <a:prstGeom prst="rect">
             <a:avLst/>
@@ -7301,11 +7305,11 @@
           <a:lstStyle/>
           <a:p>
             <a:r>
-              <a:rPr lang="en-US" sz="1000" b="1" dirty="0" smtClean="0"/>
+              <a:rPr lang="en-US" sz="1778" b="1" dirty="0"/>
               <a:t>44,36 </a:t>
             </a:r>
             <a:r>
-              <a:rPr lang="en-US" sz="1000" b="1" dirty="0"/>
+              <a:rPr lang="en-US" sz="1778" b="1" dirty="0"/>
               <a:t>m</a:t>
             </a:r>
           </a:p>
@@ -7319,8 +7323,8 @@
         </p:nvSpPr>
         <p:spPr>
           <a:xfrm rot="972888">
-            <a:off x="7743223" y="2028140"/>
-            <a:ext cx="614271" cy="246221"/>
+            <a:off x="6431972" y="3641479"/>
+            <a:ext cx="942887" cy="365934"/>
           </a:xfrm>
           <a:prstGeom prst="rect">
             <a:avLst/>
@@ -7334,11 +7338,11 @@
           <a:lstStyle/>
           <a:p>
             <a:r>
-              <a:rPr lang="en-US" sz="1000" b="1" dirty="0" smtClean="0"/>
+              <a:rPr lang="en-US" sz="1778" b="1" dirty="0"/>
               <a:t>38,19 </a:t>
             </a:r>
             <a:r>
-              <a:rPr lang="en-US" sz="1000" b="1" dirty="0"/>
+              <a:rPr lang="en-US" sz="1778" b="1" dirty="0"/>
               <a:t>m</a:t>
             </a:r>
           </a:p>
@@ -7352,8 +7356,8 @@
         </p:nvSpPr>
         <p:spPr>
           <a:xfrm rot="972888">
-            <a:off x="8478991" y="1992339"/>
-            <a:ext cx="614271" cy="246221"/>
+            <a:off x="7740004" y="3577833"/>
+            <a:ext cx="942887" cy="365934"/>
           </a:xfrm>
           <a:prstGeom prst="rect">
             <a:avLst/>
@@ -7367,11 +7371,11 @@
           <a:lstStyle/>
           <a:p>
             <a:r>
-              <a:rPr lang="en-US" sz="1000" b="1" dirty="0" smtClean="0"/>
+              <a:rPr lang="en-US" sz="1778" b="1" dirty="0"/>
               <a:t>39,02 </a:t>
             </a:r>
             <a:r>
-              <a:rPr lang="en-US" sz="1000" b="1" dirty="0"/>
+              <a:rPr lang="en-US" sz="1778" b="1" dirty="0"/>
               <a:t>m</a:t>
             </a:r>
           </a:p>
@@ -7385,8 +7389,8 @@
         </p:nvSpPr>
         <p:spPr>
           <a:xfrm rot="2203097">
-            <a:off x="9140007" y="2619011"/>
-            <a:ext cx="614271" cy="246221"/>
+            <a:off x="8915144" y="4691916"/>
+            <a:ext cx="942887" cy="365934"/>
           </a:xfrm>
           <a:prstGeom prst="rect">
             <a:avLst/>
@@ -7400,11 +7404,11 @@
           <a:lstStyle/>
           <a:p>
             <a:r>
-              <a:rPr lang="en-US" sz="1000" b="1" dirty="0" smtClean="0"/>
+              <a:rPr lang="en-US" sz="1778" b="1" dirty="0"/>
               <a:t>47,03 </a:t>
             </a:r>
             <a:r>
-              <a:rPr lang="en-US" sz="1000" b="1" dirty="0"/>
+              <a:rPr lang="en-US" sz="1778" b="1" dirty="0"/>
               <a:t>m</a:t>
             </a:r>
           </a:p>
@@ -7418,8 +7422,8 @@
         </p:nvSpPr>
         <p:spPr>
           <a:xfrm>
-            <a:off x="9535689" y="3471979"/>
-            <a:ext cx="614271" cy="246221"/>
+            <a:off x="9544003" y="6172407"/>
+            <a:ext cx="942887" cy="365934"/>
           </a:xfrm>
           <a:prstGeom prst="rect">
             <a:avLst/>
@@ -7433,11 +7437,11 @@
           <a:lstStyle/>
           <a:p>
             <a:r>
-              <a:rPr lang="en-US" sz="1000" b="1" dirty="0" smtClean="0"/>
+              <a:rPr lang="en-US" sz="1778" b="1" dirty="0"/>
               <a:t>33,65 </a:t>
             </a:r>
             <a:r>
-              <a:rPr lang="en-US" sz="1000" b="1" dirty="0"/>
+              <a:rPr lang="en-US" sz="1778" b="1" dirty="0"/>
               <a:t>m</a:t>
             </a:r>
           </a:p>
@@ -7451,8 +7455,8 @@
         </p:nvSpPr>
         <p:spPr>
           <a:xfrm rot="18348240">
-            <a:off x="11032424" y="3985129"/>
-            <a:ext cx="642292" cy="246221"/>
+            <a:off x="12204865" y="7120570"/>
+            <a:ext cx="1141852" cy="365934"/>
           </a:xfrm>
           <a:prstGeom prst="rect">
             <a:avLst/>
@@ -7485,14 +7489,14 @@
           <a:lstStyle/>
           <a:p>
             <a:r>
-              <a:rPr lang="en-US" sz="1000" b="1" dirty="0" smtClean="0">
+              <a:rPr lang="en-US" sz="1778" b="1" dirty="0">
                 <a:solidFill>
                   <a:schemeClr val="tx1"/>
                 </a:solidFill>
               </a:rPr>
               <a:t>91,79m</a:t>
             </a:r>
-            <a:endParaRPr lang="en-US" sz="1000" b="1" dirty="0">
+            <a:endParaRPr lang="en-US" sz="1778" b="1" dirty="0">
               <a:solidFill>
                 <a:schemeClr val="tx1"/>
               </a:solidFill>
@@ -7508,8 +7512,8 @@
         </p:nvSpPr>
         <p:spPr>
           <a:xfrm rot="18657452">
-            <a:off x="9278951" y="6019161"/>
-            <a:ext cx="614271" cy="246221"/>
+            <a:off x="9161354" y="10736627"/>
+            <a:ext cx="944489" cy="365934"/>
           </a:xfrm>
           <a:prstGeom prst="rect">
             <a:avLst/>
@@ -7523,11 +7527,11 @@
           <a:lstStyle/>
           <a:p>
             <a:r>
-              <a:rPr lang="en-US" sz="1000" b="1" dirty="0" smtClean="0"/>
+              <a:rPr lang="en-US" sz="1778" b="1" dirty="0"/>
               <a:t>46.59 </a:t>
             </a:r>
             <a:r>
-              <a:rPr lang="en-US" sz="1000" b="1" dirty="0"/>
+              <a:rPr lang="en-US" sz="1778" b="1" dirty="0"/>
               <a:t>m</a:t>
             </a:r>
           </a:p>
@@ -7541,8 +7545,8 @@
         </p:nvSpPr>
         <p:spPr>
           <a:xfrm rot="1873349">
-            <a:off x="8922683" y="6429866"/>
-            <a:ext cx="614271" cy="246221"/>
+            <a:off x="8527989" y="11466769"/>
+            <a:ext cx="944489" cy="365934"/>
           </a:xfrm>
           <a:prstGeom prst="rect">
             <a:avLst/>
@@ -7556,11 +7560,11 @@
           <a:lstStyle/>
           <a:p>
             <a:r>
-              <a:rPr lang="en-US" sz="1000" b="1" dirty="0" smtClean="0"/>
+              <a:rPr lang="en-US" sz="1778" b="1" dirty="0"/>
               <a:t>40.53 </a:t>
             </a:r>
             <a:r>
-              <a:rPr lang="en-US" sz="1000" b="1" dirty="0"/>
+              <a:rPr lang="en-US" sz="1778" b="1" dirty="0"/>
               <a:t>m</a:t>
             </a:r>
           </a:p>
@@ -7574,8 +7578,8 @@
         </p:nvSpPr>
         <p:spPr>
           <a:xfrm rot="4157072">
-            <a:off x="8618553" y="5794016"/>
-            <a:ext cx="614271" cy="246221"/>
+            <a:off x="7988114" y="10336369"/>
+            <a:ext cx="942887" cy="365934"/>
           </a:xfrm>
           <a:prstGeom prst="rect">
             <a:avLst/>
@@ -7589,11 +7593,11 @@
           <a:lstStyle/>
           <a:p>
             <a:r>
-              <a:rPr lang="en-US" sz="1000" b="1" dirty="0" smtClean="0"/>
+              <a:rPr lang="en-US" sz="1778" b="1" dirty="0"/>
               <a:t>68,04 </a:t>
             </a:r>
             <a:r>
-              <a:rPr lang="en-US" sz="1000" b="1" dirty="0"/>
+              <a:rPr lang="en-US" sz="1778" b="1" dirty="0"/>
               <a:t>m</a:t>
             </a:r>
           </a:p>
@@ -7607,8 +7611,8 @@
         </p:nvSpPr>
         <p:spPr>
           <a:xfrm rot="20981365">
-            <a:off x="8049671" y="5356079"/>
-            <a:ext cx="614271" cy="246221"/>
+            <a:off x="6976768" y="9557815"/>
+            <a:ext cx="942887" cy="365934"/>
           </a:xfrm>
           <a:prstGeom prst="rect">
             <a:avLst/>
@@ -7622,11 +7626,11 @@
           <a:lstStyle/>
           <a:p>
             <a:r>
-              <a:rPr lang="en-US" sz="1000" b="1" dirty="0" smtClean="0"/>
+              <a:rPr lang="en-US" sz="1778" b="1" dirty="0"/>
               <a:t>52,59 </a:t>
             </a:r>
             <a:r>
-              <a:rPr lang="en-US" sz="1000" b="1" dirty="0"/>
+              <a:rPr lang="en-US" sz="1778" b="1" dirty="0"/>
               <a:t>m</a:t>
             </a:r>
           </a:p>
@@ -7640,8 +7644,8 @@
         </p:nvSpPr>
         <p:spPr>
           <a:xfrm rot="2714457">
-            <a:off x="9603750" y="3981955"/>
-            <a:ext cx="614271" cy="246221"/>
+            <a:off x="9739576" y="7114928"/>
+            <a:ext cx="942887" cy="365934"/>
           </a:xfrm>
           <a:prstGeom prst="rect">
             <a:avLst/>
@@ -7655,11 +7659,11 @@
           <a:lstStyle/>
           <a:p>
             <a:r>
-              <a:rPr lang="en-US" sz="1000" b="1" dirty="0" smtClean="0"/>
+              <a:rPr lang="en-US" sz="1778" b="1" dirty="0"/>
               <a:t>26,36 </a:t>
             </a:r>
             <a:r>
-              <a:rPr lang="en-US" sz="1000" b="1" dirty="0"/>
+              <a:rPr lang="en-US" sz="1778" b="1" dirty="0"/>
               <a:t>m</a:t>
             </a:r>
           </a:p>
@@ -7673,8 +7677,8 @@
         </p:nvSpPr>
         <p:spPr>
           <a:xfrm>
-            <a:off x="8901947" y="4031688"/>
-            <a:ext cx="614271" cy="246221"/>
+            <a:off x="8417351" y="7167446"/>
+            <a:ext cx="942887" cy="365934"/>
           </a:xfrm>
           <a:prstGeom prst="rect">
             <a:avLst/>
@@ -7688,11 +7692,11 @@
           <a:lstStyle/>
           <a:p>
             <a:r>
-              <a:rPr lang="en-US" sz="1000" b="1" dirty="0" smtClean="0"/>
+              <a:rPr lang="en-US" sz="1778" b="1" dirty="0"/>
               <a:t>60,38 </a:t>
             </a:r>
             <a:r>
-              <a:rPr lang="en-US" sz="1000" b="1" dirty="0"/>
+              <a:rPr lang="en-US" sz="1778" b="1" dirty="0"/>
               <a:t>m</a:t>
             </a:r>
           </a:p>
@@ -7706,8 +7710,8 @@
         </p:nvSpPr>
         <p:spPr>
           <a:xfrm rot="18525677">
-            <a:off x="8583376" y="3685185"/>
-            <a:ext cx="522900" cy="215444"/>
+            <a:off x="7918900" y="6587360"/>
+            <a:ext cx="793807" cy="311175"/>
           </a:xfrm>
           <a:prstGeom prst="rect">
             <a:avLst/>
@@ -7721,11 +7725,11 @@
           <a:lstStyle/>
           <a:p>
             <a:r>
-              <a:rPr lang="en-US" sz="800" b="1" dirty="0" smtClean="0"/>
+              <a:rPr lang="en-US" sz="1422" b="1" dirty="0"/>
               <a:t>50,05 </a:t>
             </a:r>
             <a:r>
-              <a:rPr lang="en-US" sz="800" b="1" dirty="0"/>
+              <a:rPr lang="en-US" sz="1422" b="1" dirty="0"/>
               <a:t>m</a:t>
             </a:r>
           </a:p>
@@ -7739,8 +7743,8 @@
         </p:nvSpPr>
         <p:spPr>
           <a:xfrm rot="18690345">
-            <a:off x="7586649" y="4862803"/>
-            <a:ext cx="614271" cy="246221"/>
+            <a:off x="6153618" y="8680880"/>
+            <a:ext cx="942887" cy="365934"/>
           </a:xfrm>
           <a:prstGeom prst="rect">
             <a:avLst/>
@@ -7754,11 +7758,11 @@
           <a:lstStyle/>
           <a:p>
             <a:r>
-              <a:rPr lang="en-US" sz="1000" b="1" dirty="0" smtClean="0"/>
+              <a:rPr lang="en-US" sz="1778" b="1" dirty="0"/>
               <a:t>64,79 </a:t>
             </a:r>
             <a:r>
-              <a:rPr lang="en-US" sz="1000" b="1" dirty="0"/>
+              <a:rPr lang="en-US" sz="1778" b="1" dirty="0"/>
               <a:t>m</a:t>
             </a:r>
           </a:p>
@@ -7772,8 +7776,8 @@
         </p:nvSpPr>
         <p:spPr>
           <a:xfrm rot="18224045">
-            <a:off x="7599143" y="5136601"/>
-            <a:ext cx="614271" cy="246221"/>
+            <a:off x="6175830" y="9167632"/>
+            <a:ext cx="942887" cy="365934"/>
           </a:xfrm>
           <a:prstGeom prst="rect">
             <a:avLst/>
@@ -7787,11 +7791,11 @@
           <a:lstStyle/>
           <a:p>
             <a:r>
-              <a:rPr lang="en-US" sz="1000" b="1" dirty="0" smtClean="0"/>
+              <a:rPr lang="en-US" sz="1778" b="1" dirty="0"/>
               <a:t>15,74 </a:t>
             </a:r>
             <a:r>
-              <a:rPr lang="en-US" sz="1000" b="1" dirty="0"/>
+              <a:rPr lang="en-US" sz="1778" b="1" dirty="0"/>
               <a:t>m</a:t>
             </a:r>
           </a:p>
@@ -7805,8 +7809,8 @@
         </p:nvSpPr>
         <p:spPr>
           <a:xfrm rot="18224045">
-            <a:off x="7786625" y="5213399"/>
-            <a:ext cx="614271" cy="246221"/>
+            <a:off x="6509131" y="9304161"/>
+            <a:ext cx="942887" cy="365934"/>
           </a:xfrm>
           <a:prstGeom prst="rect">
             <a:avLst/>
@@ -7820,11 +7824,11 @@
           <a:lstStyle/>
           <a:p>
             <a:r>
-              <a:rPr lang="en-US" sz="1000" b="1" dirty="0" smtClean="0"/>
+              <a:rPr lang="en-US" sz="1778" b="1" dirty="0"/>
               <a:t>14,05 </a:t>
             </a:r>
             <a:r>
-              <a:rPr lang="en-US" sz="1000" b="1" dirty="0"/>
+              <a:rPr lang="en-US" sz="1778" b="1" dirty="0"/>
               <a:t>m</a:t>
             </a:r>
           </a:p>
@@ -7838,8 +7842,8 @@
         </p:nvSpPr>
         <p:spPr>
           <a:xfrm rot="2199759">
-            <a:off x="7691600" y="5681634"/>
-            <a:ext cx="614271" cy="246221"/>
+            <a:off x="6340198" y="10136579"/>
+            <a:ext cx="942887" cy="365934"/>
           </a:xfrm>
           <a:prstGeom prst="rect">
             <a:avLst/>
@@ -7853,11 +7857,11 @@
           <a:lstStyle/>
           <a:p>
             <a:r>
-              <a:rPr lang="en-US" sz="1000" b="1" dirty="0" smtClean="0"/>
+              <a:rPr lang="en-US" sz="1778" b="1" dirty="0"/>
               <a:t>18,04 </a:t>
             </a:r>
             <a:r>
-              <a:rPr lang="en-US" sz="1000" b="1" dirty="0"/>
+              <a:rPr lang="en-US" sz="1778" b="1" dirty="0"/>
               <a:t>m</a:t>
             </a:r>
           </a:p>
@@ -7871,8 +7875,8 @@
         </p:nvSpPr>
         <p:spPr>
           <a:xfrm rot="2199759">
-            <a:off x="7717009" y="5900891"/>
-            <a:ext cx="614271" cy="246221"/>
+            <a:off x="6385369" y="10526369"/>
+            <a:ext cx="942887" cy="365934"/>
           </a:xfrm>
           <a:prstGeom prst="rect">
             <a:avLst/>
@@ -7886,11 +7890,11 @@
           <a:lstStyle/>
           <a:p>
             <a:r>
-              <a:rPr lang="en-US" sz="1000" b="1" dirty="0" smtClean="0"/>
+              <a:rPr lang="en-US" sz="1778" b="1" dirty="0"/>
               <a:t>32,12 </a:t>
             </a:r>
             <a:r>
-              <a:rPr lang="en-US" sz="1000" b="1" dirty="0"/>
+              <a:rPr lang="en-US" sz="1778" b="1" dirty="0"/>
               <a:t>m</a:t>
             </a:r>
           </a:p>
@@ -7904,8 +7908,8 @@
         </p:nvSpPr>
         <p:spPr>
           <a:xfrm rot="2199759">
-            <a:off x="7435106" y="6271559"/>
-            <a:ext cx="614271" cy="246221"/>
+            <a:off x="5884208" y="11185335"/>
+            <a:ext cx="942887" cy="365934"/>
           </a:xfrm>
           <a:prstGeom prst="rect">
             <a:avLst/>
@@ -7919,11 +7923,11 @@
           <a:lstStyle/>
           <a:p>
             <a:r>
-              <a:rPr lang="en-US" sz="1000" b="1" dirty="0" smtClean="0"/>
+              <a:rPr lang="en-US" sz="1778" b="1" dirty="0"/>
               <a:t>33,29 </a:t>
             </a:r>
             <a:r>
-              <a:rPr lang="en-US" sz="1000" b="1" dirty="0"/>
+              <a:rPr lang="en-US" sz="1778" b="1" dirty="0"/>
               <a:t>m</a:t>
             </a:r>
           </a:p>
@@ -7937,8 +7941,8 @@
         </p:nvSpPr>
         <p:spPr>
           <a:xfrm rot="2199759">
-            <a:off x="6779206" y="5733945"/>
-            <a:ext cx="449162" cy="246221"/>
+            <a:off x="4716473" y="10229577"/>
+            <a:ext cx="652743" cy="365934"/>
           </a:xfrm>
           <a:prstGeom prst="rect">
             <a:avLst/>
@@ -7952,11 +7956,11 @@
           <a:lstStyle/>
           <a:p>
             <a:r>
-              <a:rPr lang="en-US" sz="1000" b="1" dirty="0" smtClean="0"/>
+              <a:rPr lang="en-US" sz="1778" b="1" dirty="0"/>
               <a:t>31 </a:t>
             </a:r>
             <a:r>
-              <a:rPr lang="en-US" sz="1000" b="1" dirty="0"/>
+              <a:rPr lang="en-US" sz="1778" b="1" dirty="0"/>
               <a:t>m</a:t>
             </a:r>
           </a:p>
@@ -7970,8 +7974,8 @@
         </p:nvSpPr>
         <p:spPr>
           <a:xfrm rot="2199759">
-            <a:off x="7042494" y="5352520"/>
-            <a:ext cx="614271" cy="246221"/>
+            <a:off x="5186232" y="9551488"/>
+            <a:ext cx="942887" cy="365934"/>
           </a:xfrm>
           <a:prstGeom prst="rect">
             <a:avLst/>
@@ -7985,11 +7989,11 @@
           <a:lstStyle/>
           <a:p>
             <a:r>
-              <a:rPr lang="en-US" sz="1000" b="1" dirty="0" smtClean="0"/>
+              <a:rPr lang="en-US" sz="1778" b="1" dirty="0"/>
               <a:t>32,82 </a:t>
             </a:r>
             <a:r>
-              <a:rPr lang="en-US" sz="1000" b="1" dirty="0"/>
+              <a:rPr lang="en-US" sz="1778" b="1" dirty="0"/>
               <a:t>m</a:t>
             </a:r>
           </a:p>
@@ -7999,6 +8003,2453 @@
     <p:extLst>
       <p:ext uri="{BB962C8B-B14F-4D97-AF65-F5344CB8AC3E}">
         <p14:creationId xmlns:p14="http://schemas.microsoft.com/office/powerpoint/2010/main" val="3726518046"/>
+      </p:ext>
+    </p:extLst>
+  </p:cSld>
+  <p:clrMapOvr>
+    <a:masterClrMapping/>
+  </p:clrMapOvr>
+  <p:timing>
+    <p:tnLst>
+      <p:par>
+        <p:cTn id="1" dur="indefinite" restart="never" nodeType="tmRoot"/>
+      </p:par>
+    </p:tnLst>
+  </p:timing>
+</p:sld>
+</file>
+
+<file path=ppt/slides/slide2.xml><?xml version="1.0" encoding="utf-8"?>
+<p:sld xmlns:a="http://schemas.openxmlformats.org/drawingml/2006/main" xmlns:r="http://schemas.openxmlformats.org/officeDocument/2006/relationships" xmlns:p="http://schemas.openxmlformats.org/presentationml/2006/main">
+  <p:cSld>
+    <p:spTree>
+      <p:nvGrpSpPr>
+        <p:cNvPr id="1" name=""/>
+        <p:cNvGrpSpPr/>
+        <p:nvPr/>
+      </p:nvGrpSpPr>
+      <p:grpSpPr>
+        <a:xfrm>
+          <a:off x="0" y="0"/>
+          <a:ext cx="0" cy="0"/>
+          <a:chOff x="0" y="0"/>
+          <a:chExt cx="0" cy="0"/>
+        </a:xfrm>
+      </p:grpSpPr>
+      <p:sp>
+        <p:nvSpPr>
+          <p:cNvPr id="4" name="Oval 3"/>
+          <p:cNvSpPr/>
+          <p:nvPr/>
+        </p:nvSpPr>
+        <p:spPr>
+          <a:xfrm>
+            <a:off x="1774761" y="308469"/>
+            <a:ext cx="256032" cy="237744"/>
+          </a:xfrm>
+          <a:prstGeom prst="ellipse">
+            <a:avLst/>
+          </a:prstGeom>
+          <a:solidFill>
+            <a:schemeClr val="tx1"/>
+          </a:solidFill>
+        </p:spPr>
+        <p:style>
+          <a:lnRef idx="2">
+            <a:schemeClr val="accent1">
+              <a:shade val="50000"/>
+            </a:schemeClr>
+          </a:lnRef>
+          <a:fillRef idx="1">
+            <a:schemeClr val="accent1"/>
+          </a:fillRef>
+          <a:effectRef idx="0">
+            <a:schemeClr val="accent1"/>
+          </a:effectRef>
+          <a:fontRef idx="minor">
+            <a:schemeClr val="lt1"/>
+          </a:fontRef>
+        </p:style>
+        <p:txBody>
+          <a:bodyPr rtlCol="0" anchor="ctr"/>
+          <a:lstStyle/>
+          <a:p>
+            <a:pPr algn="ctr"/>
+            <a:endParaRPr lang="en-US"/>
+          </a:p>
+        </p:txBody>
+      </p:sp>
+      <p:sp>
+        <p:nvSpPr>
+          <p:cNvPr id="5" name="TextBox 4"/>
+          <p:cNvSpPr txBox="1"/>
+          <p:nvPr/>
+        </p:nvSpPr>
+        <p:spPr>
+          <a:xfrm>
+            <a:off x="1135858" y="832900"/>
+            <a:ext cx="1533837" cy="830997"/>
+          </a:xfrm>
+          <a:prstGeom prst="rect">
+            <a:avLst/>
+          </a:prstGeom>
+        </p:spPr>
+        <p:style>
+          <a:lnRef idx="2">
+            <a:schemeClr val="accent1"/>
+          </a:lnRef>
+          <a:fillRef idx="1">
+            <a:schemeClr val="lt1"/>
+          </a:fillRef>
+          <a:effectRef idx="0">
+            <a:schemeClr val="accent1"/>
+          </a:effectRef>
+          <a:fontRef idx="minor">
+            <a:schemeClr val="dk1"/>
+          </a:fontRef>
+        </p:style>
+        <p:txBody>
+          <a:bodyPr wrap="square" rtlCol="0">
+            <a:spAutoFit/>
+          </a:bodyPr>
+          <a:lstStyle/>
+          <a:p>
+            <a:r>
+              <a:rPr lang="en-US" sz="1200" dirty="0" smtClean="0"/>
+              <a:t>T = V</a:t>
+            </a:r>
+          </a:p>
+          <a:p>
+            <a:r>
+              <a:rPr lang="en-US" sz="1200" dirty="0" smtClean="0"/>
+              <a:t>Length = 0</a:t>
+            </a:r>
+          </a:p>
+          <a:p>
+            <a:r>
+              <a:rPr lang="en-US" sz="1200" dirty="0" smtClean="0"/>
+              <a:t>Length[k] = INFINITY</a:t>
+            </a:r>
+          </a:p>
+          <a:p>
+            <a:r>
+              <a:rPr lang="en-US" sz="1200" dirty="0" smtClean="0"/>
+              <a:t>Last[k</a:t>
+            </a:r>
+            <a:r>
+              <a:rPr lang="en-US" sz="1200" dirty="0"/>
+              <a:t>] = </a:t>
+            </a:r>
+            <a:r>
+              <a:rPr lang="en-US" sz="1200" dirty="0" smtClean="0"/>
+              <a:t>-1</a:t>
+            </a:r>
+            <a:endParaRPr lang="en-US" sz="1200" dirty="0"/>
+          </a:p>
+        </p:txBody>
+      </p:sp>
+      <p:sp>
+        <p:nvSpPr>
+          <p:cNvPr id="6" name="TextBox 5"/>
+          <p:cNvSpPr txBox="1"/>
+          <p:nvPr/>
+        </p:nvSpPr>
+        <p:spPr>
+          <a:xfrm>
+            <a:off x="766889" y="2136432"/>
+            <a:ext cx="2275251" cy="461665"/>
+          </a:xfrm>
+          <a:prstGeom prst="rect">
+            <a:avLst/>
+          </a:prstGeom>
+        </p:spPr>
+        <p:style>
+          <a:lnRef idx="2">
+            <a:schemeClr val="accent1"/>
+          </a:lnRef>
+          <a:fillRef idx="1">
+            <a:schemeClr val="lt1"/>
+          </a:fillRef>
+          <a:effectRef idx="0">
+            <a:schemeClr val="accent1"/>
+          </a:effectRef>
+          <a:fontRef idx="minor">
+            <a:schemeClr val="dk1"/>
+          </a:fontRef>
+        </p:style>
+        <p:txBody>
+          <a:bodyPr wrap="square" rtlCol="0">
+            <a:spAutoFit/>
+          </a:bodyPr>
+          <a:lstStyle/>
+          <a:p>
+            <a:r>
+              <a:rPr lang="en-US" sz="1200" dirty="0" err="1" smtClean="0"/>
+              <a:t>Chọn</a:t>
+            </a:r>
+            <a:r>
+              <a:rPr lang="en-US" sz="1200" dirty="0" smtClean="0"/>
+              <a:t> v </a:t>
+            </a:r>
+            <a:r>
+              <a:rPr lang="en-US" sz="1200" dirty="0" err="1" smtClean="0"/>
+              <a:t>với</a:t>
+            </a:r>
+            <a:r>
+              <a:rPr lang="en-US" sz="1200" dirty="0" smtClean="0"/>
+              <a:t> </a:t>
+            </a:r>
+            <a:r>
+              <a:rPr lang="en-US" sz="1200" dirty="0" err="1" smtClean="0"/>
+              <a:t>mọi</a:t>
+            </a:r>
+            <a:r>
+              <a:rPr lang="en-US" sz="1200" dirty="0" smtClean="0"/>
+              <a:t> T.</a:t>
+            </a:r>
+            <a:r>
+              <a:rPr lang="en-US" sz="1200" dirty="0"/>
+              <a:t> </a:t>
+            </a:r>
+            <a:r>
+              <a:rPr lang="en-US" sz="1200" dirty="0" smtClean="0"/>
+              <a:t>Length[v] </a:t>
+            </a:r>
+            <a:r>
+              <a:rPr lang="en-US" sz="1200" dirty="0"/>
+              <a:t>= </a:t>
+            </a:r>
+            <a:r>
+              <a:rPr lang="en-US" sz="1200" dirty="0" smtClean="0"/>
+              <a:t>min</a:t>
+            </a:r>
+            <a:endParaRPr lang="en-US" sz="1200" dirty="0"/>
+          </a:p>
+          <a:p>
+            <a:r>
+              <a:rPr lang="en-US" sz="1200" dirty="0" smtClean="0"/>
+              <a:t>Set T=T\{v}</a:t>
+            </a:r>
+            <a:endParaRPr lang="en-US" sz="1200" dirty="0" smtClean="0"/>
+          </a:p>
+        </p:txBody>
+      </p:sp>
+      <p:sp>
+        <p:nvSpPr>
+          <p:cNvPr id="7" name="Diamond 6"/>
+          <p:cNvSpPr/>
+          <p:nvPr/>
+        </p:nvSpPr>
+        <p:spPr>
+          <a:xfrm>
+            <a:off x="683577" y="2964546"/>
+            <a:ext cx="2429163" cy="998317"/>
+          </a:xfrm>
+          <a:prstGeom prst="diamond">
+            <a:avLst/>
+          </a:prstGeom>
+          <a:noFill/>
+        </p:spPr>
+        <p:style>
+          <a:lnRef idx="2">
+            <a:schemeClr val="accent1">
+              <a:shade val="50000"/>
+            </a:schemeClr>
+          </a:lnRef>
+          <a:fillRef idx="1">
+            <a:schemeClr val="accent1"/>
+          </a:fillRef>
+          <a:effectRef idx="0">
+            <a:schemeClr val="accent1"/>
+          </a:effectRef>
+          <a:fontRef idx="minor">
+            <a:schemeClr val="lt1"/>
+          </a:fontRef>
+        </p:style>
+        <p:txBody>
+          <a:bodyPr rtlCol="0" anchor="ctr"/>
+          <a:lstStyle/>
+          <a:p>
+            <a:pPr algn="ctr"/>
+            <a:endParaRPr lang="en-US"/>
+          </a:p>
+        </p:txBody>
+      </p:sp>
+      <p:sp>
+        <p:nvSpPr>
+          <p:cNvPr id="8" name="TextBox 7"/>
+          <p:cNvSpPr txBox="1"/>
+          <p:nvPr/>
+        </p:nvSpPr>
+        <p:spPr>
+          <a:xfrm>
+            <a:off x="846858" y="3325434"/>
+            <a:ext cx="2077107" cy="276999"/>
+          </a:xfrm>
+          <a:prstGeom prst="rect">
+            <a:avLst/>
+          </a:prstGeom>
+          <a:noFill/>
+        </p:spPr>
+        <p:txBody>
+          <a:bodyPr wrap="none" rtlCol="0">
+            <a:spAutoFit/>
+          </a:bodyPr>
+          <a:lstStyle/>
+          <a:p>
+            <a:r>
+              <a:rPr lang="en-US" sz="1200" dirty="0" smtClean="0"/>
+              <a:t>v = j </a:t>
+            </a:r>
+            <a:r>
+              <a:rPr lang="en-US" sz="1200" dirty="0" err="1" smtClean="0"/>
+              <a:t>hoặc</a:t>
+            </a:r>
+            <a:r>
+              <a:rPr lang="en-US" sz="1200" dirty="0" smtClean="0"/>
+              <a:t> Length[v] </a:t>
+            </a:r>
+            <a:r>
+              <a:rPr lang="en-US" sz="1200" dirty="0"/>
+              <a:t>= </a:t>
+            </a:r>
+            <a:r>
+              <a:rPr lang="en-US" sz="1200" dirty="0" smtClean="0"/>
+              <a:t>INFINITY</a:t>
+            </a:r>
+            <a:endParaRPr lang="en-US" sz="1200" dirty="0"/>
+          </a:p>
+        </p:txBody>
+      </p:sp>
+      <p:cxnSp>
+        <p:nvCxnSpPr>
+          <p:cNvPr id="10" name="Straight Arrow Connector 9"/>
+          <p:cNvCxnSpPr>
+            <a:stCxn id="4" idx="4"/>
+            <a:endCxn id="5" idx="0"/>
+          </p:cNvCxnSpPr>
+          <p:nvPr/>
+        </p:nvCxnSpPr>
+        <p:spPr>
+          <a:xfrm>
+            <a:off x="1902777" y="546213"/>
+            <a:ext cx="0" cy="286687"/>
+          </a:xfrm>
+          <a:prstGeom prst="straightConnector1">
+            <a:avLst/>
+          </a:prstGeom>
+          <a:ln>
+            <a:tailEnd type="triangle"/>
+          </a:ln>
+        </p:spPr>
+        <p:style>
+          <a:lnRef idx="2">
+            <a:schemeClr val="dk1"/>
+          </a:lnRef>
+          <a:fillRef idx="0">
+            <a:schemeClr val="dk1"/>
+          </a:fillRef>
+          <a:effectRef idx="1">
+            <a:schemeClr val="dk1"/>
+          </a:effectRef>
+          <a:fontRef idx="minor">
+            <a:schemeClr val="tx1"/>
+          </a:fontRef>
+        </p:style>
+      </p:cxnSp>
+      <p:sp>
+        <p:nvSpPr>
+          <p:cNvPr id="11" name="Diamond 10"/>
+          <p:cNvSpPr/>
+          <p:nvPr/>
+        </p:nvSpPr>
+        <p:spPr>
+          <a:xfrm>
+            <a:off x="646718" y="4438455"/>
+            <a:ext cx="2502882" cy="1003388"/>
+          </a:xfrm>
+          <a:prstGeom prst="diamond">
+            <a:avLst/>
+          </a:prstGeom>
+          <a:noFill/>
+        </p:spPr>
+        <p:style>
+          <a:lnRef idx="2">
+            <a:schemeClr val="accent1">
+              <a:shade val="50000"/>
+            </a:schemeClr>
+          </a:lnRef>
+          <a:fillRef idx="1">
+            <a:schemeClr val="accent1"/>
+          </a:fillRef>
+          <a:effectRef idx="0">
+            <a:schemeClr val="accent1"/>
+          </a:effectRef>
+          <a:fontRef idx="minor">
+            <a:schemeClr val="lt1"/>
+          </a:fontRef>
+        </p:style>
+        <p:txBody>
+          <a:bodyPr rtlCol="0" anchor="ctr"/>
+          <a:lstStyle/>
+          <a:p>
+            <a:pPr algn="ctr"/>
+            <a:endParaRPr lang="en-US"/>
+          </a:p>
+        </p:txBody>
+      </p:sp>
+      <p:sp>
+        <p:nvSpPr>
+          <p:cNvPr id="12" name="TextBox 11"/>
+          <p:cNvSpPr txBox="1"/>
+          <p:nvPr/>
+        </p:nvSpPr>
+        <p:spPr>
+          <a:xfrm>
+            <a:off x="1195382" y="4815898"/>
+            <a:ext cx="1380058" cy="276999"/>
+          </a:xfrm>
+          <a:prstGeom prst="rect">
+            <a:avLst/>
+          </a:prstGeom>
+          <a:noFill/>
+        </p:spPr>
+        <p:txBody>
+          <a:bodyPr wrap="none" rtlCol="0">
+            <a:spAutoFit/>
+          </a:bodyPr>
+          <a:lstStyle/>
+          <a:p>
+            <a:r>
+              <a:rPr lang="en-US" sz="1200" dirty="0" smtClean="0"/>
+              <a:t>K </a:t>
+            </a:r>
+            <a:r>
+              <a:rPr lang="en-US" sz="1200" dirty="0" err="1" smtClean="0"/>
+              <a:t>với</a:t>
+            </a:r>
+            <a:r>
+              <a:rPr lang="en-US" sz="1200" dirty="0" smtClean="0"/>
+              <a:t> </a:t>
+            </a:r>
+            <a:r>
+              <a:rPr lang="en-US" sz="1200" dirty="0" err="1" smtClean="0"/>
+              <a:t>mọi</a:t>
+            </a:r>
+            <a:r>
+              <a:rPr lang="en-US" sz="1200" dirty="0" smtClean="0"/>
+              <a:t> T </a:t>
+            </a:r>
+            <a:r>
+              <a:rPr lang="en-US" sz="1200" dirty="0" err="1" smtClean="0"/>
+              <a:t>và</a:t>
+            </a:r>
+            <a:r>
+              <a:rPr lang="en-US" sz="1200" dirty="0" smtClean="0"/>
+              <a:t> L # 0</a:t>
+            </a:r>
+            <a:endParaRPr lang="en-US" sz="1200" dirty="0"/>
+          </a:p>
+        </p:txBody>
+      </p:sp>
+      <p:cxnSp>
+        <p:nvCxnSpPr>
+          <p:cNvPr id="14" name="Elbow Connector 13"/>
+          <p:cNvCxnSpPr>
+            <a:stCxn id="11" idx="1"/>
+            <a:endCxn id="6" idx="1"/>
+          </p:cNvCxnSpPr>
+          <p:nvPr/>
+        </p:nvCxnSpPr>
+        <p:spPr>
+          <a:xfrm rot="10800000" flipH="1">
+            <a:off x="646717" y="2367265"/>
+            <a:ext cx="120171" cy="2572884"/>
+          </a:xfrm>
+          <a:prstGeom prst="bentConnector3">
+            <a:avLst>
+              <a:gd name="adj1" fmla="val -190229"/>
+            </a:avLst>
+          </a:prstGeom>
+          <a:ln>
+            <a:tailEnd type="triangle"/>
+          </a:ln>
+        </p:spPr>
+        <p:style>
+          <a:lnRef idx="2">
+            <a:schemeClr val="dk1"/>
+          </a:lnRef>
+          <a:fillRef idx="0">
+            <a:schemeClr val="dk1"/>
+          </a:fillRef>
+          <a:effectRef idx="1">
+            <a:schemeClr val="dk1"/>
+          </a:effectRef>
+          <a:fontRef idx="minor">
+            <a:schemeClr val="tx1"/>
+          </a:fontRef>
+        </p:style>
+      </p:cxnSp>
+      <p:sp>
+        <p:nvSpPr>
+          <p:cNvPr id="18" name="Diamond 17"/>
+          <p:cNvSpPr/>
+          <p:nvPr/>
+        </p:nvSpPr>
+        <p:spPr>
+          <a:xfrm>
+            <a:off x="914400" y="6095962"/>
+            <a:ext cx="2003169" cy="1128986"/>
+          </a:xfrm>
+          <a:prstGeom prst="diamond">
+            <a:avLst/>
+          </a:prstGeom>
+          <a:noFill/>
+        </p:spPr>
+        <p:style>
+          <a:lnRef idx="2">
+            <a:schemeClr val="accent1">
+              <a:shade val="50000"/>
+            </a:schemeClr>
+          </a:lnRef>
+          <a:fillRef idx="1">
+            <a:schemeClr val="accent1"/>
+          </a:fillRef>
+          <a:effectRef idx="0">
+            <a:schemeClr val="accent1"/>
+          </a:effectRef>
+          <a:fontRef idx="minor">
+            <a:schemeClr val="lt1"/>
+          </a:fontRef>
+        </p:style>
+        <p:txBody>
+          <a:bodyPr rtlCol="0" anchor="ctr"/>
+          <a:lstStyle/>
+          <a:p>
+            <a:pPr algn="ctr"/>
+            <a:endParaRPr lang="en-US"/>
+          </a:p>
+        </p:txBody>
+      </p:sp>
+      <p:sp>
+        <p:nvSpPr>
+          <p:cNvPr id="19" name="TextBox 18"/>
+          <p:cNvSpPr txBox="1"/>
+          <p:nvPr/>
+        </p:nvSpPr>
+        <p:spPr>
+          <a:xfrm>
+            <a:off x="1022677" y="7883107"/>
+            <a:ext cx="1763674" cy="461665"/>
+          </a:xfrm>
+          <a:prstGeom prst="rect">
+            <a:avLst/>
+          </a:prstGeom>
+        </p:spPr>
+        <p:style>
+          <a:lnRef idx="2">
+            <a:schemeClr val="accent1"/>
+          </a:lnRef>
+          <a:fillRef idx="1">
+            <a:schemeClr val="lt1"/>
+          </a:fillRef>
+          <a:effectRef idx="0">
+            <a:schemeClr val="accent1"/>
+          </a:effectRef>
+          <a:fontRef idx="minor">
+            <a:schemeClr val="dk1"/>
+          </a:fontRef>
+        </p:style>
+        <p:txBody>
+          <a:bodyPr wrap="square" rtlCol="0">
+            <a:spAutoFit/>
+          </a:bodyPr>
+          <a:lstStyle/>
+          <a:p>
+            <a:r>
+              <a:rPr lang="en-US" sz="1200" dirty="0" smtClean="0"/>
+              <a:t>Length[k] &gt; Length[v] + L</a:t>
+            </a:r>
+          </a:p>
+          <a:p>
+            <a:r>
+              <a:rPr lang="en-US" sz="1200" dirty="0" smtClean="0"/>
+              <a:t>Last[k] = v</a:t>
+            </a:r>
+            <a:endParaRPr lang="en-US" sz="1200" dirty="0" smtClean="0"/>
+          </a:p>
+        </p:txBody>
+      </p:sp>
+      <p:sp>
+        <p:nvSpPr>
+          <p:cNvPr id="20" name="Diamond 19"/>
+          <p:cNvSpPr/>
+          <p:nvPr/>
+        </p:nvSpPr>
+        <p:spPr>
+          <a:xfrm>
+            <a:off x="4175404" y="4460319"/>
+            <a:ext cx="1671213" cy="976315"/>
+          </a:xfrm>
+          <a:prstGeom prst="diamond">
+            <a:avLst/>
+          </a:prstGeom>
+          <a:noFill/>
+        </p:spPr>
+        <p:style>
+          <a:lnRef idx="2">
+            <a:schemeClr val="accent1">
+              <a:shade val="50000"/>
+            </a:schemeClr>
+          </a:lnRef>
+          <a:fillRef idx="1">
+            <a:schemeClr val="accent1"/>
+          </a:fillRef>
+          <a:effectRef idx="0">
+            <a:schemeClr val="accent1"/>
+          </a:effectRef>
+          <a:fontRef idx="minor">
+            <a:schemeClr val="lt1"/>
+          </a:fontRef>
+        </p:style>
+        <p:txBody>
+          <a:bodyPr rtlCol="0" anchor="ctr"/>
+          <a:lstStyle/>
+          <a:p>
+            <a:pPr algn="ctr"/>
+            <a:endParaRPr lang="en-US"/>
+          </a:p>
+        </p:txBody>
+      </p:sp>
+      <p:sp>
+        <p:nvSpPr>
+          <p:cNvPr id="22" name="TextBox 21"/>
+          <p:cNvSpPr txBox="1"/>
+          <p:nvPr/>
+        </p:nvSpPr>
+        <p:spPr>
+          <a:xfrm>
+            <a:off x="3546486" y="6416593"/>
+            <a:ext cx="1257836" cy="461665"/>
+          </a:xfrm>
+          <a:prstGeom prst="rect">
+            <a:avLst/>
+          </a:prstGeom>
+        </p:spPr>
+        <p:style>
+          <a:lnRef idx="2">
+            <a:schemeClr val="accent1"/>
+          </a:lnRef>
+          <a:fillRef idx="1">
+            <a:schemeClr val="lt1"/>
+          </a:fillRef>
+          <a:effectRef idx="0">
+            <a:schemeClr val="accent1"/>
+          </a:effectRef>
+          <a:fontRef idx="minor">
+            <a:schemeClr val="dk1"/>
+          </a:fontRef>
+        </p:style>
+        <p:txBody>
+          <a:bodyPr wrap="square" rtlCol="0">
+            <a:spAutoFit/>
+          </a:bodyPr>
+          <a:lstStyle/>
+          <a:p>
+            <a:r>
+              <a:rPr lang="en-US" sz="1200" dirty="0" smtClean="0"/>
+              <a:t>Min = Length[j]</a:t>
+            </a:r>
+          </a:p>
+          <a:p>
+            <a:r>
+              <a:rPr lang="en-US" sz="1200" dirty="0" smtClean="0"/>
+              <a:t>Path = Last</a:t>
+            </a:r>
+            <a:endParaRPr lang="en-US" sz="1200" dirty="0" smtClean="0"/>
+          </a:p>
+        </p:txBody>
+      </p:sp>
+      <p:sp>
+        <p:nvSpPr>
+          <p:cNvPr id="23" name="TextBox 22"/>
+          <p:cNvSpPr txBox="1"/>
+          <p:nvPr/>
+        </p:nvSpPr>
+        <p:spPr>
+          <a:xfrm>
+            <a:off x="5201209" y="6406464"/>
+            <a:ext cx="1393070" cy="461665"/>
+          </a:xfrm>
+          <a:prstGeom prst="rect">
+            <a:avLst/>
+          </a:prstGeom>
+        </p:spPr>
+        <p:style>
+          <a:lnRef idx="2">
+            <a:schemeClr val="accent1"/>
+          </a:lnRef>
+          <a:fillRef idx="1">
+            <a:schemeClr val="lt1"/>
+          </a:fillRef>
+          <a:effectRef idx="0">
+            <a:schemeClr val="accent1"/>
+          </a:effectRef>
+          <a:fontRef idx="minor">
+            <a:schemeClr val="dk1"/>
+          </a:fontRef>
+        </p:style>
+        <p:txBody>
+          <a:bodyPr wrap="square" rtlCol="0">
+            <a:spAutoFit/>
+          </a:bodyPr>
+          <a:lstStyle/>
+          <a:p>
+            <a:r>
+              <a:rPr lang="en-US" sz="1200" dirty="0" err="1" smtClean="0"/>
+              <a:t>Không</a:t>
+            </a:r>
+            <a:r>
+              <a:rPr lang="en-US" sz="1200" dirty="0" smtClean="0"/>
+              <a:t> </a:t>
+            </a:r>
+            <a:r>
+              <a:rPr lang="en-US" sz="1200" dirty="0" err="1" smtClean="0"/>
+              <a:t>tồn</a:t>
+            </a:r>
+            <a:r>
+              <a:rPr lang="en-US" sz="1200" dirty="0" smtClean="0"/>
+              <a:t> </a:t>
+            </a:r>
+            <a:r>
+              <a:rPr lang="en-US" sz="1200" dirty="0" err="1" smtClean="0"/>
+              <a:t>tại</a:t>
+            </a:r>
+            <a:r>
+              <a:rPr lang="en-US" sz="1200" dirty="0"/>
+              <a:t> </a:t>
+            </a:r>
+            <a:r>
+              <a:rPr lang="en-US" sz="1200" dirty="0" err="1" smtClean="0"/>
+              <a:t>đường</a:t>
+            </a:r>
+            <a:r>
+              <a:rPr lang="en-US" sz="1200" dirty="0" smtClean="0"/>
+              <a:t> </a:t>
+            </a:r>
+            <a:r>
+              <a:rPr lang="en-US" sz="1200" dirty="0" err="1" smtClean="0"/>
+              <a:t>đi</a:t>
+            </a:r>
+            <a:endParaRPr lang="en-US" sz="1200" dirty="0" smtClean="0"/>
+          </a:p>
+        </p:txBody>
+      </p:sp>
+      <p:sp>
+        <p:nvSpPr>
+          <p:cNvPr id="24" name="Oval 23"/>
+          <p:cNvSpPr/>
+          <p:nvPr/>
+        </p:nvSpPr>
+        <p:spPr>
+          <a:xfrm>
+            <a:off x="4781848" y="8955482"/>
+            <a:ext cx="466956" cy="433602"/>
+          </a:xfrm>
+          <a:prstGeom prst="ellipse">
+            <a:avLst/>
+          </a:prstGeom>
+          <a:solidFill>
+            <a:schemeClr val="bg1"/>
+          </a:solidFill>
+          <a:ln w="28575">
+            <a:solidFill>
+              <a:schemeClr val="tx1"/>
+            </a:solidFill>
+          </a:ln>
+        </p:spPr>
+        <p:style>
+          <a:lnRef idx="2">
+            <a:schemeClr val="accent1">
+              <a:shade val="50000"/>
+            </a:schemeClr>
+          </a:lnRef>
+          <a:fillRef idx="1">
+            <a:schemeClr val="accent1"/>
+          </a:fillRef>
+          <a:effectRef idx="0">
+            <a:schemeClr val="accent1"/>
+          </a:effectRef>
+          <a:fontRef idx="minor">
+            <a:schemeClr val="lt1"/>
+          </a:fontRef>
+        </p:style>
+        <p:txBody>
+          <a:bodyPr rtlCol="0" anchor="ctr"/>
+          <a:lstStyle/>
+          <a:p>
+            <a:pPr algn="ctr"/>
+            <a:endParaRPr lang="en-US"/>
+          </a:p>
+        </p:txBody>
+      </p:sp>
+      <p:sp>
+        <p:nvSpPr>
+          <p:cNvPr id="25" name="Oval 24"/>
+          <p:cNvSpPr/>
+          <p:nvPr/>
+        </p:nvSpPr>
+        <p:spPr>
+          <a:xfrm>
+            <a:off x="4865774" y="9031842"/>
+            <a:ext cx="302488" cy="280882"/>
+          </a:xfrm>
+          <a:prstGeom prst="ellipse">
+            <a:avLst/>
+          </a:prstGeom>
+          <a:solidFill>
+            <a:schemeClr val="tx1"/>
+          </a:solidFill>
+          <a:ln w="28575">
+            <a:solidFill>
+              <a:schemeClr val="tx1"/>
+            </a:solidFill>
+          </a:ln>
+        </p:spPr>
+        <p:style>
+          <a:lnRef idx="2">
+            <a:schemeClr val="accent1">
+              <a:shade val="50000"/>
+            </a:schemeClr>
+          </a:lnRef>
+          <a:fillRef idx="1">
+            <a:schemeClr val="accent1"/>
+          </a:fillRef>
+          <a:effectRef idx="0">
+            <a:schemeClr val="accent1"/>
+          </a:effectRef>
+          <a:fontRef idx="minor">
+            <a:schemeClr val="lt1"/>
+          </a:fontRef>
+        </p:style>
+        <p:txBody>
+          <a:bodyPr rtlCol="0" anchor="ctr"/>
+          <a:lstStyle/>
+          <a:p>
+            <a:pPr algn="ctr"/>
+            <a:endParaRPr lang="en-US"/>
+          </a:p>
+        </p:txBody>
+      </p:sp>
+      <p:cxnSp>
+        <p:nvCxnSpPr>
+          <p:cNvPr id="27" name="Straight Arrow Connector 26"/>
+          <p:cNvCxnSpPr>
+            <a:stCxn id="5" idx="2"/>
+            <a:endCxn id="6" idx="0"/>
+          </p:cNvCxnSpPr>
+          <p:nvPr/>
+        </p:nvCxnSpPr>
+        <p:spPr>
+          <a:xfrm>
+            <a:off x="1902777" y="1663897"/>
+            <a:ext cx="1738" cy="472535"/>
+          </a:xfrm>
+          <a:prstGeom prst="straightConnector1">
+            <a:avLst/>
+          </a:prstGeom>
+          <a:ln>
+            <a:tailEnd type="triangle"/>
+          </a:ln>
+        </p:spPr>
+        <p:style>
+          <a:lnRef idx="2">
+            <a:schemeClr val="dk1"/>
+          </a:lnRef>
+          <a:fillRef idx="0">
+            <a:schemeClr val="dk1"/>
+          </a:fillRef>
+          <a:effectRef idx="1">
+            <a:schemeClr val="dk1"/>
+          </a:effectRef>
+          <a:fontRef idx="minor">
+            <a:schemeClr val="tx1"/>
+          </a:fontRef>
+        </p:style>
+      </p:cxnSp>
+      <p:cxnSp>
+        <p:nvCxnSpPr>
+          <p:cNvPr id="28" name="Straight Arrow Connector 27"/>
+          <p:cNvCxnSpPr>
+            <a:stCxn id="6" idx="2"/>
+            <a:endCxn id="7" idx="0"/>
+          </p:cNvCxnSpPr>
+          <p:nvPr/>
+        </p:nvCxnSpPr>
+        <p:spPr>
+          <a:xfrm flipH="1">
+            <a:off x="1898159" y="2598097"/>
+            <a:ext cx="6356" cy="366449"/>
+          </a:xfrm>
+          <a:prstGeom prst="straightConnector1">
+            <a:avLst/>
+          </a:prstGeom>
+          <a:ln>
+            <a:tailEnd type="triangle"/>
+          </a:ln>
+        </p:spPr>
+        <p:style>
+          <a:lnRef idx="2">
+            <a:schemeClr val="dk1"/>
+          </a:lnRef>
+          <a:fillRef idx="0">
+            <a:schemeClr val="dk1"/>
+          </a:fillRef>
+          <a:effectRef idx="1">
+            <a:schemeClr val="dk1"/>
+          </a:effectRef>
+          <a:fontRef idx="minor">
+            <a:schemeClr val="tx1"/>
+          </a:fontRef>
+        </p:style>
+      </p:cxnSp>
+      <p:cxnSp>
+        <p:nvCxnSpPr>
+          <p:cNvPr id="31" name="Straight Arrow Connector 30"/>
+          <p:cNvCxnSpPr>
+            <a:stCxn id="7" idx="2"/>
+            <a:endCxn id="11" idx="0"/>
+          </p:cNvCxnSpPr>
+          <p:nvPr/>
+        </p:nvCxnSpPr>
+        <p:spPr>
+          <a:xfrm>
+            <a:off x="1898159" y="3962863"/>
+            <a:ext cx="0" cy="475592"/>
+          </a:xfrm>
+          <a:prstGeom prst="straightConnector1">
+            <a:avLst/>
+          </a:prstGeom>
+          <a:ln>
+            <a:tailEnd type="triangle"/>
+          </a:ln>
+        </p:spPr>
+        <p:style>
+          <a:lnRef idx="2">
+            <a:schemeClr val="dk1"/>
+          </a:lnRef>
+          <a:fillRef idx="0">
+            <a:schemeClr val="dk1"/>
+          </a:fillRef>
+          <a:effectRef idx="1">
+            <a:schemeClr val="dk1"/>
+          </a:effectRef>
+          <a:fontRef idx="minor">
+            <a:schemeClr val="tx1"/>
+          </a:fontRef>
+        </p:style>
+      </p:cxnSp>
+      <p:cxnSp>
+        <p:nvCxnSpPr>
+          <p:cNvPr id="34" name="Straight Arrow Connector 33"/>
+          <p:cNvCxnSpPr>
+            <a:stCxn id="11" idx="2"/>
+            <a:endCxn id="18" idx="0"/>
+          </p:cNvCxnSpPr>
+          <p:nvPr/>
+        </p:nvCxnSpPr>
+        <p:spPr>
+          <a:xfrm>
+            <a:off x="1898159" y="5441843"/>
+            <a:ext cx="17826" cy="654119"/>
+          </a:xfrm>
+          <a:prstGeom prst="straightConnector1">
+            <a:avLst/>
+          </a:prstGeom>
+          <a:ln>
+            <a:tailEnd type="triangle"/>
+          </a:ln>
+        </p:spPr>
+        <p:style>
+          <a:lnRef idx="2">
+            <a:schemeClr val="dk1"/>
+          </a:lnRef>
+          <a:fillRef idx="0">
+            <a:schemeClr val="dk1"/>
+          </a:fillRef>
+          <a:effectRef idx="1">
+            <a:schemeClr val="dk1"/>
+          </a:effectRef>
+          <a:fontRef idx="minor">
+            <a:schemeClr val="tx1"/>
+          </a:fontRef>
+        </p:style>
+      </p:cxnSp>
+      <p:cxnSp>
+        <p:nvCxnSpPr>
+          <p:cNvPr id="38" name="Elbow Connector 37"/>
+          <p:cNvCxnSpPr>
+            <a:stCxn id="7" idx="3"/>
+            <a:endCxn id="20" idx="0"/>
+          </p:cNvCxnSpPr>
+          <p:nvPr/>
+        </p:nvCxnSpPr>
+        <p:spPr>
+          <a:xfrm>
+            <a:off x="3112740" y="3463705"/>
+            <a:ext cx="1898271" cy="996614"/>
+          </a:xfrm>
+          <a:prstGeom prst="bentConnector2">
+            <a:avLst/>
+          </a:prstGeom>
+          <a:ln>
+            <a:tailEnd type="triangle"/>
+          </a:ln>
+        </p:spPr>
+        <p:style>
+          <a:lnRef idx="2">
+            <a:schemeClr val="dk1"/>
+          </a:lnRef>
+          <a:fillRef idx="0">
+            <a:schemeClr val="dk1"/>
+          </a:fillRef>
+          <a:effectRef idx="1">
+            <a:schemeClr val="dk1"/>
+          </a:effectRef>
+          <a:fontRef idx="minor">
+            <a:schemeClr val="tx1"/>
+          </a:fontRef>
+        </p:style>
+      </p:cxnSp>
+      <p:cxnSp>
+        <p:nvCxnSpPr>
+          <p:cNvPr id="39" name="Straight Arrow Connector 38"/>
+          <p:cNvCxnSpPr>
+            <a:stCxn id="20" idx="1"/>
+            <a:endCxn id="22" idx="0"/>
+          </p:cNvCxnSpPr>
+          <p:nvPr/>
+        </p:nvCxnSpPr>
+        <p:spPr>
+          <a:xfrm>
+            <a:off x="4175404" y="4948477"/>
+            <a:ext cx="0" cy="1468116"/>
+          </a:xfrm>
+          <a:prstGeom prst="straightConnector1">
+            <a:avLst/>
+          </a:prstGeom>
+          <a:ln>
+            <a:tailEnd type="triangle"/>
+          </a:ln>
+        </p:spPr>
+        <p:style>
+          <a:lnRef idx="2">
+            <a:schemeClr val="dk1"/>
+          </a:lnRef>
+          <a:fillRef idx="0">
+            <a:schemeClr val="dk1"/>
+          </a:fillRef>
+          <a:effectRef idx="1">
+            <a:schemeClr val="dk1"/>
+          </a:effectRef>
+          <a:fontRef idx="minor">
+            <a:schemeClr val="tx1"/>
+          </a:fontRef>
+        </p:style>
+      </p:cxnSp>
+      <p:cxnSp>
+        <p:nvCxnSpPr>
+          <p:cNvPr id="42" name="Straight Arrow Connector 41"/>
+          <p:cNvCxnSpPr>
+            <a:stCxn id="20" idx="3"/>
+            <a:endCxn id="23" idx="0"/>
+          </p:cNvCxnSpPr>
+          <p:nvPr/>
+        </p:nvCxnSpPr>
+        <p:spPr>
+          <a:xfrm>
+            <a:off x="5846617" y="4948477"/>
+            <a:ext cx="51127" cy="1457987"/>
+          </a:xfrm>
+          <a:prstGeom prst="straightConnector1">
+            <a:avLst/>
+          </a:prstGeom>
+          <a:ln>
+            <a:tailEnd type="triangle"/>
+          </a:ln>
+        </p:spPr>
+        <p:style>
+          <a:lnRef idx="2">
+            <a:schemeClr val="dk1"/>
+          </a:lnRef>
+          <a:fillRef idx="0">
+            <a:schemeClr val="dk1"/>
+          </a:fillRef>
+          <a:effectRef idx="1">
+            <a:schemeClr val="dk1"/>
+          </a:effectRef>
+          <a:fontRef idx="minor">
+            <a:schemeClr val="tx1"/>
+          </a:fontRef>
+        </p:style>
+      </p:cxnSp>
+      <p:cxnSp>
+        <p:nvCxnSpPr>
+          <p:cNvPr id="45" name="Straight Arrow Connector 44"/>
+          <p:cNvCxnSpPr>
+            <a:stCxn id="18" idx="3"/>
+            <a:endCxn id="22" idx="1"/>
+          </p:cNvCxnSpPr>
+          <p:nvPr/>
+        </p:nvCxnSpPr>
+        <p:spPr>
+          <a:xfrm flipV="1">
+            <a:off x="2917569" y="6647426"/>
+            <a:ext cx="628917" cy="13029"/>
+          </a:xfrm>
+          <a:prstGeom prst="straightConnector1">
+            <a:avLst/>
+          </a:prstGeom>
+          <a:ln>
+            <a:tailEnd type="triangle"/>
+          </a:ln>
+        </p:spPr>
+        <p:style>
+          <a:lnRef idx="2">
+            <a:schemeClr val="dk1"/>
+          </a:lnRef>
+          <a:fillRef idx="0">
+            <a:schemeClr val="dk1"/>
+          </a:fillRef>
+          <a:effectRef idx="1">
+            <a:schemeClr val="dk1"/>
+          </a:effectRef>
+          <a:fontRef idx="minor">
+            <a:schemeClr val="tx1"/>
+          </a:fontRef>
+        </p:style>
+      </p:cxnSp>
+      <p:cxnSp>
+        <p:nvCxnSpPr>
+          <p:cNvPr id="53" name="Straight Arrow Connector 52"/>
+          <p:cNvCxnSpPr>
+            <a:stCxn id="18" idx="2"/>
+            <a:endCxn id="19" idx="0"/>
+          </p:cNvCxnSpPr>
+          <p:nvPr/>
+        </p:nvCxnSpPr>
+        <p:spPr>
+          <a:xfrm flipH="1">
+            <a:off x="1904514" y="7224948"/>
+            <a:ext cx="11471" cy="658159"/>
+          </a:xfrm>
+          <a:prstGeom prst="straightConnector1">
+            <a:avLst/>
+          </a:prstGeom>
+          <a:ln>
+            <a:tailEnd type="triangle"/>
+          </a:ln>
+        </p:spPr>
+        <p:style>
+          <a:lnRef idx="2">
+            <a:schemeClr val="dk1"/>
+          </a:lnRef>
+          <a:fillRef idx="0">
+            <a:schemeClr val="dk1"/>
+          </a:fillRef>
+          <a:effectRef idx="1">
+            <a:schemeClr val="dk1"/>
+          </a:effectRef>
+          <a:fontRef idx="minor">
+            <a:schemeClr val="tx1"/>
+          </a:fontRef>
+        </p:style>
+      </p:cxnSp>
+      <p:cxnSp>
+        <p:nvCxnSpPr>
+          <p:cNvPr id="57" name="Elbow Connector 56"/>
+          <p:cNvCxnSpPr>
+            <a:stCxn id="22" idx="2"/>
+            <a:endCxn id="23" idx="2"/>
+          </p:cNvCxnSpPr>
+          <p:nvPr/>
+        </p:nvCxnSpPr>
+        <p:spPr>
+          <a:xfrm rot="5400000" flipH="1" flipV="1">
+            <a:off x="5031509" y="6012024"/>
+            <a:ext cx="10129" cy="1722340"/>
+          </a:xfrm>
+          <a:prstGeom prst="bentConnector3">
+            <a:avLst>
+              <a:gd name="adj1" fmla="val -2256886"/>
+            </a:avLst>
+          </a:prstGeom>
+        </p:spPr>
+        <p:style>
+          <a:lnRef idx="2">
+            <a:schemeClr val="dk1"/>
+          </a:lnRef>
+          <a:fillRef idx="0">
+            <a:schemeClr val="dk1"/>
+          </a:fillRef>
+          <a:effectRef idx="1">
+            <a:schemeClr val="dk1"/>
+          </a:effectRef>
+          <a:fontRef idx="minor">
+            <a:schemeClr val="tx1"/>
+          </a:fontRef>
+        </p:style>
+      </p:cxnSp>
+      <p:cxnSp>
+        <p:nvCxnSpPr>
+          <p:cNvPr id="60" name="Straight Arrow Connector 59"/>
+          <p:cNvCxnSpPr>
+            <a:endCxn id="24" idx="0"/>
+          </p:cNvCxnSpPr>
+          <p:nvPr/>
+        </p:nvCxnSpPr>
+        <p:spPr>
+          <a:xfrm flipH="1">
+            <a:off x="5015326" y="7121237"/>
+            <a:ext cx="21247" cy="1834245"/>
+          </a:xfrm>
+          <a:prstGeom prst="straightConnector1">
+            <a:avLst/>
+          </a:prstGeom>
+          <a:ln>
+            <a:tailEnd type="triangle"/>
+          </a:ln>
+        </p:spPr>
+        <p:style>
+          <a:lnRef idx="2">
+            <a:schemeClr val="dk1"/>
+          </a:lnRef>
+          <a:fillRef idx="0">
+            <a:schemeClr val="dk1"/>
+          </a:fillRef>
+          <a:effectRef idx="1">
+            <a:schemeClr val="dk1"/>
+          </a:effectRef>
+          <a:fontRef idx="minor">
+            <a:schemeClr val="tx1"/>
+          </a:fontRef>
+        </p:style>
+      </p:cxnSp>
+      <p:sp>
+        <p:nvSpPr>
+          <p:cNvPr id="147" name="TextBox 146"/>
+          <p:cNvSpPr txBox="1"/>
+          <p:nvPr/>
+        </p:nvSpPr>
+        <p:spPr>
+          <a:xfrm>
+            <a:off x="4312488" y="4809977"/>
+            <a:ext cx="1419876" cy="276999"/>
+          </a:xfrm>
+          <a:prstGeom prst="rect">
+            <a:avLst/>
+          </a:prstGeom>
+          <a:noFill/>
+        </p:spPr>
+        <p:txBody>
+          <a:bodyPr wrap="none" rtlCol="0">
+            <a:spAutoFit/>
+          </a:bodyPr>
+          <a:lstStyle/>
+          <a:p>
+            <a:r>
+              <a:rPr lang="en-US" sz="1200" dirty="0" smtClean="0"/>
+              <a:t>Length[j] = INFINITY</a:t>
+            </a:r>
+            <a:endParaRPr lang="en-US" dirty="0"/>
+          </a:p>
+        </p:txBody>
+      </p:sp>
+      <p:sp>
+        <p:nvSpPr>
+          <p:cNvPr id="161" name="TextBox 160"/>
+          <p:cNvSpPr txBox="1"/>
+          <p:nvPr/>
+        </p:nvSpPr>
+        <p:spPr>
+          <a:xfrm>
+            <a:off x="1034701" y="6498769"/>
+            <a:ext cx="1714124" cy="276999"/>
+          </a:xfrm>
+          <a:prstGeom prst="rect">
+            <a:avLst/>
+          </a:prstGeom>
+          <a:noFill/>
+        </p:spPr>
+        <p:txBody>
+          <a:bodyPr wrap="none" rtlCol="0">
+            <a:spAutoFit/>
+          </a:bodyPr>
+          <a:lstStyle/>
+          <a:p>
+            <a:r>
+              <a:rPr lang="en-US" sz="1200" dirty="0"/>
+              <a:t>Length[k] &gt; Length[v] + </a:t>
+            </a:r>
+            <a:r>
+              <a:rPr lang="en-US" sz="1200" dirty="0" smtClean="0"/>
+              <a:t>L</a:t>
+            </a:r>
+            <a:endParaRPr lang="en-US" sz="1200" dirty="0"/>
+          </a:p>
+        </p:txBody>
+      </p:sp>
+      <p:sp>
+        <p:nvSpPr>
+          <p:cNvPr id="185" name="TextBox 184"/>
+          <p:cNvSpPr txBox="1"/>
+          <p:nvPr/>
+        </p:nvSpPr>
+        <p:spPr>
+          <a:xfrm>
+            <a:off x="1455537" y="5588265"/>
+            <a:ext cx="460447" cy="276999"/>
+          </a:xfrm>
+          <a:prstGeom prst="rect">
+            <a:avLst/>
+          </a:prstGeom>
+          <a:noFill/>
+        </p:spPr>
+        <p:txBody>
+          <a:bodyPr wrap="none" rtlCol="0">
+            <a:spAutoFit/>
+          </a:bodyPr>
+          <a:lstStyle/>
+          <a:p>
+            <a:r>
+              <a:rPr lang="en-US" sz="1200" dirty="0" smtClean="0"/>
+              <a:t>True</a:t>
+            </a:r>
+            <a:endParaRPr lang="en-US" sz="1200" dirty="0"/>
+          </a:p>
+        </p:txBody>
+      </p:sp>
+      <p:sp>
+        <p:nvSpPr>
+          <p:cNvPr id="186" name="TextBox 185"/>
+          <p:cNvSpPr txBox="1"/>
+          <p:nvPr/>
+        </p:nvSpPr>
+        <p:spPr>
+          <a:xfrm>
+            <a:off x="3677446" y="5573601"/>
+            <a:ext cx="497957" cy="276999"/>
+          </a:xfrm>
+          <a:prstGeom prst="rect">
+            <a:avLst/>
+          </a:prstGeom>
+          <a:noFill/>
+        </p:spPr>
+        <p:txBody>
+          <a:bodyPr wrap="none" rtlCol="0">
+            <a:spAutoFit/>
+          </a:bodyPr>
+          <a:lstStyle/>
+          <a:p>
+            <a:r>
+              <a:rPr lang="en-US" sz="1200" dirty="0" smtClean="0"/>
+              <a:t>False</a:t>
+            </a:r>
+            <a:endParaRPr lang="en-US" sz="1200" dirty="0"/>
+          </a:p>
+        </p:txBody>
+      </p:sp>
+      <p:sp>
+        <p:nvSpPr>
+          <p:cNvPr id="187" name="TextBox 186"/>
+          <p:cNvSpPr txBox="1"/>
+          <p:nvPr/>
+        </p:nvSpPr>
+        <p:spPr>
+          <a:xfrm>
+            <a:off x="1418027" y="4045651"/>
+            <a:ext cx="497957" cy="276999"/>
+          </a:xfrm>
+          <a:prstGeom prst="rect">
+            <a:avLst/>
+          </a:prstGeom>
+          <a:noFill/>
+        </p:spPr>
+        <p:txBody>
+          <a:bodyPr wrap="none" rtlCol="0">
+            <a:spAutoFit/>
+          </a:bodyPr>
+          <a:lstStyle/>
+          <a:p>
+            <a:r>
+              <a:rPr lang="en-US" sz="1200" dirty="0" smtClean="0"/>
+              <a:t>False</a:t>
+            </a:r>
+            <a:endParaRPr lang="en-US" sz="1200" dirty="0"/>
+          </a:p>
+        </p:txBody>
+      </p:sp>
+      <p:sp>
+        <p:nvSpPr>
+          <p:cNvPr id="188" name="TextBox 187"/>
+          <p:cNvSpPr txBox="1"/>
+          <p:nvPr/>
+        </p:nvSpPr>
+        <p:spPr>
+          <a:xfrm>
+            <a:off x="-21702" y="3682761"/>
+            <a:ext cx="497957" cy="276999"/>
+          </a:xfrm>
+          <a:prstGeom prst="rect">
+            <a:avLst/>
+          </a:prstGeom>
+          <a:noFill/>
+        </p:spPr>
+        <p:txBody>
+          <a:bodyPr wrap="none" rtlCol="0">
+            <a:spAutoFit/>
+          </a:bodyPr>
+          <a:lstStyle/>
+          <a:p>
+            <a:r>
+              <a:rPr lang="en-US" sz="1200" dirty="0" smtClean="0"/>
+              <a:t>False</a:t>
+            </a:r>
+            <a:endParaRPr lang="en-US" sz="1200" dirty="0"/>
+          </a:p>
+        </p:txBody>
+      </p:sp>
+      <p:sp>
+        <p:nvSpPr>
+          <p:cNvPr id="189" name="TextBox 188"/>
+          <p:cNvSpPr txBox="1"/>
+          <p:nvPr/>
+        </p:nvSpPr>
+        <p:spPr>
+          <a:xfrm>
+            <a:off x="3831651" y="3222725"/>
+            <a:ext cx="460447" cy="276999"/>
+          </a:xfrm>
+          <a:prstGeom prst="rect">
+            <a:avLst/>
+          </a:prstGeom>
+          <a:noFill/>
+        </p:spPr>
+        <p:txBody>
+          <a:bodyPr wrap="none" rtlCol="0">
+            <a:spAutoFit/>
+          </a:bodyPr>
+          <a:lstStyle/>
+          <a:p>
+            <a:r>
+              <a:rPr lang="en-US" sz="1200" dirty="0" smtClean="0"/>
+              <a:t>True</a:t>
+            </a:r>
+            <a:endParaRPr lang="en-US" sz="1200" dirty="0"/>
+          </a:p>
+        </p:txBody>
+      </p:sp>
+      <p:sp>
+        <p:nvSpPr>
+          <p:cNvPr id="190" name="TextBox 189"/>
+          <p:cNvSpPr txBox="1"/>
+          <p:nvPr/>
+        </p:nvSpPr>
+        <p:spPr>
+          <a:xfrm>
+            <a:off x="5411733" y="5579247"/>
+            <a:ext cx="460447" cy="276999"/>
+          </a:xfrm>
+          <a:prstGeom prst="rect">
+            <a:avLst/>
+          </a:prstGeom>
+          <a:noFill/>
+        </p:spPr>
+        <p:txBody>
+          <a:bodyPr wrap="none" rtlCol="0">
+            <a:spAutoFit/>
+          </a:bodyPr>
+          <a:lstStyle/>
+          <a:p>
+            <a:r>
+              <a:rPr lang="en-US" sz="1200" dirty="0" smtClean="0"/>
+              <a:t>True</a:t>
+            </a:r>
+            <a:endParaRPr lang="en-US" sz="1200" dirty="0"/>
+          </a:p>
+        </p:txBody>
+      </p:sp>
+      <p:sp>
+        <p:nvSpPr>
+          <p:cNvPr id="191" name="TextBox 190"/>
+          <p:cNvSpPr txBox="1"/>
+          <p:nvPr/>
+        </p:nvSpPr>
+        <p:spPr>
+          <a:xfrm>
+            <a:off x="1462059" y="7381518"/>
+            <a:ext cx="460447" cy="276999"/>
+          </a:xfrm>
+          <a:prstGeom prst="rect">
+            <a:avLst/>
+          </a:prstGeom>
+          <a:noFill/>
+        </p:spPr>
+        <p:txBody>
+          <a:bodyPr wrap="none" rtlCol="0">
+            <a:spAutoFit/>
+          </a:bodyPr>
+          <a:lstStyle/>
+          <a:p>
+            <a:r>
+              <a:rPr lang="en-US" sz="1200" dirty="0" smtClean="0"/>
+              <a:t>True</a:t>
+            </a:r>
+            <a:endParaRPr lang="en-US" sz="1200" dirty="0"/>
+          </a:p>
+        </p:txBody>
+      </p:sp>
+    </p:spTree>
+    <p:extLst>
+      <p:ext uri="{BB962C8B-B14F-4D97-AF65-F5344CB8AC3E}">
+        <p14:creationId xmlns:p14="http://schemas.microsoft.com/office/powerpoint/2010/main" val="1596385083"/>
+      </p:ext>
+    </p:extLst>
+  </p:cSld>
+  <p:clrMapOvr>
+    <a:masterClrMapping/>
+  </p:clrMapOvr>
+  <p:timing>
+    <p:tnLst>
+      <p:par>
+        <p:cTn id="1" dur="indefinite" restart="never" nodeType="tmRoot"/>
+      </p:par>
+    </p:tnLst>
+  </p:timing>
+</p:sld>
+</file>
+
+<file path=ppt/slides/slide3.xml><?xml version="1.0" encoding="utf-8"?>
+<p:sld xmlns:a="http://schemas.openxmlformats.org/drawingml/2006/main" xmlns:r="http://schemas.openxmlformats.org/officeDocument/2006/relationships" xmlns:p="http://schemas.openxmlformats.org/presentationml/2006/main">
+  <p:cSld>
+    <p:spTree>
+      <p:nvGrpSpPr>
+        <p:cNvPr id="1" name=""/>
+        <p:cNvGrpSpPr/>
+        <p:nvPr/>
+      </p:nvGrpSpPr>
+      <p:grpSpPr>
+        <a:xfrm>
+          <a:off x="0" y="0"/>
+          <a:ext cx="0" cy="0"/>
+          <a:chOff x="0" y="0"/>
+          <a:chExt cx="0" cy="0"/>
+        </a:xfrm>
+      </p:grpSpPr>
+      <p:sp>
+        <p:nvSpPr>
+          <p:cNvPr id="4" name="Oval 3"/>
+          <p:cNvSpPr/>
+          <p:nvPr/>
+        </p:nvSpPr>
+        <p:spPr>
+          <a:xfrm>
+            <a:off x="3290732" y="694453"/>
+            <a:ext cx="256032" cy="237744"/>
+          </a:xfrm>
+          <a:prstGeom prst="ellipse">
+            <a:avLst/>
+          </a:prstGeom>
+          <a:solidFill>
+            <a:schemeClr val="tx1"/>
+          </a:solidFill>
+        </p:spPr>
+        <p:style>
+          <a:lnRef idx="2">
+            <a:schemeClr val="accent1">
+              <a:shade val="50000"/>
+            </a:schemeClr>
+          </a:lnRef>
+          <a:fillRef idx="1">
+            <a:schemeClr val="accent1"/>
+          </a:fillRef>
+          <a:effectRef idx="0">
+            <a:schemeClr val="accent1"/>
+          </a:effectRef>
+          <a:fontRef idx="minor">
+            <a:schemeClr val="lt1"/>
+          </a:fontRef>
+        </p:style>
+        <p:txBody>
+          <a:bodyPr rtlCol="0" anchor="ctr"/>
+          <a:lstStyle/>
+          <a:p>
+            <a:pPr algn="ctr"/>
+            <a:endParaRPr lang="en-US"/>
+          </a:p>
+        </p:txBody>
+      </p:sp>
+      <p:sp>
+        <p:nvSpPr>
+          <p:cNvPr id="8" name="Flowchart: Data 7"/>
+          <p:cNvSpPr/>
+          <p:nvPr/>
+        </p:nvSpPr>
+        <p:spPr>
+          <a:xfrm>
+            <a:off x="1819563" y="1741958"/>
+            <a:ext cx="3232727" cy="755893"/>
+          </a:xfrm>
+          <a:prstGeom prst="flowChartInputOutput">
+            <a:avLst/>
+          </a:prstGeom>
+          <a:noFill/>
+          <a:ln>
+            <a:solidFill>
+              <a:schemeClr val="tx1"/>
+            </a:solidFill>
+          </a:ln>
+        </p:spPr>
+        <p:style>
+          <a:lnRef idx="2">
+            <a:schemeClr val="accent1">
+              <a:shade val="50000"/>
+            </a:schemeClr>
+          </a:lnRef>
+          <a:fillRef idx="1">
+            <a:schemeClr val="accent1"/>
+          </a:fillRef>
+          <a:effectRef idx="0">
+            <a:schemeClr val="accent1"/>
+          </a:effectRef>
+          <a:fontRef idx="minor">
+            <a:schemeClr val="lt1"/>
+          </a:fontRef>
+        </p:style>
+        <p:txBody>
+          <a:bodyPr rtlCol="0" anchor="ctr"/>
+          <a:lstStyle/>
+          <a:p>
+            <a:pPr algn="ctr"/>
+            <a:endParaRPr lang="en-US"/>
+          </a:p>
+        </p:txBody>
+      </p:sp>
+      <p:sp>
+        <p:nvSpPr>
+          <p:cNvPr id="9" name="TextBox 8"/>
+          <p:cNvSpPr txBox="1"/>
+          <p:nvPr/>
+        </p:nvSpPr>
+        <p:spPr>
+          <a:xfrm>
+            <a:off x="2182671" y="1958321"/>
+            <a:ext cx="2472152" cy="323165"/>
+          </a:xfrm>
+          <a:prstGeom prst="rect">
+            <a:avLst/>
+          </a:prstGeom>
+          <a:noFill/>
+        </p:spPr>
+        <p:txBody>
+          <a:bodyPr wrap="none" rtlCol="0">
+            <a:spAutoFit/>
+          </a:bodyPr>
+          <a:lstStyle/>
+          <a:p>
+            <a:r>
+              <a:rPr lang="en-US" sz="1500" dirty="0" err="1"/>
+              <a:t>Chọn</a:t>
+            </a:r>
+            <a:r>
+              <a:rPr lang="en-US" sz="1500" dirty="0"/>
+              <a:t> </a:t>
+            </a:r>
+            <a:r>
+              <a:rPr lang="en-US" sz="1500" dirty="0" err="1"/>
+              <a:t>phương</a:t>
+            </a:r>
+            <a:r>
+              <a:rPr lang="en-US" sz="1500" dirty="0"/>
+              <a:t> </a:t>
+            </a:r>
+            <a:r>
+              <a:rPr lang="en-US" sz="1500" dirty="0" err="1"/>
+              <a:t>tiện</a:t>
+            </a:r>
+            <a:r>
+              <a:rPr lang="en-US" sz="1500" dirty="0"/>
+              <a:t> </a:t>
+            </a:r>
+            <a:r>
+              <a:rPr lang="en-US" sz="1500" dirty="0" err="1"/>
+              <a:t>giao</a:t>
+            </a:r>
+            <a:r>
+              <a:rPr lang="en-US" sz="1500" dirty="0"/>
+              <a:t> </a:t>
+            </a:r>
+            <a:r>
+              <a:rPr lang="en-US" sz="1500" dirty="0" err="1" smtClean="0"/>
+              <a:t>thông</a:t>
+            </a:r>
+            <a:endParaRPr lang="en-US" sz="1500" dirty="0"/>
+          </a:p>
+        </p:txBody>
+      </p:sp>
+      <p:sp>
+        <p:nvSpPr>
+          <p:cNvPr id="10" name="Flowchart: Data 9"/>
+          <p:cNvSpPr/>
+          <p:nvPr/>
+        </p:nvSpPr>
+        <p:spPr>
+          <a:xfrm>
+            <a:off x="2320511" y="3254146"/>
+            <a:ext cx="2196471" cy="755893"/>
+          </a:xfrm>
+          <a:prstGeom prst="flowChartInputOutput">
+            <a:avLst/>
+          </a:prstGeom>
+          <a:noFill/>
+          <a:ln>
+            <a:solidFill>
+              <a:schemeClr val="tx1"/>
+            </a:solidFill>
+          </a:ln>
+        </p:spPr>
+        <p:style>
+          <a:lnRef idx="2">
+            <a:schemeClr val="accent1">
+              <a:shade val="50000"/>
+            </a:schemeClr>
+          </a:lnRef>
+          <a:fillRef idx="1">
+            <a:schemeClr val="accent1"/>
+          </a:fillRef>
+          <a:effectRef idx="0">
+            <a:schemeClr val="accent1"/>
+          </a:effectRef>
+          <a:fontRef idx="minor">
+            <a:schemeClr val="lt1"/>
+          </a:fontRef>
+        </p:style>
+        <p:txBody>
+          <a:bodyPr rtlCol="0" anchor="ctr"/>
+          <a:lstStyle/>
+          <a:p>
+            <a:pPr algn="ctr"/>
+            <a:endParaRPr lang="en-US"/>
+          </a:p>
+        </p:txBody>
+      </p:sp>
+      <p:sp>
+        <p:nvSpPr>
+          <p:cNvPr id="11" name="TextBox 10"/>
+          <p:cNvSpPr txBox="1"/>
+          <p:nvPr/>
+        </p:nvSpPr>
+        <p:spPr>
+          <a:xfrm>
+            <a:off x="2581916" y="3506211"/>
+            <a:ext cx="1673663" cy="323165"/>
+          </a:xfrm>
+          <a:prstGeom prst="rect">
+            <a:avLst/>
+          </a:prstGeom>
+          <a:noFill/>
+        </p:spPr>
+        <p:txBody>
+          <a:bodyPr wrap="none" rtlCol="0">
+            <a:spAutoFit/>
+          </a:bodyPr>
+          <a:lstStyle/>
+          <a:p>
+            <a:r>
+              <a:rPr lang="en-US" sz="1500" dirty="0" err="1"/>
+              <a:t>Chọn</a:t>
+            </a:r>
+            <a:r>
+              <a:rPr lang="en-US" sz="1500" dirty="0"/>
+              <a:t> </a:t>
+            </a:r>
+            <a:r>
+              <a:rPr lang="en-US" sz="1500" dirty="0" err="1" smtClean="0"/>
+              <a:t>điểm</a:t>
+            </a:r>
+            <a:r>
+              <a:rPr lang="en-US" sz="1500" dirty="0" smtClean="0"/>
+              <a:t> </a:t>
+            </a:r>
+            <a:r>
+              <a:rPr lang="en-US" sz="1500" dirty="0" err="1" smtClean="0"/>
+              <a:t>bắt</a:t>
+            </a:r>
+            <a:r>
+              <a:rPr lang="en-US" sz="1500" dirty="0" smtClean="0"/>
+              <a:t> </a:t>
+            </a:r>
+            <a:r>
+              <a:rPr lang="en-US" sz="1500" dirty="0" err="1" smtClean="0"/>
+              <a:t>đầu</a:t>
+            </a:r>
+            <a:endParaRPr lang="en-US" sz="1500" dirty="0"/>
+          </a:p>
+        </p:txBody>
+      </p:sp>
+      <p:sp>
+        <p:nvSpPr>
+          <p:cNvPr id="12" name="Flowchart: Data 11"/>
+          <p:cNvSpPr/>
+          <p:nvPr/>
+        </p:nvSpPr>
+        <p:spPr>
+          <a:xfrm>
+            <a:off x="2355834" y="4848311"/>
+            <a:ext cx="2110509" cy="755893"/>
+          </a:xfrm>
+          <a:prstGeom prst="flowChartInputOutput">
+            <a:avLst/>
+          </a:prstGeom>
+          <a:noFill/>
+          <a:ln>
+            <a:solidFill>
+              <a:schemeClr val="tx1"/>
+            </a:solidFill>
+          </a:ln>
+        </p:spPr>
+        <p:style>
+          <a:lnRef idx="2">
+            <a:schemeClr val="accent1">
+              <a:shade val="50000"/>
+            </a:schemeClr>
+          </a:lnRef>
+          <a:fillRef idx="1">
+            <a:schemeClr val="accent1"/>
+          </a:fillRef>
+          <a:effectRef idx="0">
+            <a:schemeClr val="accent1"/>
+          </a:effectRef>
+          <a:fontRef idx="minor">
+            <a:schemeClr val="lt1"/>
+          </a:fontRef>
+        </p:style>
+        <p:txBody>
+          <a:bodyPr rtlCol="0" anchor="ctr"/>
+          <a:lstStyle/>
+          <a:p>
+            <a:pPr algn="ctr"/>
+            <a:endParaRPr lang="en-US"/>
+          </a:p>
+        </p:txBody>
+      </p:sp>
+      <p:sp>
+        <p:nvSpPr>
+          <p:cNvPr id="13" name="TextBox 12"/>
+          <p:cNvSpPr txBox="1"/>
+          <p:nvPr/>
+        </p:nvSpPr>
+        <p:spPr>
+          <a:xfrm>
+            <a:off x="2720835" y="5066943"/>
+            <a:ext cx="1380506" cy="323165"/>
+          </a:xfrm>
+          <a:prstGeom prst="rect">
+            <a:avLst/>
+          </a:prstGeom>
+          <a:noFill/>
+        </p:spPr>
+        <p:txBody>
+          <a:bodyPr wrap="none" rtlCol="0">
+            <a:spAutoFit/>
+          </a:bodyPr>
+          <a:lstStyle/>
+          <a:p>
+            <a:r>
+              <a:rPr lang="en-US" sz="1500" dirty="0" err="1"/>
+              <a:t>Chọn</a:t>
+            </a:r>
+            <a:r>
+              <a:rPr lang="en-US" sz="1500" dirty="0"/>
+              <a:t> </a:t>
+            </a:r>
+            <a:r>
+              <a:rPr lang="en-US" sz="1500" dirty="0" err="1"/>
+              <a:t>điểm</a:t>
+            </a:r>
+            <a:r>
+              <a:rPr lang="en-US" sz="1500" dirty="0"/>
+              <a:t> </a:t>
+            </a:r>
+            <a:r>
+              <a:rPr lang="en-US" sz="1500" dirty="0" err="1" smtClean="0"/>
+              <a:t>đến</a:t>
+            </a:r>
+            <a:endParaRPr lang="en-US" sz="1500" dirty="0"/>
+          </a:p>
+        </p:txBody>
+      </p:sp>
+      <p:sp>
+        <p:nvSpPr>
+          <p:cNvPr id="14" name="Diamond 13"/>
+          <p:cNvSpPr/>
+          <p:nvPr/>
+        </p:nvSpPr>
+        <p:spPr>
+          <a:xfrm>
+            <a:off x="2355833" y="6158323"/>
+            <a:ext cx="2110509" cy="895927"/>
+          </a:xfrm>
+          <a:prstGeom prst="diamond">
+            <a:avLst/>
+          </a:prstGeom>
+          <a:noFill/>
+          <a:ln>
+            <a:solidFill>
+              <a:schemeClr val="tx1"/>
+            </a:solidFill>
+          </a:ln>
+        </p:spPr>
+        <p:style>
+          <a:lnRef idx="2">
+            <a:schemeClr val="accent1">
+              <a:shade val="50000"/>
+            </a:schemeClr>
+          </a:lnRef>
+          <a:fillRef idx="1">
+            <a:schemeClr val="accent1"/>
+          </a:fillRef>
+          <a:effectRef idx="0">
+            <a:schemeClr val="accent1"/>
+          </a:effectRef>
+          <a:fontRef idx="minor">
+            <a:schemeClr val="lt1"/>
+          </a:fontRef>
+        </p:style>
+        <p:txBody>
+          <a:bodyPr rtlCol="0" anchor="ctr"/>
+          <a:lstStyle/>
+          <a:p>
+            <a:pPr algn="ctr"/>
+            <a:endParaRPr lang="en-US"/>
+          </a:p>
+        </p:txBody>
+      </p:sp>
+      <p:sp>
+        <p:nvSpPr>
+          <p:cNvPr id="15" name="TextBox 14"/>
+          <p:cNvSpPr txBox="1"/>
+          <p:nvPr/>
+        </p:nvSpPr>
+        <p:spPr>
+          <a:xfrm>
+            <a:off x="2805785" y="6425235"/>
+            <a:ext cx="1260281" cy="323165"/>
+          </a:xfrm>
+          <a:prstGeom prst="rect">
+            <a:avLst/>
+          </a:prstGeom>
+          <a:noFill/>
+        </p:spPr>
+        <p:txBody>
+          <a:bodyPr wrap="none" rtlCol="0">
+            <a:spAutoFit/>
+          </a:bodyPr>
+          <a:lstStyle/>
+          <a:p>
+            <a:r>
+              <a:rPr lang="en-US" sz="1500" dirty="0" err="1" smtClean="0"/>
+              <a:t>Nhấn</a:t>
+            </a:r>
+            <a:r>
+              <a:rPr lang="en-US" sz="1500" dirty="0" smtClean="0"/>
+              <a:t> </a:t>
+            </a:r>
+            <a:r>
+              <a:rPr lang="en-US" sz="1500" dirty="0" err="1" smtClean="0"/>
+              <a:t>nút</a:t>
+            </a:r>
+            <a:r>
+              <a:rPr lang="en-US" sz="1500" dirty="0" smtClean="0"/>
+              <a:t> Run</a:t>
+            </a:r>
+            <a:endParaRPr lang="en-US" sz="1500" dirty="0"/>
+          </a:p>
+        </p:txBody>
+      </p:sp>
+      <p:sp>
+        <p:nvSpPr>
+          <p:cNvPr id="16" name="Oval 15"/>
+          <p:cNvSpPr/>
+          <p:nvPr/>
+        </p:nvSpPr>
+        <p:spPr>
+          <a:xfrm>
+            <a:off x="3195522" y="8770755"/>
+            <a:ext cx="466956" cy="433602"/>
+          </a:xfrm>
+          <a:prstGeom prst="ellipse">
+            <a:avLst/>
+          </a:prstGeom>
+          <a:solidFill>
+            <a:schemeClr val="bg1"/>
+          </a:solidFill>
+          <a:ln w="28575">
+            <a:solidFill>
+              <a:schemeClr val="tx1"/>
+            </a:solidFill>
+          </a:ln>
+        </p:spPr>
+        <p:style>
+          <a:lnRef idx="2">
+            <a:schemeClr val="accent1">
+              <a:shade val="50000"/>
+            </a:schemeClr>
+          </a:lnRef>
+          <a:fillRef idx="1">
+            <a:schemeClr val="accent1"/>
+          </a:fillRef>
+          <a:effectRef idx="0">
+            <a:schemeClr val="accent1"/>
+          </a:effectRef>
+          <a:fontRef idx="minor">
+            <a:schemeClr val="lt1"/>
+          </a:fontRef>
+        </p:style>
+        <p:txBody>
+          <a:bodyPr rtlCol="0" anchor="ctr"/>
+          <a:lstStyle/>
+          <a:p>
+            <a:pPr algn="ctr"/>
+            <a:endParaRPr lang="en-US"/>
+          </a:p>
+        </p:txBody>
+      </p:sp>
+      <p:sp>
+        <p:nvSpPr>
+          <p:cNvPr id="17" name="Oval 16"/>
+          <p:cNvSpPr/>
+          <p:nvPr/>
+        </p:nvSpPr>
+        <p:spPr>
+          <a:xfrm>
+            <a:off x="3279448" y="8847115"/>
+            <a:ext cx="302488" cy="280882"/>
+          </a:xfrm>
+          <a:prstGeom prst="ellipse">
+            <a:avLst/>
+          </a:prstGeom>
+          <a:solidFill>
+            <a:schemeClr val="tx1"/>
+          </a:solidFill>
+          <a:ln w="28575">
+            <a:solidFill>
+              <a:schemeClr val="tx1"/>
+            </a:solidFill>
+          </a:ln>
+        </p:spPr>
+        <p:style>
+          <a:lnRef idx="2">
+            <a:schemeClr val="accent1">
+              <a:shade val="50000"/>
+            </a:schemeClr>
+          </a:lnRef>
+          <a:fillRef idx="1">
+            <a:schemeClr val="accent1"/>
+          </a:fillRef>
+          <a:effectRef idx="0">
+            <a:schemeClr val="accent1"/>
+          </a:effectRef>
+          <a:fontRef idx="minor">
+            <a:schemeClr val="lt1"/>
+          </a:fontRef>
+        </p:style>
+        <p:txBody>
+          <a:bodyPr rtlCol="0" anchor="ctr"/>
+          <a:lstStyle/>
+          <a:p>
+            <a:pPr algn="ctr"/>
+            <a:endParaRPr lang="en-US"/>
+          </a:p>
+        </p:txBody>
+      </p:sp>
+      <p:sp>
+        <p:nvSpPr>
+          <p:cNvPr id="18" name="Flowchart: Data 17"/>
+          <p:cNvSpPr/>
+          <p:nvPr/>
+        </p:nvSpPr>
+        <p:spPr>
+          <a:xfrm>
+            <a:off x="1713345" y="7504293"/>
+            <a:ext cx="3163456" cy="755893"/>
+          </a:xfrm>
+          <a:prstGeom prst="flowChartInputOutput">
+            <a:avLst/>
+          </a:prstGeom>
+          <a:noFill/>
+          <a:ln>
+            <a:solidFill>
+              <a:schemeClr val="tx1"/>
+            </a:solidFill>
+          </a:ln>
+        </p:spPr>
+        <p:style>
+          <a:lnRef idx="2">
+            <a:schemeClr val="accent1">
+              <a:shade val="50000"/>
+            </a:schemeClr>
+          </a:lnRef>
+          <a:fillRef idx="1">
+            <a:schemeClr val="accent1"/>
+          </a:fillRef>
+          <a:effectRef idx="0">
+            <a:schemeClr val="accent1"/>
+          </a:effectRef>
+          <a:fontRef idx="minor">
+            <a:schemeClr val="lt1"/>
+          </a:fontRef>
+        </p:style>
+        <p:txBody>
+          <a:bodyPr rtlCol="0" anchor="ctr"/>
+          <a:lstStyle/>
+          <a:p>
+            <a:pPr algn="ctr"/>
+            <a:endParaRPr lang="en-US"/>
+          </a:p>
+        </p:txBody>
+      </p:sp>
+      <p:sp>
+        <p:nvSpPr>
+          <p:cNvPr id="19" name="TextBox 18"/>
+          <p:cNvSpPr txBox="1"/>
+          <p:nvPr/>
+        </p:nvSpPr>
+        <p:spPr>
+          <a:xfrm>
+            <a:off x="2312853" y="7504293"/>
+            <a:ext cx="2196471" cy="784830"/>
+          </a:xfrm>
+          <a:prstGeom prst="rect">
+            <a:avLst/>
+          </a:prstGeom>
+          <a:noFill/>
+        </p:spPr>
+        <p:txBody>
+          <a:bodyPr wrap="square" rtlCol="0">
+            <a:spAutoFit/>
+          </a:bodyPr>
+          <a:lstStyle/>
+          <a:p>
+            <a:pPr algn="ctr"/>
+            <a:r>
+              <a:rPr lang="en-US" sz="1500" dirty="0" err="1" smtClean="0"/>
+              <a:t>Thông</a:t>
+            </a:r>
+            <a:r>
+              <a:rPr lang="en-US" sz="1500" dirty="0" smtClean="0"/>
+              <a:t> tin </a:t>
+            </a:r>
+            <a:r>
+              <a:rPr lang="en-US" sz="1500" dirty="0" err="1" smtClean="0"/>
+              <a:t>khoảng</a:t>
+            </a:r>
+            <a:r>
+              <a:rPr lang="en-US" sz="1500" dirty="0" smtClean="0"/>
+              <a:t> </a:t>
+            </a:r>
+            <a:r>
+              <a:rPr lang="en-US" sz="1500" dirty="0" err="1" smtClean="0"/>
+              <a:t>cách</a:t>
+            </a:r>
+            <a:r>
+              <a:rPr lang="en-US" sz="1500" dirty="0" smtClean="0"/>
+              <a:t> </a:t>
+            </a:r>
+            <a:r>
+              <a:rPr lang="en-US" sz="1500" dirty="0" err="1" smtClean="0"/>
+              <a:t>và</a:t>
+            </a:r>
+            <a:r>
+              <a:rPr lang="en-US" sz="1500" dirty="0" smtClean="0"/>
+              <a:t> </a:t>
+            </a:r>
+            <a:r>
+              <a:rPr lang="en-US" sz="1500" dirty="0" err="1" smtClean="0"/>
+              <a:t>thời</a:t>
+            </a:r>
+            <a:r>
+              <a:rPr lang="en-US" sz="1500" dirty="0" smtClean="0"/>
+              <a:t> </a:t>
+            </a:r>
+            <a:r>
+              <a:rPr lang="en-US" sz="1500" dirty="0" err="1" smtClean="0"/>
+              <a:t>gian</a:t>
+            </a:r>
+            <a:r>
+              <a:rPr lang="en-US" sz="1500" dirty="0" smtClean="0"/>
+              <a:t> </a:t>
+            </a:r>
+            <a:r>
+              <a:rPr lang="en-US" sz="1500" dirty="0" err="1" smtClean="0"/>
+              <a:t>và</a:t>
+            </a:r>
+            <a:r>
+              <a:rPr lang="en-US" sz="1500" dirty="0" smtClean="0"/>
+              <a:t> </a:t>
+            </a:r>
+            <a:r>
+              <a:rPr lang="en-US" sz="1500" dirty="0" err="1" smtClean="0"/>
+              <a:t>hướng</a:t>
+            </a:r>
+            <a:r>
+              <a:rPr lang="en-US" sz="1500" dirty="0" smtClean="0"/>
+              <a:t> </a:t>
+            </a:r>
+            <a:r>
+              <a:rPr lang="en-US" sz="1500" dirty="0" err="1" smtClean="0"/>
+              <a:t>dẫn</a:t>
+            </a:r>
+            <a:r>
+              <a:rPr lang="en-US" sz="1500" dirty="0" smtClean="0"/>
+              <a:t> </a:t>
+            </a:r>
+            <a:r>
+              <a:rPr lang="en-US" sz="1500" dirty="0" err="1" smtClean="0"/>
+              <a:t>chỉ</a:t>
+            </a:r>
+            <a:r>
+              <a:rPr lang="en-US" sz="1500" dirty="0" smtClean="0"/>
+              <a:t> </a:t>
+            </a:r>
+            <a:r>
+              <a:rPr lang="en-US" sz="1500" dirty="0" err="1" smtClean="0"/>
+              <a:t>đường</a:t>
+            </a:r>
+            <a:endParaRPr lang="en-US" sz="1500" dirty="0"/>
+          </a:p>
+        </p:txBody>
+      </p:sp>
+      <p:cxnSp>
+        <p:nvCxnSpPr>
+          <p:cNvPr id="21" name="Straight Arrow Connector 20"/>
+          <p:cNvCxnSpPr>
+            <a:stCxn id="4" idx="4"/>
+            <a:endCxn id="8" idx="1"/>
+          </p:cNvCxnSpPr>
+          <p:nvPr/>
+        </p:nvCxnSpPr>
+        <p:spPr>
+          <a:xfrm>
+            <a:off x="3418748" y="932197"/>
+            <a:ext cx="17179" cy="809761"/>
+          </a:xfrm>
+          <a:prstGeom prst="straightConnector1">
+            <a:avLst/>
+          </a:prstGeom>
+          <a:ln>
+            <a:tailEnd type="triangle"/>
+          </a:ln>
+        </p:spPr>
+        <p:style>
+          <a:lnRef idx="2">
+            <a:schemeClr val="dk1"/>
+          </a:lnRef>
+          <a:fillRef idx="0">
+            <a:schemeClr val="dk1"/>
+          </a:fillRef>
+          <a:effectRef idx="1">
+            <a:schemeClr val="dk1"/>
+          </a:effectRef>
+          <a:fontRef idx="minor">
+            <a:schemeClr val="tx1"/>
+          </a:fontRef>
+        </p:style>
+      </p:cxnSp>
+      <p:cxnSp>
+        <p:nvCxnSpPr>
+          <p:cNvPr id="23" name="Straight Arrow Connector 22"/>
+          <p:cNvCxnSpPr>
+            <a:stCxn id="8" idx="4"/>
+            <a:endCxn id="10" idx="1"/>
+          </p:cNvCxnSpPr>
+          <p:nvPr/>
+        </p:nvCxnSpPr>
+        <p:spPr>
+          <a:xfrm flipH="1">
+            <a:off x="3418747" y="2497851"/>
+            <a:ext cx="17180" cy="756295"/>
+          </a:xfrm>
+          <a:prstGeom prst="straightConnector1">
+            <a:avLst/>
+          </a:prstGeom>
+          <a:ln>
+            <a:tailEnd type="triangle"/>
+          </a:ln>
+        </p:spPr>
+        <p:style>
+          <a:lnRef idx="2">
+            <a:schemeClr val="dk1"/>
+          </a:lnRef>
+          <a:fillRef idx="0">
+            <a:schemeClr val="dk1"/>
+          </a:fillRef>
+          <a:effectRef idx="1">
+            <a:schemeClr val="dk1"/>
+          </a:effectRef>
+          <a:fontRef idx="minor">
+            <a:schemeClr val="tx1"/>
+          </a:fontRef>
+        </p:style>
+      </p:cxnSp>
+      <p:cxnSp>
+        <p:nvCxnSpPr>
+          <p:cNvPr id="25" name="Straight Arrow Connector 24"/>
+          <p:cNvCxnSpPr>
+            <a:stCxn id="10" idx="4"/>
+            <a:endCxn id="12" idx="1"/>
+          </p:cNvCxnSpPr>
+          <p:nvPr/>
+        </p:nvCxnSpPr>
+        <p:spPr>
+          <a:xfrm flipH="1">
+            <a:off x="3411089" y="4010039"/>
+            <a:ext cx="7658" cy="838272"/>
+          </a:xfrm>
+          <a:prstGeom prst="straightConnector1">
+            <a:avLst/>
+          </a:prstGeom>
+          <a:ln>
+            <a:tailEnd type="triangle"/>
+          </a:ln>
+        </p:spPr>
+        <p:style>
+          <a:lnRef idx="2">
+            <a:schemeClr val="dk1"/>
+          </a:lnRef>
+          <a:fillRef idx="0">
+            <a:schemeClr val="dk1"/>
+          </a:fillRef>
+          <a:effectRef idx="1">
+            <a:schemeClr val="dk1"/>
+          </a:effectRef>
+          <a:fontRef idx="minor">
+            <a:schemeClr val="tx1"/>
+          </a:fontRef>
+        </p:style>
+      </p:cxnSp>
+      <p:cxnSp>
+        <p:nvCxnSpPr>
+          <p:cNvPr id="29" name="Straight Arrow Connector 28"/>
+          <p:cNvCxnSpPr>
+            <a:stCxn id="12" idx="4"/>
+            <a:endCxn id="14" idx="0"/>
+          </p:cNvCxnSpPr>
+          <p:nvPr/>
+        </p:nvCxnSpPr>
+        <p:spPr>
+          <a:xfrm flipH="1">
+            <a:off x="3411088" y="5604204"/>
+            <a:ext cx="1" cy="554119"/>
+          </a:xfrm>
+          <a:prstGeom prst="straightConnector1">
+            <a:avLst/>
+          </a:prstGeom>
+          <a:ln>
+            <a:tailEnd type="triangle"/>
+          </a:ln>
+        </p:spPr>
+        <p:style>
+          <a:lnRef idx="2">
+            <a:schemeClr val="dk1"/>
+          </a:lnRef>
+          <a:fillRef idx="0">
+            <a:schemeClr val="dk1"/>
+          </a:fillRef>
+          <a:effectRef idx="1">
+            <a:schemeClr val="dk1"/>
+          </a:effectRef>
+          <a:fontRef idx="minor">
+            <a:schemeClr val="tx1"/>
+          </a:fontRef>
+        </p:style>
+      </p:cxnSp>
+      <p:cxnSp>
+        <p:nvCxnSpPr>
+          <p:cNvPr id="33" name="Straight Arrow Connector 32"/>
+          <p:cNvCxnSpPr>
+            <a:stCxn id="14" idx="2"/>
+            <a:endCxn id="19" idx="0"/>
+          </p:cNvCxnSpPr>
+          <p:nvPr/>
+        </p:nvCxnSpPr>
+        <p:spPr>
+          <a:xfrm>
+            <a:off x="3411088" y="7054250"/>
+            <a:ext cx="1" cy="450043"/>
+          </a:xfrm>
+          <a:prstGeom prst="straightConnector1">
+            <a:avLst/>
+          </a:prstGeom>
+          <a:ln>
+            <a:tailEnd type="triangle"/>
+          </a:ln>
+        </p:spPr>
+        <p:style>
+          <a:lnRef idx="2">
+            <a:schemeClr val="dk1"/>
+          </a:lnRef>
+          <a:fillRef idx="0">
+            <a:schemeClr val="dk1"/>
+          </a:fillRef>
+          <a:effectRef idx="1">
+            <a:schemeClr val="dk1"/>
+          </a:effectRef>
+          <a:fontRef idx="minor">
+            <a:schemeClr val="tx1"/>
+          </a:fontRef>
+        </p:style>
+      </p:cxnSp>
+      <p:cxnSp>
+        <p:nvCxnSpPr>
+          <p:cNvPr id="36" name="Straight Arrow Connector 35"/>
+          <p:cNvCxnSpPr>
+            <a:stCxn id="19" idx="2"/>
+            <a:endCxn id="16" idx="0"/>
+          </p:cNvCxnSpPr>
+          <p:nvPr/>
+        </p:nvCxnSpPr>
+        <p:spPr>
+          <a:xfrm>
+            <a:off x="3411089" y="8289123"/>
+            <a:ext cx="17911" cy="481632"/>
+          </a:xfrm>
+          <a:prstGeom prst="straightConnector1">
+            <a:avLst/>
+          </a:prstGeom>
+          <a:ln>
+            <a:tailEnd type="triangle"/>
+          </a:ln>
+        </p:spPr>
+        <p:style>
+          <a:lnRef idx="2">
+            <a:schemeClr val="dk1"/>
+          </a:lnRef>
+          <a:fillRef idx="0">
+            <a:schemeClr val="dk1"/>
+          </a:fillRef>
+          <a:effectRef idx="1">
+            <a:schemeClr val="dk1"/>
+          </a:effectRef>
+          <a:fontRef idx="minor">
+            <a:schemeClr val="tx1"/>
+          </a:fontRef>
+        </p:style>
+      </p:cxnSp>
+    </p:spTree>
+    <p:extLst>
+      <p:ext uri="{BB962C8B-B14F-4D97-AF65-F5344CB8AC3E}">
+        <p14:creationId xmlns:p14="http://schemas.microsoft.com/office/powerpoint/2010/main" val="633594132"/>
       </p:ext>
     </p:extLst>
   </p:cSld>
@@ -8011,7 +10462,7 @@
 <file path=ppt/theme/theme1.xml><?xml version="1.0" encoding="utf-8"?>
 <a:theme xmlns:a="http://schemas.openxmlformats.org/drawingml/2006/main" name="Office Theme">
   <a:themeElements>
-    <a:clrScheme name="Office">
+    <a:clrScheme name="Office Theme">
       <a:dk1>
         <a:sysClr val="windowText" lastClr="000000"/>
       </a:dk1>
@@ -8049,7 +10500,7 @@
         <a:srgbClr val="954F72"/>
       </a:folHlink>
     </a:clrScheme>
-    <a:fontScheme name="Office">
+    <a:fontScheme name="Office Theme">
       <a:majorFont>
         <a:latin typeface="Calibri Light" panose="020F0302020204030204"/>
         <a:ea typeface=""/>
@@ -8121,7 +10572,7 @@
         <a:font script="Geor" typeface="Sylfaen"/>
       </a:minorFont>
     </a:fontScheme>
-    <a:fmtScheme name="Office">
+    <a:fmtScheme name="Office Theme">
       <a:fillStyleLst>
         <a:solidFill>
           <a:schemeClr val="phClr"/>
